--- a/2022-10-15 Authorization-In-Distributed-Systems/Authorization-In-Distributed-Systems-DotnetConf2022.pptx
+++ b/2022-10-15 Authorization-In-Distributed-Systems/Authorization-In-Distributed-Systems-DotnetConf2022.pptx
@@ -24,12 +24,12 @@
     <p:sldId id="281" r:id="rId18"/>
     <p:sldId id="296" r:id="rId19"/>
     <p:sldId id="275" r:id="rId20"/>
-    <p:sldId id="298" r:id="rId21"/>
-    <p:sldId id="301" r:id="rId22"/>
-    <p:sldId id="300" r:id="rId23"/>
-    <p:sldId id="282" r:id="rId24"/>
-    <p:sldId id="283" r:id="rId25"/>
-    <p:sldId id="289" r:id="rId26"/>
+    <p:sldId id="300" r:id="rId21"/>
+    <p:sldId id="282" r:id="rId22"/>
+    <p:sldId id="289" r:id="rId23"/>
+    <p:sldId id="302" r:id="rId24"/>
+    <p:sldId id="298" r:id="rId25"/>
+    <p:sldId id="301" r:id="rId26"/>
   </p:sldIdLst>
   <p:sldSz cx="12192000" cy="6858000"/>
   <p:notesSz cx="6858000" cy="9144000"/>
@@ -13050,3086 +13050,6 @@
                 <a:latin typeface="Euclid Circular B" panose="020B0504000000000000" pitchFamily="34" charset="0"/>
                 <a:ea typeface="Euclid Circular B" panose="020B0504000000000000" pitchFamily="34" charset="0"/>
               </a:rPr>
-              <a:t>ABP: Updating Permission Definitions</a:t>
-            </a:r>
-          </a:p>
-        </p:txBody>
-      </p:sp>
-      <p:sp>
-        <p:nvSpPr>
-          <p:cNvPr id="3" name="Content Placeholder 2">
-            <a:extLst>
-              <a:ext uri="{FF2B5EF4-FFF2-40B4-BE49-F238E27FC236}">
-                <a16:creationId xmlns:a16="http://schemas.microsoft.com/office/drawing/2014/main" id="{891C7693-D3DF-4635-96F4-97F3B4136FDF}"/>
-              </a:ext>
-            </a:extLst>
-          </p:cNvPr>
-          <p:cNvSpPr>
-            <a:spLocks noGrp="1"/>
-          </p:cNvSpPr>
-          <p:nvPr>
-            <p:ph idx="1"/>
-          </p:nvPr>
-        </p:nvSpPr>
-        <p:spPr>
-          <a:xfrm>
-            <a:off x="838200" y="1825625"/>
-            <a:ext cx="5104944" cy="4351338"/>
-          </a:xfrm>
-        </p:spPr>
-        <p:txBody>
-          <a:bodyPr>
-            <a:normAutofit/>
-          </a:bodyPr>
-          <a:lstStyle/>
-          <a:p>
-            <a:pPr marL="0" indent="0">
-              <a:buNone/>
-            </a:pPr>
-            <a:r>
-              <a:rPr lang="en-US" sz="2000" dirty="0">
-                <a:latin typeface="Euclid Circular B" panose="020B0504000000000000" pitchFamily="34" charset="0"/>
-                <a:ea typeface="Euclid Circular B" panose="020B0504000000000000" pitchFamily="34" charset="0"/>
-              </a:rPr>
-              <a:t>On the </a:t>
-            </a:r>
-            <a:r>
-              <a:rPr lang="en-US" sz="2000" b="1" dirty="0">
-                <a:latin typeface="Euclid Circular B" panose="020B0504000000000000" pitchFamily="34" charset="0"/>
-                <a:ea typeface="Euclid Circular B" panose="020B0504000000000000" pitchFamily="34" charset="0"/>
-              </a:rPr>
-              <a:t>service startup</a:t>
-            </a:r>
-            <a:r>
-              <a:rPr lang="en-US" sz="2000" dirty="0">
-                <a:latin typeface="Euclid Circular B" panose="020B0504000000000000" pitchFamily="34" charset="0"/>
-                <a:ea typeface="Euclid Circular B" panose="020B0504000000000000" pitchFamily="34" charset="0"/>
-              </a:rPr>
-              <a:t>;</a:t>
-            </a:r>
-          </a:p>
-          <a:p>
-            <a:r>
-              <a:rPr lang="en-US" sz="1800" b="1" dirty="0">
-                <a:latin typeface="Euclid Circular B" panose="020B0504000000000000" pitchFamily="34" charset="0"/>
-                <a:ea typeface="Euclid Circular B" panose="020B0504000000000000" pitchFamily="34" charset="0"/>
-              </a:rPr>
-              <a:t>Calculate </a:t>
-            </a:r>
-            <a:r>
-              <a:rPr lang="en-US" sz="1800" dirty="0">
-                <a:latin typeface="Euclid Circular B" panose="020B0504000000000000" pitchFamily="34" charset="0"/>
-                <a:ea typeface="Euclid Circular B" panose="020B0504000000000000" pitchFamily="34" charset="0"/>
-              </a:rPr>
-              <a:t>a single </a:t>
-            </a:r>
-            <a:r>
-              <a:rPr lang="en-US" sz="1800" b="1" dirty="0">
-                <a:latin typeface="Euclid Circular B" panose="020B0504000000000000" pitchFamily="34" charset="0"/>
-                <a:ea typeface="Euclid Circular B" panose="020B0504000000000000" pitchFamily="34" charset="0"/>
-              </a:rPr>
-              <a:t>hash </a:t>
-            </a:r>
-            <a:r>
-              <a:rPr lang="en-US" sz="1800" dirty="0">
-                <a:latin typeface="Euclid Circular B" panose="020B0504000000000000" pitchFamily="34" charset="0"/>
-                <a:ea typeface="Euclid Circular B" panose="020B0504000000000000" pitchFamily="34" charset="0"/>
-              </a:rPr>
-              <a:t>of all permission definitions</a:t>
-            </a:r>
-          </a:p>
-          <a:p>
-            <a:r>
-              <a:rPr lang="en-US" sz="1800" b="1" dirty="0">
-                <a:latin typeface="Euclid Circular B" panose="020B0504000000000000" pitchFamily="34" charset="0"/>
-                <a:ea typeface="Euclid Circular B" panose="020B0504000000000000" pitchFamily="34" charset="0"/>
-              </a:rPr>
-              <a:t>Compare </a:t>
-            </a:r>
-            <a:r>
-              <a:rPr lang="en-US" sz="1800" dirty="0">
-                <a:latin typeface="Euclid Circular B" panose="020B0504000000000000" pitchFamily="34" charset="0"/>
-                <a:ea typeface="Euclid Circular B" panose="020B0504000000000000" pitchFamily="34" charset="0"/>
-              </a:rPr>
-              <a:t>with the hash in the distributed cache</a:t>
-            </a:r>
-          </a:p>
-          <a:p>
-            <a:r>
-              <a:rPr lang="en-US" sz="1800" b="1" dirty="0">
-                <a:latin typeface="Euclid Circular B" panose="020B0504000000000000" pitchFamily="34" charset="0"/>
-                <a:ea typeface="Euclid Circular B" panose="020B0504000000000000" pitchFamily="34" charset="0"/>
-              </a:rPr>
-              <a:t>Serialize </a:t>
-            </a:r>
-            <a:r>
-              <a:rPr lang="en-US" sz="1800" dirty="0">
-                <a:latin typeface="Euclid Circular B" panose="020B0504000000000000" pitchFamily="34" charset="0"/>
-                <a:ea typeface="Euclid Circular B" panose="020B0504000000000000" pitchFamily="34" charset="0"/>
-              </a:rPr>
-              <a:t>and save permission definitions (only changed / new ones)</a:t>
-            </a:r>
-          </a:p>
-          <a:p>
-            <a:r>
-              <a:rPr lang="en-US" sz="1800" dirty="0">
-                <a:latin typeface="Euclid Circular B" panose="020B0504000000000000" pitchFamily="34" charset="0"/>
-                <a:ea typeface="Euclid Circular B" panose="020B0504000000000000" pitchFamily="34" charset="0"/>
-              </a:rPr>
-              <a:t>Update the </a:t>
-            </a:r>
-            <a:r>
-              <a:rPr lang="en-US" sz="1800" b="1" dirty="0">
-                <a:latin typeface="Euclid Circular B" panose="020B0504000000000000" pitchFamily="34" charset="0"/>
-                <a:ea typeface="Euclid Circular B" panose="020B0504000000000000" pitchFamily="34" charset="0"/>
-              </a:rPr>
-              <a:t>permission stamp </a:t>
-            </a:r>
-            <a:r>
-              <a:rPr lang="en-US" sz="1800" dirty="0">
-                <a:latin typeface="Euclid Circular B" panose="020B0504000000000000" pitchFamily="34" charset="0"/>
-                <a:ea typeface="Euclid Circular B" panose="020B0504000000000000" pitchFamily="34" charset="0"/>
-              </a:rPr>
-              <a:t>to inform other services</a:t>
-            </a:r>
-          </a:p>
-          <a:p>
-            <a:r>
-              <a:rPr lang="en-US" sz="1800" dirty="0">
-                <a:latin typeface="Euclid Circular B" panose="020B0504000000000000" pitchFamily="34" charset="0"/>
-                <a:ea typeface="Euclid Circular B" panose="020B0504000000000000" pitchFamily="34" charset="0"/>
-              </a:rPr>
-              <a:t>Use </a:t>
-            </a:r>
-            <a:r>
-              <a:rPr lang="en-US" sz="1800" b="1" i="1" dirty="0">
-                <a:latin typeface="Euclid Circular B" panose="020B0504000000000000" pitchFamily="34" charset="0"/>
-                <a:ea typeface="Euclid Circular B" panose="020B0504000000000000" pitchFamily="34" charset="0"/>
-              </a:rPr>
-              <a:t>microservice name</a:t>
-            </a:r>
-            <a:r>
-              <a:rPr lang="en-US" sz="1800" i="1" dirty="0">
-                <a:latin typeface="Euclid Circular B" panose="020B0504000000000000" pitchFamily="34" charset="0"/>
-                <a:ea typeface="Euclid Circular B" panose="020B0504000000000000" pitchFamily="34" charset="0"/>
-              </a:rPr>
-              <a:t> </a:t>
-            </a:r>
-            <a:r>
-              <a:rPr lang="en-US" sz="1800" dirty="0">
-                <a:latin typeface="Euclid Circular B" panose="020B0504000000000000" pitchFamily="34" charset="0"/>
-                <a:ea typeface="Euclid Circular B" panose="020B0504000000000000" pitchFamily="34" charset="0"/>
-              </a:rPr>
-              <a:t>as a cache key prefix</a:t>
-            </a:r>
-          </a:p>
-        </p:txBody>
-      </p:sp>
-      <p:sp>
-        <p:nvSpPr>
-          <p:cNvPr id="4" name="Rectangle 3">
-            <a:extLst>
-              <a:ext uri="{FF2B5EF4-FFF2-40B4-BE49-F238E27FC236}">
-                <a16:creationId xmlns:a16="http://schemas.microsoft.com/office/drawing/2014/main" id="{DF725507-237A-1E00-130B-F242B99394E4}"/>
-              </a:ext>
-            </a:extLst>
-          </p:cNvPr>
-          <p:cNvSpPr/>
-          <p:nvPr/>
-        </p:nvSpPr>
-        <p:spPr>
-          <a:xfrm>
-            <a:off x="6060341" y="1839977"/>
-            <a:ext cx="1623777" cy="1204796"/>
-          </a:xfrm>
-          <a:prstGeom prst="rect">
-            <a:avLst/>
-          </a:prstGeom>
-        </p:spPr>
-        <p:style>
-          <a:lnRef idx="2">
-            <a:schemeClr val="accent1">
-              <a:shade val="50000"/>
-            </a:schemeClr>
-          </a:lnRef>
-          <a:fillRef idx="1">
-            <a:schemeClr val="accent1"/>
-          </a:fillRef>
-          <a:effectRef idx="0">
-            <a:schemeClr val="accent1"/>
-          </a:effectRef>
-          <a:fontRef idx="minor">
-            <a:schemeClr val="lt1"/>
-          </a:fontRef>
-        </p:style>
-        <p:txBody>
-          <a:bodyPr rtlCol="0" anchor="t"/>
-          <a:lstStyle/>
-          <a:p>
-            <a:pPr algn="ctr"/>
-            <a:r>
-              <a:rPr lang="en-US" dirty="0"/>
-              <a:t>Microservice A</a:t>
-            </a:r>
-          </a:p>
-        </p:txBody>
-      </p:sp>
-      <p:sp>
-        <p:nvSpPr>
-          <p:cNvPr id="5" name="Rectangle: Rounded Corners 4">
-            <a:extLst>
-              <a:ext uri="{FF2B5EF4-FFF2-40B4-BE49-F238E27FC236}">
-                <a16:creationId xmlns:a16="http://schemas.microsoft.com/office/drawing/2014/main" id="{79C73981-81C2-EDDD-289C-6378889C620B}"/>
-              </a:ext>
-            </a:extLst>
-          </p:cNvPr>
-          <p:cNvSpPr/>
-          <p:nvPr/>
-        </p:nvSpPr>
-        <p:spPr>
-          <a:xfrm>
-            <a:off x="6150552" y="2270524"/>
-            <a:ext cx="1447457" cy="646478"/>
-          </a:xfrm>
-          <a:prstGeom prst="roundRect">
-            <a:avLst/>
-          </a:prstGeom>
-        </p:spPr>
-        <p:style>
-          <a:lnRef idx="2">
-            <a:schemeClr val="accent4">
-              <a:shade val="50000"/>
-            </a:schemeClr>
-          </a:lnRef>
-          <a:fillRef idx="1">
-            <a:schemeClr val="accent4"/>
-          </a:fillRef>
-          <a:effectRef idx="0">
-            <a:schemeClr val="accent4"/>
-          </a:effectRef>
-          <a:fontRef idx="minor">
-            <a:schemeClr val="lt1"/>
-          </a:fontRef>
-        </p:style>
-        <p:txBody>
-          <a:bodyPr rtlCol="0" anchor="ctr"/>
-          <a:lstStyle/>
-          <a:p>
-            <a:pPr algn="ctr"/>
-            <a:r>
-              <a:rPr lang="en-US" sz="1200" dirty="0">
-                <a:solidFill>
-                  <a:schemeClr val="tx1"/>
-                </a:solidFill>
-              </a:rPr>
-              <a:t>Static Permission Definitions</a:t>
-            </a:r>
-          </a:p>
-        </p:txBody>
-      </p:sp>
-      <p:sp>
-        <p:nvSpPr>
-          <p:cNvPr id="6" name="Rectangle 5">
-            <a:extLst>
-              <a:ext uri="{FF2B5EF4-FFF2-40B4-BE49-F238E27FC236}">
-                <a16:creationId xmlns:a16="http://schemas.microsoft.com/office/drawing/2014/main" id="{038C0967-05A1-A19D-277B-A9D785F16C90}"/>
-              </a:ext>
-            </a:extLst>
-          </p:cNvPr>
-          <p:cNvSpPr/>
-          <p:nvPr/>
-        </p:nvSpPr>
-        <p:spPr>
-          <a:xfrm>
-            <a:off x="10190176" y="1825625"/>
-            <a:ext cx="1623777" cy="1219148"/>
-          </a:xfrm>
-          <a:prstGeom prst="rect">
-            <a:avLst/>
-          </a:prstGeom>
-        </p:spPr>
-        <p:style>
-          <a:lnRef idx="2">
-            <a:schemeClr val="dk1">
-              <a:shade val="50000"/>
-            </a:schemeClr>
-          </a:lnRef>
-          <a:fillRef idx="1">
-            <a:schemeClr val="dk1"/>
-          </a:fillRef>
-          <a:effectRef idx="0">
-            <a:schemeClr val="dk1"/>
-          </a:effectRef>
-          <a:fontRef idx="minor">
-            <a:schemeClr val="lt1"/>
-          </a:fontRef>
-        </p:style>
-        <p:txBody>
-          <a:bodyPr rtlCol="0" anchor="t"/>
-          <a:lstStyle/>
-          <a:p>
-            <a:pPr algn="ctr"/>
-            <a:r>
-              <a:rPr lang="en-US" sz="1400" dirty="0"/>
-              <a:t>Distributed Cache</a:t>
-            </a:r>
-          </a:p>
-        </p:txBody>
-      </p:sp>
-      <p:sp>
-        <p:nvSpPr>
-          <p:cNvPr id="7" name="Hexagon 6">
-            <a:extLst>
-              <a:ext uri="{FF2B5EF4-FFF2-40B4-BE49-F238E27FC236}">
-                <a16:creationId xmlns:a16="http://schemas.microsoft.com/office/drawing/2014/main" id="{5CAD24FD-7A76-DBD9-BDD6-5303A63AA728}"/>
-              </a:ext>
-            </a:extLst>
-          </p:cNvPr>
-          <p:cNvSpPr/>
-          <p:nvPr/>
-        </p:nvSpPr>
-        <p:spPr>
-          <a:xfrm>
-            <a:off x="8528811" y="2310887"/>
-            <a:ext cx="676574" cy="225525"/>
-          </a:xfrm>
-          <a:prstGeom prst="hexagon">
-            <a:avLst/>
-          </a:prstGeom>
-        </p:spPr>
-        <p:style>
-          <a:lnRef idx="2">
-            <a:schemeClr val="accent2">
-              <a:shade val="50000"/>
-            </a:schemeClr>
-          </a:lnRef>
-          <a:fillRef idx="1">
-            <a:schemeClr val="accent2"/>
-          </a:fillRef>
-          <a:effectRef idx="0">
-            <a:schemeClr val="accent2"/>
-          </a:effectRef>
-          <a:fontRef idx="minor">
-            <a:schemeClr val="lt1"/>
-          </a:fontRef>
-        </p:style>
-        <p:txBody>
-          <a:bodyPr rtlCol="0" anchor="ctr"/>
-          <a:lstStyle/>
-          <a:p>
-            <a:pPr algn="ctr"/>
-            <a:r>
-              <a:rPr lang="en-US" sz="1400" dirty="0"/>
-              <a:t>hash</a:t>
-            </a:r>
-          </a:p>
-        </p:txBody>
-      </p:sp>
-      <p:cxnSp>
-        <p:nvCxnSpPr>
-          <p:cNvPr id="11" name="Straight Arrow Connector 10">
-            <a:extLst>
-              <a:ext uri="{FF2B5EF4-FFF2-40B4-BE49-F238E27FC236}">
-                <a16:creationId xmlns:a16="http://schemas.microsoft.com/office/drawing/2014/main" id="{3885B673-DE66-5574-16CE-11D042F5EEC8}"/>
-              </a:ext>
-            </a:extLst>
-          </p:cNvPr>
-          <p:cNvCxnSpPr>
-            <a:cxnSpLocks/>
-            <a:endCxn id="7" idx="3"/>
-          </p:cNvCxnSpPr>
-          <p:nvPr/>
-        </p:nvCxnSpPr>
-        <p:spPr>
-          <a:xfrm>
-            <a:off x="7598009" y="2423650"/>
-            <a:ext cx="930802" cy="0"/>
-          </a:xfrm>
-          <a:prstGeom prst="straightConnector1">
-            <a:avLst/>
-          </a:prstGeom>
-          <a:ln w="25400">
-            <a:solidFill>
-              <a:schemeClr val="tx1">
-                <a:lumMod val="85000"/>
-                <a:lumOff val="15000"/>
-              </a:schemeClr>
-            </a:solidFill>
-            <a:tailEnd type="triangle"/>
-          </a:ln>
-        </p:spPr>
-        <p:style>
-          <a:lnRef idx="1">
-            <a:schemeClr val="accent1"/>
-          </a:lnRef>
-          <a:fillRef idx="0">
-            <a:schemeClr val="accent1"/>
-          </a:fillRef>
-          <a:effectRef idx="0">
-            <a:schemeClr val="accent1"/>
-          </a:effectRef>
-          <a:fontRef idx="minor">
-            <a:schemeClr val="tx1"/>
-          </a:fontRef>
-        </p:style>
-      </p:cxnSp>
-      <p:sp>
-        <p:nvSpPr>
-          <p:cNvPr id="14" name="Hexagon 13">
-            <a:extLst>
-              <a:ext uri="{FF2B5EF4-FFF2-40B4-BE49-F238E27FC236}">
-                <a16:creationId xmlns:a16="http://schemas.microsoft.com/office/drawing/2014/main" id="{AD632704-7466-931E-6D59-B8CD4F10DF0F}"/>
-              </a:ext>
-            </a:extLst>
-          </p:cNvPr>
-          <p:cNvSpPr/>
-          <p:nvPr/>
-        </p:nvSpPr>
-        <p:spPr>
-          <a:xfrm>
-            <a:off x="10272526" y="2310887"/>
-            <a:ext cx="1459076" cy="225525"/>
-          </a:xfrm>
-          <a:prstGeom prst="hexagon">
-            <a:avLst/>
-          </a:prstGeom>
-        </p:spPr>
-        <p:style>
-          <a:lnRef idx="2">
-            <a:schemeClr val="accent2">
-              <a:shade val="50000"/>
-            </a:schemeClr>
-          </a:lnRef>
-          <a:fillRef idx="1">
-            <a:schemeClr val="accent2"/>
-          </a:fillRef>
-          <a:effectRef idx="0">
-            <a:schemeClr val="accent2"/>
-          </a:effectRef>
-          <a:fontRef idx="minor">
-            <a:schemeClr val="lt1"/>
-          </a:fontRef>
-        </p:style>
-        <p:txBody>
-          <a:bodyPr rtlCol="0" anchor="ctr"/>
-          <a:lstStyle/>
-          <a:p>
-            <a:pPr algn="ctr"/>
-            <a:r>
-              <a:rPr lang="en-US" sz="1400" dirty="0" err="1"/>
-              <a:t>ms_A_hash</a:t>
-            </a:r>
-            <a:endParaRPr lang="en-US" sz="1400" dirty="0"/>
-          </a:p>
-        </p:txBody>
-      </p:sp>
-      <p:cxnSp>
-        <p:nvCxnSpPr>
-          <p:cNvPr id="18" name="Straight Arrow Connector 17">
-            <a:extLst>
-              <a:ext uri="{FF2B5EF4-FFF2-40B4-BE49-F238E27FC236}">
-                <a16:creationId xmlns:a16="http://schemas.microsoft.com/office/drawing/2014/main" id="{67C2D2B6-4B62-9E20-16B4-1405FA4A2CA1}"/>
-              </a:ext>
-            </a:extLst>
-          </p:cNvPr>
-          <p:cNvCxnSpPr>
-            <a:stCxn id="7" idx="0"/>
-            <a:endCxn id="14" idx="3"/>
-          </p:cNvCxnSpPr>
-          <p:nvPr/>
-        </p:nvCxnSpPr>
-        <p:spPr>
-          <a:xfrm flipV="1">
-            <a:off x="9205385" y="2423649"/>
-            <a:ext cx="1067141" cy="1"/>
-          </a:xfrm>
-          <a:prstGeom prst="straightConnector1">
-            <a:avLst/>
-          </a:prstGeom>
-          <a:ln w="25400">
-            <a:solidFill>
-              <a:schemeClr val="tx1">
-                <a:lumMod val="85000"/>
-                <a:lumOff val="15000"/>
-              </a:schemeClr>
-            </a:solidFill>
-            <a:headEnd type="triangle"/>
-            <a:tailEnd type="triangle"/>
-          </a:ln>
-        </p:spPr>
-        <p:style>
-          <a:lnRef idx="1">
-            <a:schemeClr val="accent1"/>
-          </a:lnRef>
-          <a:fillRef idx="0">
-            <a:schemeClr val="accent1"/>
-          </a:fillRef>
-          <a:effectRef idx="0">
-            <a:schemeClr val="accent1"/>
-          </a:effectRef>
-          <a:fontRef idx="minor">
-            <a:schemeClr val="tx1"/>
-          </a:fontRef>
-        </p:style>
-      </p:cxnSp>
-      <p:sp>
-        <p:nvSpPr>
-          <p:cNvPr id="19" name="TextBox 18">
-            <a:extLst>
-              <a:ext uri="{FF2B5EF4-FFF2-40B4-BE49-F238E27FC236}">
-                <a16:creationId xmlns:a16="http://schemas.microsoft.com/office/drawing/2014/main" id="{F3F45DBC-65E0-C5E0-BF9D-D77F73FF9152}"/>
-              </a:ext>
-            </a:extLst>
-          </p:cNvPr>
-          <p:cNvSpPr txBox="1"/>
-          <p:nvPr/>
-        </p:nvSpPr>
-        <p:spPr>
-          <a:xfrm>
-            <a:off x="7655613" y="2138802"/>
-            <a:ext cx="832023" cy="307777"/>
-          </a:xfrm>
-          <a:prstGeom prst="rect">
-            <a:avLst/>
-          </a:prstGeom>
-          <a:noFill/>
-        </p:spPr>
-        <p:txBody>
-          <a:bodyPr wrap="none" rtlCol="0">
-            <a:spAutoFit/>
-          </a:bodyPr>
-          <a:lstStyle/>
-          <a:p>
-            <a:r>
-              <a:rPr lang="en-US" sz="1400" dirty="0"/>
-              <a:t>calculate</a:t>
-            </a:r>
-          </a:p>
-        </p:txBody>
-      </p:sp>
-      <p:sp>
-        <p:nvSpPr>
-          <p:cNvPr id="20" name="TextBox 19">
-            <a:extLst>
-              <a:ext uri="{FF2B5EF4-FFF2-40B4-BE49-F238E27FC236}">
-                <a16:creationId xmlns:a16="http://schemas.microsoft.com/office/drawing/2014/main" id="{010666EF-16F7-9536-0C86-BFAC613004F8}"/>
-              </a:ext>
-            </a:extLst>
-          </p:cNvPr>
-          <p:cNvSpPr txBox="1"/>
-          <p:nvPr/>
-        </p:nvSpPr>
-        <p:spPr>
-          <a:xfrm>
-            <a:off x="9322582" y="2143351"/>
-            <a:ext cx="826829" cy="307777"/>
-          </a:xfrm>
-          <a:prstGeom prst="rect">
-            <a:avLst/>
-          </a:prstGeom>
-          <a:noFill/>
-        </p:spPr>
-        <p:txBody>
-          <a:bodyPr wrap="none" rtlCol="0">
-            <a:spAutoFit/>
-          </a:bodyPr>
-          <a:lstStyle/>
-          <a:p>
-            <a:r>
-              <a:rPr lang="en-US" sz="1400" dirty="0"/>
-              <a:t>compare</a:t>
-            </a:r>
-          </a:p>
-        </p:txBody>
-      </p:sp>
-      <p:sp>
-        <p:nvSpPr>
-          <p:cNvPr id="21" name="Oval 20">
-            <a:extLst>
-              <a:ext uri="{FF2B5EF4-FFF2-40B4-BE49-F238E27FC236}">
-                <a16:creationId xmlns:a16="http://schemas.microsoft.com/office/drawing/2014/main" id="{82EB209D-0088-DBF9-8DE7-ABEDFEFDD0A3}"/>
-              </a:ext>
-            </a:extLst>
-          </p:cNvPr>
-          <p:cNvSpPr/>
-          <p:nvPr/>
-        </p:nvSpPr>
-        <p:spPr>
-          <a:xfrm>
-            <a:off x="10190175" y="3499345"/>
-            <a:ext cx="1623777" cy="775400"/>
-          </a:xfrm>
-          <a:prstGeom prst="ellipse">
-            <a:avLst/>
-          </a:prstGeom>
-        </p:spPr>
-        <p:style>
-          <a:lnRef idx="2">
-            <a:schemeClr val="accent6">
-              <a:shade val="50000"/>
-            </a:schemeClr>
-          </a:lnRef>
-          <a:fillRef idx="1">
-            <a:schemeClr val="accent6"/>
-          </a:fillRef>
-          <a:effectRef idx="0">
-            <a:schemeClr val="accent6"/>
-          </a:effectRef>
-          <a:fontRef idx="minor">
-            <a:schemeClr val="lt1"/>
-          </a:fontRef>
-        </p:style>
-        <p:txBody>
-          <a:bodyPr rtlCol="0" anchor="ctr"/>
-          <a:lstStyle/>
-          <a:p>
-            <a:pPr algn="ctr"/>
-            <a:r>
-              <a:rPr lang="en-US" sz="1200" dirty="0"/>
-              <a:t>Permission</a:t>
-            </a:r>
-            <a:br>
-              <a:rPr lang="en-US" sz="1200" dirty="0"/>
-            </a:br>
-            <a:r>
-              <a:rPr lang="en-US" sz="1200" dirty="0"/>
-              <a:t>Management</a:t>
-            </a:r>
-            <a:br>
-              <a:rPr lang="en-US" sz="1200" dirty="0"/>
-            </a:br>
-            <a:r>
-              <a:rPr lang="en-US" sz="1200" dirty="0"/>
-              <a:t>Database</a:t>
-            </a:r>
-          </a:p>
-        </p:txBody>
-      </p:sp>
-      <p:cxnSp>
-        <p:nvCxnSpPr>
-          <p:cNvPr id="23" name="Connector: Elbow 22">
-            <a:extLst>
-              <a:ext uri="{FF2B5EF4-FFF2-40B4-BE49-F238E27FC236}">
-                <a16:creationId xmlns:a16="http://schemas.microsoft.com/office/drawing/2014/main" id="{1C37B7AC-47F9-E0F7-16E6-99C83B1B33EF}"/>
-              </a:ext>
-            </a:extLst>
-          </p:cNvPr>
-          <p:cNvCxnSpPr>
-            <a:cxnSpLocks/>
-            <a:stCxn id="5" idx="2"/>
-            <a:endCxn id="21" idx="2"/>
-          </p:cNvCxnSpPr>
-          <p:nvPr/>
-        </p:nvCxnSpPr>
-        <p:spPr>
-          <a:xfrm rot="16200000" flipH="1">
-            <a:off x="8047207" y="1744076"/>
-            <a:ext cx="970043" cy="3315894"/>
-          </a:xfrm>
-          <a:prstGeom prst="bentConnector2">
-            <a:avLst/>
-          </a:prstGeom>
-          <a:ln w="25400">
-            <a:solidFill>
-              <a:schemeClr val="tx1">
-                <a:lumMod val="85000"/>
-                <a:lumOff val="15000"/>
-              </a:schemeClr>
-            </a:solidFill>
-            <a:tailEnd type="triangle"/>
-          </a:ln>
-        </p:spPr>
-        <p:style>
-          <a:lnRef idx="1">
-            <a:schemeClr val="accent1"/>
-          </a:lnRef>
-          <a:fillRef idx="0">
-            <a:schemeClr val="accent1"/>
-          </a:fillRef>
-          <a:effectRef idx="0">
-            <a:schemeClr val="accent1"/>
-          </a:effectRef>
-          <a:fontRef idx="minor">
-            <a:schemeClr val="tx1"/>
-          </a:fontRef>
-        </p:style>
-      </p:cxnSp>
-      <p:sp>
-        <p:nvSpPr>
-          <p:cNvPr id="24" name="Hexagon 23">
-            <a:extLst>
-              <a:ext uri="{FF2B5EF4-FFF2-40B4-BE49-F238E27FC236}">
-                <a16:creationId xmlns:a16="http://schemas.microsoft.com/office/drawing/2014/main" id="{9E1CE1DB-278D-637A-FDA5-7F930CD397FE}"/>
-              </a:ext>
-            </a:extLst>
-          </p:cNvPr>
-          <p:cNvSpPr/>
-          <p:nvPr/>
-        </p:nvSpPr>
-        <p:spPr>
-          <a:xfrm>
-            <a:off x="10270475" y="2664183"/>
-            <a:ext cx="1459076" cy="225525"/>
-          </a:xfrm>
-          <a:prstGeom prst="hexagon">
-            <a:avLst/>
-          </a:prstGeom>
-        </p:spPr>
-        <p:style>
-          <a:lnRef idx="2">
-            <a:schemeClr val="accent2">
-              <a:shade val="50000"/>
-            </a:schemeClr>
-          </a:lnRef>
-          <a:fillRef idx="1">
-            <a:schemeClr val="accent2"/>
-          </a:fillRef>
-          <a:effectRef idx="0">
-            <a:schemeClr val="accent2"/>
-          </a:effectRef>
-          <a:fontRef idx="minor">
-            <a:schemeClr val="lt1"/>
-          </a:fontRef>
-        </p:style>
-        <p:txBody>
-          <a:bodyPr rtlCol="0" anchor="ctr"/>
-          <a:lstStyle/>
-          <a:p>
-            <a:pPr algn="ctr"/>
-            <a:r>
-              <a:rPr lang="en-US" sz="1400" dirty="0" err="1"/>
-              <a:t>perm_stamp</a:t>
-            </a:r>
-            <a:endParaRPr lang="en-US" sz="1400" dirty="0"/>
-          </a:p>
-        </p:txBody>
-      </p:sp>
-      <p:cxnSp>
-        <p:nvCxnSpPr>
-          <p:cNvPr id="33" name="Straight Arrow Connector 32">
-            <a:extLst>
-              <a:ext uri="{FF2B5EF4-FFF2-40B4-BE49-F238E27FC236}">
-                <a16:creationId xmlns:a16="http://schemas.microsoft.com/office/drawing/2014/main" id="{66F4BCE8-DC13-8D69-9A00-4BBE711D4842}"/>
-              </a:ext>
-            </a:extLst>
-          </p:cNvPr>
-          <p:cNvCxnSpPr>
-            <a:cxnSpLocks/>
-            <a:endCxn id="24" idx="3"/>
-          </p:cNvCxnSpPr>
-          <p:nvPr/>
-        </p:nvCxnSpPr>
-        <p:spPr>
-          <a:xfrm>
-            <a:off x="7598009" y="2776946"/>
-            <a:ext cx="2672466" cy="0"/>
-          </a:xfrm>
-          <a:prstGeom prst="straightConnector1">
-            <a:avLst/>
-          </a:prstGeom>
-          <a:ln w="25400">
-            <a:solidFill>
-              <a:schemeClr val="tx1">
-                <a:lumMod val="85000"/>
-                <a:lumOff val="15000"/>
-              </a:schemeClr>
-            </a:solidFill>
-            <a:tailEnd type="triangle"/>
-          </a:ln>
-        </p:spPr>
-        <p:style>
-          <a:lnRef idx="1">
-            <a:schemeClr val="accent1"/>
-          </a:lnRef>
-          <a:fillRef idx="0">
-            <a:schemeClr val="accent1"/>
-          </a:fillRef>
-          <a:effectRef idx="0">
-            <a:schemeClr val="accent1"/>
-          </a:effectRef>
-          <a:fontRef idx="minor">
-            <a:schemeClr val="tx1"/>
-          </a:fontRef>
-        </p:style>
-      </p:cxnSp>
-      <p:sp>
-        <p:nvSpPr>
-          <p:cNvPr id="34" name="TextBox 33">
-            <a:extLst>
-              <a:ext uri="{FF2B5EF4-FFF2-40B4-BE49-F238E27FC236}">
-                <a16:creationId xmlns:a16="http://schemas.microsoft.com/office/drawing/2014/main" id="{A6A0F81C-00C0-6258-C62D-629EBA34341F}"/>
-              </a:ext>
-            </a:extLst>
-          </p:cNvPr>
-          <p:cNvSpPr txBox="1"/>
-          <p:nvPr/>
-        </p:nvSpPr>
-        <p:spPr>
-          <a:xfrm>
-            <a:off x="8523116" y="2748415"/>
-            <a:ext cx="832023" cy="307777"/>
-          </a:xfrm>
-          <a:prstGeom prst="rect">
-            <a:avLst/>
-          </a:prstGeom>
-          <a:noFill/>
-        </p:spPr>
-        <p:txBody>
-          <a:bodyPr wrap="square" rtlCol="0">
-            <a:spAutoFit/>
-          </a:bodyPr>
-          <a:lstStyle/>
-          <a:p>
-            <a:r>
-              <a:rPr lang="en-US" sz="1400" dirty="0"/>
-              <a:t>update</a:t>
-            </a:r>
-          </a:p>
-        </p:txBody>
-      </p:sp>
-      <p:sp>
-        <p:nvSpPr>
-          <p:cNvPr id="39" name="TextBox 38">
-            <a:extLst>
-              <a:ext uri="{FF2B5EF4-FFF2-40B4-BE49-F238E27FC236}">
-                <a16:creationId xmlns:a16="http://schemas.microsoft.com/office/drawing/2014/main" id="{76B06D21-2490-E6C8-0B07-3AE1C59E1FCA}"/>
-              </a:ext>
-            </a:extLst>
-          </p:cNvPr>
-          <p:cNvSpPr txBox="1"/>
-          <p:nvPr/>
-        </p:nvSpPr>
-        <p:spPr>
-          <a:xfrm>
-            <a:off x="6992203" y="3575283"/>
-            <a:ext cx="3020705" cy="307777"/>
-          </a:xfrm>
-          <a:prstGeom prst="rect">
-            <a:avLst/>
-          </a:prstGeom>
-          <a:noFill/>
-        </p:spPr>
-        <p:txBody>
-          <a:bodyPr wrap="square" rtlCol="0">
-            <a:spAutoFit/>
-          </a:bodyPr>
-          <a:lstStyle/>
-          <a:p>
-            <a:r>
-              <a:rPr lang="en-US" sz="1400" dirty="0"/>
-              <a:t>Serialize &amp; save permission definitions</a:t>
-            </a:r>
-          </a:p>
-        </p:txBody>
-      </p:sp>
-    </p:spTree>
-    <p:extLst>
-      <p:ext uri="{BB962C8B-B14F-4D97-AF65-F5344CB8AC3E}">
-        <p14:creationId xmlns:p14="http://schemas.microsoft.com/office/powerpoint/2010/main" val="3633676666"/>
-      </p:ext>
-    </p:extLst>
-  </p:cSld>
-  <p:clrMapOvr>
-    <a:masterClrMapping/>
-  </p:clrMapOvr>
-  <p:timing>
-    <p:tnLst>
-      <p:par>
-        <p:cTn id="1" dur="indefinite" restart="never" nodeType="tmRoot">
-          <p:childTnLst>
-            <p:seq concurrent="1" nextAc="seek">
-              <p:cTn id="2" dur="indefinite" nodeType="mainSeq">
-                <p:childTnLst>
-                  <p:par>
-                    <p:cTn id="3" fill="hold">
-                      <p:stCondLst>
-                        <p:cond delay="indefinite"/>
-                      </p:stCondLst>
-                      <p:childTnLst>
-                        <p:par>
-                          <p:cTn id="4" fill="hold">
-                            <p:stCondLst>
-                              <p:cond delay="0"/>
-                            </p:stCondLst>
-                            <p:childTnLst>
-                              <p:par>
-                                <p:cTn id="5" presetID="10" presetClass="entr" presetSubtype="0" fill="hold" nodeType="clickEffect">
-                                  <p:stCondLst>
-                                    <p:cond delay="0"/>
-                                  </p:stCondLst>
-                                  <p:childTnLst>
-                                    <p:set>
-                                      <p:cBhvr>
-                                        <p:cTn id="6" dur="1" fill="hold">
-                                          <p:stCondLst>
-                                            <p:cond delay="0"/>
-                                          </p:stCondLst>
-                                        </p:cTn>
-                                        <p:tgtEl>
-                                          <p:spTgt spid="11"/>
-                                        </p:tgtEl>
-                                        <p:attrNameLst>
-                                          <p:attrName>style.visibility</p:attrName>
-                                        </p:attrNameLst>
-                                      </p:cBhvr>
-                                      <p:to>
-                                        <p:strVal val="visible"/>
-                                      </p:to>
-                                    </p:set>
-                                    <p:animEffect transition="in" filter="fade">
-                                      <p:cBhvr>
-                                        <p:cTn id="7" dur="500"/>
-                                        <p:tgtEl>
-                                          <p:spTgt spid="11"/>
-                                        </p:tgtEl>
-                                      </p:cBhvr>
-                                    </p:animEffect>
-                                  </p:childTnLst>
-                                </p:cTn>
-                              </p:par>
-                              <p:par>
-                                <p:cTn id="8" presetID="10" presetClass="entr" presetSubtype="0" fill="hold" grpId="0" nodeType="withEffect">
-                                  <p:stCondLst>
-                                    <p:cond delay="0"/>
-                                  </p:stCondLst>
-                                  <p:childTnLst>
-                                    <p:set>
-                                      <p:cBhvr>
-                                        <p:cTn id="9" dur="1" fill="hold">
-                                          <p:stCondLst>
-                                            <p:cond delay="0"/>
-                                          </p:stCondLst>
-                                        </p:cTn>
-                                        <p:tgtEl>
-                                          <p:spTgt spid="19"/>
-                                        </p:tgtEl>
-                                        <p:attrNameLst>
-                                          <p:attrName>style.visibility</p:attrName>
-                                        </p:attrNameLst>
-                                      </p:cBhvr>
-                                      <p:to>
-                                        <p:strVal val="visible"/>
-                                      </p:to>
-                                    </p:set>
-                                    <p:animEffect transition="in" filter="fade">
-                                      <p:cBhvr>
-                                        <p:cTn id="10" dur="500"/>
-                                        <p:tgtEl>
-                                          <p:spTgt spid="19"/>
-                                        </p:tgtEl>
-                                      </p:cBhvr>
-                                    </p:animEffect>
-                                  </p:childTnLst>
-                                </p:cTn>
-                              </p:par>
-                              <p:par>
-                                <p:cTn id="11" presetID="10" presetClass="entr" presetSubtype="0" fill="hold" grpId="0" nodeType="withEffect">
-                                  <p:stCondLst>
-                                    <p:cond delay="0"/>
-                                  </p:stCondLst>
-                                  <p:childTnLst>
-                                    <p:set>
-                                      <p:cBhvr>
-                                        <p:cTn id="12" dur="1" fill="hold">
-                                          <p:stCondLst>
-                                            <p:cond delay="0"/>
-                                          </p:stCondLst>
-                                        </p:cTn>
-                                        <p:tgtEl>
-                                          <p:spTgt spid="7"/>
-                                        </p:tgtEl>
-                                        <p:attrNameLst>
-                                          <p:attrName>style.visibility</p:attrName>
-                                        </p:attrNameLst>
-                                      </p:cBhvr>
-                                      <p:to>
-                                        <p:strVal val="visible"/>
-                                      </p:to>
-                                    </p:set>
-                                    <p:animEffect transition="in" filter="fade">
-                                      <p:cBhvr>
-                                        <p:cTn id="13" dur="500"/>
-                                        <p:tgtEl>
-                                          <p:spTgt spid="7"/>
-                                        </p:tgtEl>
-                                      </p:cBhvr>
-                                    </p:animEffect>
-                                  </p:childTnLst>
-                                </p:cTn>
-                              </p:par>
-                              <p:par>
-                                <p:cTn id="14" presetID="10" presetClass="entr" presetSubtype="0" fill="hold" nodeType="withEffect">
-                                  <p:stCondLst>
-                                    <p:cond delay="0"/>
-                                  </p:stCondLst>
-                                  <p:childTnLst>
-                                    <p:set>
-                                      <p:cBhvr>
-                                        <p:cTn id="15" dur="1" fill="hold">
-                                          <p:stCondLst>
-                                            <p:cond delay="0"/>
-                                          </p:stCondLst>
-                                        </p:cTn>
-                                        <p:tgtEl>
-                                          <p:spTgt spid="3">
-                                            <p:txEl>
-                                              <p:pRg st="0" end="0"/>
-                                            </p:txEl>
-                                          </p:spTgt>
-                                        </p:tgtEl>
-                                        <p:attrNameLst>
-                                          <p:attrName>style.visibility</p:attrName>
-                                        </p:attrNameLst>
-                                      </p:cBhvr>
-                                      <p:to>
-                                        <p:strVal val="visible"/>
-                                      </p:to>
-                                    </p:set>
-                                    <p:animEffect transition="in" filter="fade">
-                                      <p:cBhvr>
-                                        <p:cTn id="16" dur="500"/>
-                                        <p:tgtEl>
-                                          <p:spTgt spid="3">
-                                            <p:txEl>
-                                              <p:pRg st="0" end="0"/>
-                                            </p:txEl>
-                                          </p:spTgt>
-                                        </p:tgtEl>
-                                      </p:cBhvr>
-                                    </p:animEffect>
-                                  </p:childTnLst>
-                                </p:cTn>
-                              </p:par>
-                              <p:par>
-                                <p:cTn id="17" presetID="10" presetClass="entr" presetSubtype="0" fill="hold" nodeType="withEffect">
-                                  <p:stCondLst>
-                                    <p:cond delay="0"/>
-                                  </p:stCondLst>
-                                  <p:childTnLst>
-                                    <p:set>
-                                      <p:cBhvr>
-                                        <p:cTn id="18" dur="1" fill="hold">
-                                          <p:stCondLst>
-                                            <p:cond delay="0"/>
-                                          </p:stCondLst>
-                                        </p:cTn>
-                                        <p:tgtEl>
-                                          <p:spTgt spid="3">
-                                            <p:txEl>
-                                              <p:pRg st="1" end="1"/>
-                                            </p:txEl>
-                                          </p:spTgt>
-                                        </p:tgtEl>
-                                        <p:attrNameLst>
-                                          <p:attrName>style.visibility</p:attrName>
-                                        </p:attrNameLst>
-                                      </p:cBhvr>
-                                      <p:to>
-                                        <p:strVal val="visible"/>
-                                      </p:to>
-                                    </p:set>
-                                    <p:animEffect transition="in" filter="fade">
-                                      <p:cBhvr>
-                                        <p:cTn id="19" dur="500"/>
-                                        <p:tgtEl>
-                                          <p:spTgt spid="3">
-                                            <p:txEl>
-                                              <p:pRg st="1" end="1"/>
-                                            </p:txEl>
-                                          </p:spTgt>
-                                        </p:tgtEl>
-                                      </p:cBhvr>
-                                    </p:animEffect>
-                                  </p:childTnLst>
-                                </p:cTn>
-                              </p:par>
-                            </p:childTnLst>
-                          </p:cTn>
-                        </p:par>
-                      </p:childTnLst>
-                    </p:cTn>
-                  </p:par>
-                  <p:par>
-                    <p:cTn id="20" fill="hold">
-                      <p:stCondLst>
-                        <p:cond delay="indefinite"/>
-                      </p:stCondLst>
-                      <p:childTnLst>
-                        <p:par>
-                          <p:cTn id="21" fill="hold">
-                            <p:stCondLst>
-                              <p:cond delay="0"/>
-                            </p:stCondLst>
-                            <p:childTnLst>
-                              <p:par>
-                                <p:cTn id="22" presetID="10" presetClass="entr" presetSubtype="0" fill="hold" grpId="0" nodeType="clickEffect">
-                                  <p:stCondLst>
-                                    <p:cond delay="0"/>
-                                  </p:stCondLst>
-                                  <p:childTnLst>
-                                    <p:set>
-                                      <p:cBhvr>
-                                        <p:cTn id="23" dur="1" fill="hold">
-                                          <p:stCondLst>
-                                            <p:cond delay="0"/>
-                                          </p:stCondLst>
-                                        </p:cTn>
-                                        <p:tgtEl>
-                                          <p:spTgt spid="14"/>
-                                        </p:tgtEl>
-                                        <p:attrNameLst>
-                                          <p:attrName>style.visibility</p:attrName>
-                                        </p:attrNameLst>
-                                      </p:cBhvr>
-                                      <p:to>
-                                        <p:strVal val="visible"/>
-                                      </p:to>
-                                    </p:set>
-                                    <p:animEffect transition="in" filter="fade">
-                                      <p:cBhvr>
-                                        <p:cTn id="24" dur="500"/>
-                                        <p:tgtEl>
-                                          <p:spTgt spid="14"/>
-                                        </p:tgtEl>
-                                      </p:cBhvr>
-                                    </p:animEffect>
-                                  </p:childTnLst>
-                                </p:cTn>
-                              </p:par>
-                              <p:par>
-                                <p:cTn id="25" presetID="10" presetClass="entr" presetSubtype="0" fill="hold" nodeType="withEffect">
-                                  <p:stCondLst>
-                                    <p:cond delay="0"/>
-                                  </p:stCondLst>
-                                  <p:childTnLst>
-                                    <p:set>
-                                      <p:cBhvr>
-                                        <p:cTn id="26" dur="1" fill="hold">
-                                          <p:stCondLst>
-                                            <p:cond delay="0"/>
-                                          </p:stCondLst>
-                                        </p:cTn>
-                                        <p:tgtEl>
-                                          <p:spTgt spid="18"/>
-                                        </p:tgtEl>
-                                        <p:attrNameLst>
-                                          <p:attrName>style.visibility</p:attrName>
-                                        </p:attrNameLst>
-                                      </p:cBhvr>
-                                      <p:to>
-                                        <p:strVal val="visible"/>
-                                      </p:to>
-                                    </p:set>
-                                    <p:animEffect transition="in" filter="fade">
-                                      <p:cBhvr>
-                                        <p:cTn id="27" dur="500"/>
-                                        <p:tgtEl>
-                                          <p:spTgt spid="18"/>
-                                        </p:tgtEl>
-                                      </p:cBhvr>
-                                    </p:animEffect>
-                                  </p:childTnLst>
-                                </p:cTn>
-                              </p:par>
-                              <p:par>
-                                <p:cTn id="28" presetID="10" presetClass="entr" presetSubtype="0" fill="hold" grpId="0" nodeType="withEffect">
-                                  <p:stCondLst>
-                                    <p:cond delay="0"/>
-                                  </p:stCondLst>
-                                  <p:childTnLst>
-                                    <p:set>
-                                      <p:cBhvr>
-                                        <p:cTn id="29" dur="1" fill="hold">
-                                          <p:stCondLst>
-                                            <p:cond delay="0"/>
-                                          </p:stCondLst>
-                                        </p:cTn>
-                                        <p:tgtEl>
-                                          <p:spTgt spid="20"/>
-                                        </p:tgtEl>
-                                        <p:attrNameLst>
-                                          <p:attrName>style.visibility</p:attrName>
-                                        </p:attrNameLst>
-                                      </p:cBhvr>
-                                      <p:to>
-                                        <p:strVal val="visible"/>
-                                      </p:to>
-                                    </p:set>
-                                    <p:animEffect transition="in" filter="fade">
-                                      <p:cBhvr>
-                                        <p:cTn id="30" dur="500"/>
-                                        <p:tgtEl>
-                                          <p:spTgt spid="20"/>
-                                        </p:tgtEl>
-                                      </p:cBhvr>
-                                    </p:animEffect>
-                                  </p:childTnLst>
-                                </p:cTn>
-                              </p:par>
-                              <p:par>
-                                <p:cTn id="31" presetID="10" presetClass="entr" presetSubtype="0" fill="hold" nodeType="withEffect">
-                                  <p:stCondLst>
-                                    <p:cond delay="0"/>
-                                  </p:stCondLst>
-                                  <p:childTnLst>
-                                    <p:set>
-                                      <p:cBhvr>
-                                        <p:cTn id="32" dur="1" fill="hold">
-                                          <p:stCondLst>
-                                            <p:cond delay="0"/>
-                                          </p:stCondLst>
-                                        </p:cTn>
-                                        <p:tgtEl>
-                                          <p:spTgt spid="3">
-                                            <p:txEl>
-                                              <p:pRg st="2" end="2"/>
-                                            </p:txEl>
-                                          </p:spTgt>
-                                        </p:tgtEl>
-                                        <p:attrNameLst>
-                                          <p:attrName>style.visibility</p:attrName>
-                                        </p:attrNameLst>
-                                      </p:cBhvr>
-                                      <p:to>
-                                        <p:strVal val="visible"/>
-                                      </p:to>
-                                    </p:set>
-                                    <p:animEffect transition="in" filter="fade">
-                                      <p:cBhvr>
-                                        <p:cTn id="33" dur="500"/>
-                                        <p:tgtEl>
-                                          <p:spTgt spid="3">
-                                            <p:txEl>
-                                              <p:pRg st="2" end="2"/>
-                                            </p:txEl>
-                                          </p:spTgt>
-                                        </p:tgtEl>
-                                      </p:cBhvr>
-                                    </p:animEffect>
-                                  </p:childTnLst>
-                                </p:cTn>
-                              </p:par>
-                            </p:childTnLst>
-                          </p:cTn>
-                        </p:par>
-                      </p:childTnLst>
-                    </p:cTn>
-                  </p:par>
-                  <p:par>
-                    <p:cTn id="34" fill="hold">
-                      <p:stCondLst>
-                        <p:cond delay="indefinite"/>
-                      </p:stCondLst>
-                      <p:childTnLst>
-                        <p:par>
-                          <p:cTn id="35" fill="hold">
-                            <p:stCondLst>
-                              <p:cond delay="0"/>
-                            </p:stCondLst>
-                            <p:childTnLst>
-                              <p:par>
-                                <p:cTn id="36" presetID="10" presetClass="entr" presetSubtype="0" fill="hold" grpId="0" nodeType="clickEffect">
-                                  <p:stCondLst>
-                                    <p:cond delay="0"/>
-                                  </p:stCondLst>
-                                  <p:childTnLst>
-                                    <p:set>
-                                      <p:cBhvr>
-                                        <p:cTn id="37" dur="1" fill="hold">
-                                          <p:stCondLst>
-                                            <p:cond delay="0"/>
-                                          </p:stCondLst>
-                                        </p:cTn>
-                                        <p:tgtEl>
-                                          <p:spTgt spid="39"/>
-                                        </p:tgtEl>
-                                        <p:attrNameLst>
-                                          <p:attrName>style.visibility</p:attrName>
-                                        </p:attrNameLst>
-                                      </p:cBhvr>
-                                      <p:to>
-                                        <p:strVal val="visible"/>
-                                      </p:to>
-                                    </p:set>
-                                    <p:animEffect transition="in" filter="fade">
-                                      <p:cBhvr>
-                                        <p:cTn id="38" dur="500"/>
-                                        <p:tgtEl>
-                                          <p:spTgt spid="39"/>
-                                        </p:tgtEl>
-                                      </p:cBhvr>
-                                    </p:animEffect>
-                                  </p:childTnLst>
-                                </p:cTn>
-                              </p:par>
-                              <p:par>
-                                <p:cTn id="39" presetID="10" presetClass="entr" presetSubtype="0" fill="hold" nodeType="withEffect">
-                                  <p:stCondLst>
-                                    <p:cond delay="0"/>
-                                  </p:stCondLst>
-                                  <p:childTnLst>
-                                    <p:set>
-                                      <p:cBhvr>
-                                        <p:cTn id="40" dur="1" fill="hold">
-                                          <p:stCondLst>
-                                            <p:cond delay="0"/>
-                                          </p:stCondLst>
-                                        </p:cTn>
-                                        <p:tgtEl>
-                                          <p:spTgt spid="23"/>
-                                        </p:tgtEl>
-                                        <p:attrNameLst>
-                                          <p:attrName>style.visibility</p:attrName>
-                                        </p:attrNameLst>
-                                      </p:cBhvr>
-                                      <p:to>
-                                        <p:strVal val="visible"/>
-                                      </p:to>
-                                    </p:set>
-                                    <p:animEffect transition="in" filter="fade">
-                                      <p:cBhvr>
-                                        <p:cTn id="41" dur="500"/>
-                                        <p:tgtEl>
-                                          <p:spTgt spid="23"/>
-                                        </p:tgtEl>
-                                      </p:cBhvr>
-                                    </p:animEffect>
-                                  </p:childTnLst>
-                                </p:cTn>
-                              </p:par>
-                              <p:par>
-                                <p:cTn id="42" presetID="10" presetClass="entr" presetSubtype="0" fill="hold" nodeType="withEffect">
-                                  <p:stCondLst>
-                                    <p:cond delay="0"/>
-                                  </p:stCondLst>
-                                  <p:childTnLst>
-                                    <p:set>
-                                      <p:cBhvr>
-                                        <p:cTn id="43" dur="1" fill="hold">
-                                          <p:stCondLst>
-                                            <p:cond delay="0"/>
-                                          </p:stCondLst>
-                                        </p:cTn>
-                                        <p:tgtEl>
-                                          <p:spTgt spid="3">
-                                            <p:txEl>
-                                              <p:pRg st="3" end="3"/>
-                                            </p:txEl>
-                                          </p:spTgt>
-                                        </p:tgtEl>
-                                        <p:attrNameLst>
-                                          <p:attrName>style.visibility</p:attrName>
-                                        </p:attrNameLst>
-                                      </p:cBhvr>
-                                      <p:to>
-                                        <p:strVal val="visible"/>
-                                      </p:to>
-                                    </p:set>
-                                    <p:animEffect transition="in" filter="fade">
-                                      <p:cBhvr>
-                                        <p:cTn id="44" dur="500"/>
-                                        <p:tgtEl>
-                                          <p:spTgt spid="3">
-                                            <p:txEl>
-                                              <p:pRg st="3" end="3"/>
-                                            </p:txEl>
-                                          </p:spTgt>
-                                        </p:tgtEl>
-                                      </p:cBhvr>
-                                    </p:animEffect>
-                                  </p:childTnLst>
-                                </p:cTn>
-                              </p:par>
-                            </p:childTnLst>
-                          </p:cTn>
-                        </p:par>
-                      </p:childTnLst>
-                    </p:cTn>
-                  </p:par>
-                  <p:par>
-                    <p:cTn id="45" fill="hold">
-                      <p:stCondLst>
-                        <p:cond delay="indefinite"/>
-                      </p:stCondLst>
-                      <p:childTnLst>
-                        <p:par>
-                          <p:cTn id="46" fill="hold">
-                            <p:stCondLst>
-                              <p:cond delay="0"/>
-                            </p:stCondLst>
-                            <p:childTnLst>
-                              <p:par>
-                                <p:cTn id="47" presetID="10" presetClass="entr" presetSubtype="0" fill="hold" grpId="0" nodeType="clickEffect">
-                                  <p:stCondLst>
-                                    <p:cond delay="0"/>
-                                  </p:stCondLst>
-                                  <p:childTnLst>
-                                    <p:set>
-                                      <p:cBhvr>
-                                        <p:cTn id="48" dur="1" fill="hold">
-                                          <p:stCondLst>
-                                            <p:cond delay="0"/>
-                                          </p:stCondLst>
-                                        </p:cTn>
-                                        <p:tgtEl>
-                                          <p:spTgt spid="24"/>
-                                        </p:tgtEl>
-                                        <p:attrNameLst>
-                                          <p:attrName>style.visibility</p:attrName>
-                                        </p:attrNameLst>
-                                      </p:cBhvr>
-                                      <p:to>
-                                        <p:strVal val="visible"/>
-                                      </p:to>
-                                    </p:set>
-                                    <p:animEffect transition="in" filter="fade">
-                                      <p:cBhvr>
-                                        <p:cTn id="49" dur="500"/>
-                                        <p:tgtEl>
-                                          <p:spTgt spid="24"/>
-                                        </p:tgtEl>
-                                      </p:cBhvr>
-                                    </p:animEffect>
-                                  </p:childTnLst>
-                                </p:cTn>
-                              </p:par>
-                              <p:par>
-                                <p:cTn id="50" presetID="10" presetClass="entr" presetSubtype="0" fill="hold" nodeType="withEffect">
-                                  <p:stCondLst>
-                                    <p:cond delay="0"/>
-                                  </p:stCondLst>
-                                  <p:childTnLst>
-                                    <p:set>
-                                      <p:cBhvr>
-                                        <p:cTn id="51" dur="1" fill="hold">
-                                          <p:stCondLst>
-                                            <p:cond delay="0"/>
-                                          </p:stCondLst>
-                                        </p:cTn>
-                                        <p:tgtEl>
-                                          <p:spTgt spid="33"/>
-                                        </p:tgtEl>
-                                        <p:attrNameLst>
-                                          <p:attrName>style.visibility</p:attrName>
-                                        </p:attrNameLst>
-                                      </p:cBhvr>
-                                      <p:to>
-                                        <p:strVal val="visible"/>
-                                      </p:to>
-                                    </p:set>
-                                    <p:animEffect transition="in" filter="fade">
-                                      <p:cBhvr>
-                                        <p:cTn id="52" dur="500"/>
-                                        <p:tgtEl>
-                                          <p:spTgt spid="33"/>
-                                        </p:tgtEl>
-                                      </p:cBhvr>
-                                    </p:animEffect>
-                                  </p:childTnLst>
-                                </p:cTn>
-                              </p:par>
-                              <p:par>
-                                <p:cTn id="53" presetID="10" presetClass="entr" presetSubtype="0" fill="hold" grpId="0" nodeType="withEffect">
-                                  <p:stCondLst>
-                                    <p:cond delay="0"/>
-                                  </p:stCondLst>
-                                  <p:childTnLst>
-                                    <p:set>
-                                      <p:cBhvr>
-                                        <p:cTn id="54" dur="1" fill="hold">
-                                          <p:stCondLst>
-                                            <p:cond delay="0"/>
-                                          </p:stCondLst>
-                                        </p:cTn>
-                                        <p:tgtEl>
-                                          <p:spTgt spid="34"/>
-                                        </p:tgtEl>
-                                        <p:attrNameLst>
-                                          <p:attrName>style.visibility</p:attrName>
-                                        </p:attrNameLst>
-                                      </p:cBhvr>
-                                      <p:to>
-                                        <p:strVal val="visible"/>
-                                      </p:to>
-                                    </p:set>
-                                    <p:animEffect transition="in" filter="fade">
-                                      <p:cBhvr>
-                                        <p:cTn id="55" dur="500"/>
-                                        <p:tgtEl>
-                                          <p:spTgt spid="34"/>
-                                        </p:tgtEl>
-                                      </p:cBhvr>
-                                    </p:animEffect>
-                                  </p:childTnLst>
-                                </p:cTn>
-                              </p:par>
-                              <p:par>
-                                <p:cTn id="56" presetID="10" presetClass="entr" presetSubtype="0" fill="hold" nodeType="withEffect">
-                                  <p:stCondLst>
-                                    <p:cond delay="0"/>
-                                  </p:stCondLst>
-                                  <p:childTnLst>
-                                    <p:set>
-                                      <p:cBhvr>
-                                        <p:cTn id="57" dur="1" fill="hold">
-                                          <p:stCondLst>
-                                            <p:cond delay="0"/>
-                                          </p:stCondLst>
-                                        </p:cTn>
-                                        <p:tgtEl>
-                                          <p:spTgt spid="3">
-                                            <p:txEl>
-                                              <p:pRg st="4" end="4"/>
-                                            </p:txEl>
-                                          </p:spTgt>
-                                        </p:tgtEl>
-                                        <p:attrNameLst>
-                                          <p:attrName>style.visibility</p:attrName>
-                                        </p:attrNameLst>
-                                      </p:cBhvr>
-                                      <p:to>
-                                        <p:strVal val="visible"/>
-                                      </p:to>
-                                    </p:set>
-                                    <p:animEffect transition="in" filter="fade">
-                                      <p:cBhvr>
-                                        <p:cTn id="58" dur="500"/>
-                                        <p:tgtEl>
-                                          <p:spTgt spid="3">
-                                            <p:txEl>
-                                              <p:pRg st="4" end="4"/>
-                                            </p:txEl>
-                                          </p:spTgt>
-                                        </p:tgtEl>
-                                      </p:cBhvr>
-                                    </p:animEffect>
-                                  </p:childTnLst>
-                                </p:cTn>
-                              </p:par>
-                            </p:childTnLst>
-                          </p:cTn>
-                        </p:par>
-                      </p:childTnLst>
-                    </p:cTn>
-                  </p:par>
-                  <p:par>
-                    <p:cTn id="59" fill="hold">
-                      <p:stCondLst>
-                        <p:cond delay="indefinite"/>
-                      </p:stCondLst>
-                      <p:childTnLst>
-                        <p:par>
-                          <p:cTn id="60" fill="hold">
-                            <p:stCondLst>
-                              <p:cond delay="0"/>
-                            </p:stCondLst>
-                            <p:childTnLst>
-                              <p:par>
-                                <p:cTn id="61" presetID="10" presetClass="entr" presetSubtype="0" fill="hold" nodeType="clickEffect">
-                                  <p:stCondLst>
-                                    <p:cond delay="0"/>
-                                  </p:stCondLst>
-                                  <p:childTnLst>
-                                    <p:set>
-                                      <p:cBhvr>
-                                        <p:cTn id="62" dur="1" fill="hold">
-                                          <p:stCondLst>
-                                            <p:cond delay="0"/>
-                                          </p:stCondLst>
-                                        </p:cTn>
-                                        <p:tgtEl>
-                                          <p:spTgt spid="3">
-                                            <p:txEl>
-                                              <p:pRg st="5" end="5"/>
-                                            </p:txEl>
-                                          </p:spTgt>
-                                        </p:tgtEl>
-                                        <p:attrNameLst>
-                                          <p:attrName>style.visibility</p:attrName>
-                                        </p:attrNameLst>
-                                      </p:cBhvr>
-                                      <p:to>
-                                        <p:strVal val="visible"/>
-                                      </p:to>
-                                    </p:set>
-                                    <p:animEffect transition="in" filter="fade">
-                                      <p:cBhvr>
-                                        <p:cTn id="63" dur="500"/>
-                                        <p:tgtEl>
-                                          <p:spTgt spid="3">
-                                            <p:txEl>
-                                              <p:pRg st="5" end="5"/>
-                                            </p:txEl>
-                                          </p:spTgt>
-                                        </p:tgtEl>
-                                      </p:cBhvr>
-                                    </p:animEffect>
-                                  </p:childTnLst>
-                                </p:cTn>
-                              </p:par>
-                            </p:childTnLst>
-                          </p:cTn>
-                        </p:par>
-                      </p:childTnLst>
-                    </p:cTn>
-                  </p:par>
-                </p:childTnLst>
-              </p:cTn>
-              <p:prevCondLst>
-                <p:cond evt="onPrev" delay="0">
-                  <p:tgtEl>
-                    <p:sldTgt/>
-                  </p:tgtEl>
-                </p:cond>
-              </p:prevCondLst>
-              <p:nextCondLst>
-                <p:cond evt="onNext" delay="0">
-                  <p:tgtEl>
-                    <p:sldTgt/>
-                  </p:tgtEl>
-                </p:cond>
-              </p:nextCondLst>
-            </p:seq>
-          </p:childTnLst>
-        </p:cTn>
-      </p:par>
-    </p:tnLst>
-    <p:bldLst>
-      <p:bldP spid="7" grpId="0" animBg="1"/>
-      <p:bldP spid="14" grpId="0" animBg="1"/>
-      <p:bldP spid="19" grpId="0"/>
-      <p:bldP spid="20" grpId="0"/>
-      <p:bldP spid="24" grpId="0" animBg="1"/>
-      <p:bldP spid="34" grpId="0"/>
-      <p:bldP spid="39" grpId="0"/>
-    </p:bldLst>
-  </p:timing>
-</p:sld>
-</file>
-
-<file path=ppt/slides/slide21.xml><?xml version="1.0" encoding="utf-8"?>
-<p:sld xmlns:a="http://schemas.openxmlformats.org/drawingml/2006/main" xmlns:r="http://schemas.openxmlformats.org/officeDocument/2006/relationships" xmlns:p="http://schemas.openxmlformats.org/presentationml/2006/main">
-  <p:cSld>
-    <p:bg>
-      <p:bgPr>
-        <a:blipFill dpi="0" rotWithShape="1">
-          <a:blip r:embed="rId2">
-            <a:lum/>
-          </a:blip>
-          <a:srcRect/>
-          <a:stretch>
-            <a:fillRect/>
-          </a:stretch>
-        </a:blipFill>
-        <a:effectLst/>
-      </p:bgPr>
-    </p:bg>
-    <p:spTree>
-      <p:nvGrpSpPr>
-        <p:cNvPr id="1" name=""/>
-        <p:cNvGrpSpPr/>
-        <p:nvPr/>
-      </p:nvGrpSpPr>
-      <p:grpSpPr>
-        <a:xfrm>
-          <a:off x="0" y="0"/>
-          <a:ext cx="0" cy="0"/>
-          <a:chOff x="0" y="0"/>
-          <a:chExt cx="0" cy="0"/>
-        </a:xfrm>
-      </p:grpSpPr>
-      <p:sp>
-        <p:nvSpPr>
-          <p:cNvPr id="2" name="Title 1">
-            <a:extLst>
-              <a:ext uri="{FF2B5EF4-FFF2-40B4-BE49-F238E27FC236}">
-                <a16:creationId xmlns:a16="http://schemas.microsoft.com/office/drawing/2014/main" id="{55E11F08-6CA0-48F1-AD67-97430DDA07F0}"/>
-              </a:ext>
-            </a:extLst>
-          </p:cNvPr>
-          <p:cNvSpPr>
-            <a:spLocks noGrp="1"/>
-          </p:cNvSpPr>
-          <p:nvPr>
-            <p:ph type="title"/>
-          </p:nvPr>
-        </p:nvSpPr>
-        <p:spPr/>
-        <p:txBody>
-          <a:bodyPr/>
-          <a:lstStyle/>
-          <a:p>
-            <a:r>
-              <a:rPr lang="en-US" b="1" dirty="0">
-                <a:solidFill>
-                  <a:srgbClr val="292D33"/>
-                </a:solidFill>
-                <a:latin typeface="Euclid Circular B" panose="020B0504000000000000" pitchFamily="34" charset="0"/>
-                <a:ea typeface="Euclid Circular B" panose="020B0504000000000000" pitchFamily="34" charset="0"/>
-              </a:rPr>
-              <a:t>ABP: Getting Permission Definitions</a:t>
-            </a:r>
-          </a:p>
-        </p:txBody>
-      </p:sp>
-      <p:sp>
-        <p:nvSpPr>
-          <p:cNvPr id="3" name="Content Placeholder 2">
-            <a:extLst>
-              <a:ext uri="{FF2B5EF4-FFF2-40B4-BE49-F238E27FC236}">
-                <a16:creationId xmlns:a16="http://schemas.microsoft.com/office/drawing/2014/main" id="{891C7693-D3DF-4635-96F4-97F3B4136FDF}"/>
-              </a:ext>
-            </a:extLst>
-          </p:cNvPr>
-          <p:cNvSpPr>
-            <a:spLocks noGrp="1"/>
-          </p:cNvSpPr>
-          <p:nvPr>
-            <p:ph idx="1"/>
-          </p:nvPr>
-        </p:nvSpPr>
-        <p:spPr>
-          <a:xfrm>
-            <a:off x="838199" y="1825625"/>
-            <a:ext cx="4607859" cy="4351338"/>
-          </a:xfrm>
-        </p:spPr>
-        <p:txBody>
-          <a:bodyPr>
-            <a:normAutofit/>
-          </a:bodyPr>
-          <a:lstStyle/>
-          <a:p>
-            <a:pPr marL="0" indent="0">
-              <a:buNone/>
-            </a:pPr>
-            <a:r>
-              <a:rPr lang="en-US" sz="2000" dirty="0">
-                <a:latin typeface="Euclid Circular B" panose="020B0504000000000000" pitchFamily="34" charset="0"/>
-                <a:ea typeface="Euclid Circular B" panose="020B0504000000000000" pitchFamily="34" charset="0"/>
-              </a:rPr>
-              <a:t>On </a:t>
-            </a:r>
-            <a:r>
-              <a:rPr lang="en-US" sz="2000" b="1" dirty="0">
-                <a:latin typeface="Euclid Circular B" panose="020B0504000000000000" pitchFamily="34" charset="0"/>
-                <a:ea typeface="Euclid Circular B" panose="020B0504000000000000" pitchFamily="34" charset="0"/>
-              </a:rPr>
-              <a:t>demand</a:t>
-            </a:r>
-            <a:r>
-              <a:rPr lang="en-US" sz="2000" dirty="0">
-                <a:latin typeface="Euclid Circular B" panose="020B0504000000000000" pitchFamily="34" charset="0"/>
-                <a:ea typeface="Euclid Circular B" panose="020B0504000000000000" pitchFamily="34" charset="0"/>
-              </a:rPr>
-              <a:t>;</a:t>
-            </a:r>
-          </a:p>
-          <a:p>
-            <a:r>
-              <a:rPr lang="en-US" sz="2000" dirty="0">
-                <a:latin typeface="Euclid Circular B" panose="020B0504000000000000" pitchFamily="34" charset="0"/>
-                <a:ea typeface="Euclid Circular B" panose="020B0504000000000000" pitchFamily="34" charset="0"/>
-              </a:rPr>
-              <a:t>Check </a:t>
-            </a:r>
-            <a:r>
-              <a:rPr lang="en-US" sz="2000" b="1" dirty="0">
-                <a:latin typeface="Euclid Circular B" panose="020B0504000000000000" pitchFamily="34" charset="0"/>
-                <a:ea typeface="Euclid Circular B" panose="020B0504000000000000" pitchFamily="34" charset="0"/>
-              </a:rPr>
-              <a:t>permission cache stamp </a:t>
-            </a:r>
-            <a:r>
-              <a:rPr lang="en-US" sz="2000" dirty="0">
-                <a:latin typeface="Euclid Circular B" panose="020B0504000000000000" pitchFamily="34" charset="0"/>
-                <a:ea typeface="Euclid Circular B" panose="020B0504000000000000" pitchFamily="34" charset="0"/>
-              </a:rPr>
-              <a:t>&amp; use </a:t>
-            </a:r>
-            <a:r>
-              <a:rPr lang="en-US" sz="2000" b="1" dirty="0">
-                <a:latin typeface="Euclid Circular B" panose="020B0504000000000000" pitchFamily="34" charset="0"/>
-                <a:ea typeface="Euclid Circular B" panose="020B0504000000000000" pitchFamily="34" charset="0"/>
-              </a:rPr>
-              <a:t>in-memory cache </a:t>
-            </a:r>
-            <a:r>
-              <a:rPr lang="en-US" sz="2000" dirty="0">
-                <a:latin typeface="Euclid Circular B" panose="020B0504000000000000" pitchFamily="34" charset="0"/>
-                <a:ea typeface="Euclid Circular B" panose="020B0504000000000000" pitchFamily="34" charset="0"/>
-              </a:rPr>
-              <a:t>if up to date</a:t>
-            </a:r>
-          </a:p>
-          <a:p>
-            <a:pPr lvl="1"/>
-            <a:r>
-              <a:rPr lang="en-US" sz="1600" dirty="0">
-                <a:latin typeface="Euclid Circular B" panose="020B0504000000000000" pitchFamily="34" charset="0"/>
-                <a:ea typeface="Euclid Circular B" panose="020B0504000000000000" pitchFamily="34" charset="0"/>
-              </a:rPr>
-              <a:t>With frequency control (30 seconds)</a:t>
-            </a:r>
-          </a:p>
-          <a:p>
-            <a:r>
-              <a:rPr lang="en-US" sz="2000" dirty="0">
-                <a:latin typeface="Euclid Circular B" panose="020B0504000000000000" pitchFamily="34" charset="0"/>
-                <a:ea typeface="Euclid Circular B" panose="020B0504000000000000" pitchFamily="34" charset="0"/>
-              </a:rPr>
-              <a:t>Get &amp; </a:t>
-            </a:r>
-            <a:r>
-              <a:rPr lang="en-US" sz="2000" b="1" dirty="0">
-                <a:latin typeface="Euclid Circular B" panose="020B0504000000000000" pitchFamily="34" charset="0"/>
-                <a:ea typeface="Euclid Circular B" panose="020B0504000000000000" pitchFamily="34" charset="0"/>
-              </a:rPr>
-              <a:t>deserialize </a:t>
-            </a:r>
-            <a:r>
-              <a:rPr lang="en-US" sz="2000" dirty="0">
-                <a:latin typeface="Euclid Circular B" panose="020B0504000000000000" pitchFamily="34" charset="0"/>
-                <a:ea typeface="Euclid Circular B" panose="020B0504000000000000" pitchFamily="34" charset="0"/>
-              </a:rPr>
-              <a:t>permission definitions if different</a:t>
-            </a:r>
-          </a:p>
-          <a:p>
-            <a:pPr marL="0" indent="0">
-              <a:buNone/>
-            </a:pPr>
-            <a:r>
-              <a:rPr lang="en-US" sz="2000" dirty="0">
-                <a:latin typeface="Euclid Circular B" panose="020B0504000000000000" pitchFamily="34" charset="0"/>
-                <a:ea typeface="Euclid Circular B" panose="020B0504000000000000" pitchFamily="34" charset="0"/>
-              </a:rPr>
-              <a:t>On the </a:t>
-            </a:r>
-            <a:r>
-              <a:rPr lang="en-US" sz="2000" b="1" dirty="0">
-                <a:latin typeface="Euclid Circular B" panose="020B0504000000000000" pitchFamily="34" charset="0"/>
-                <a:ea typeface="Euclid Circular B" panose="020B0504000000000000" pitchFamily="34" charset="0"/>
-              </a:rPr>
-              <a:t>service startup</a:t>
-            </a:r>
-            <a:r>
-              <a:rPr lang="en-US" sz="2000" dirty="0">
-                <a:latin typeface="Euclid Circular B" panose="020B0504000000000000" pitchFamily="34" charset="0"/>
-                <a:ea typeface="Euclid Circular B" panose="020B0504000000000000" pitchFamily="34" charset="0"/>
-              </a:rPr>
-              <a:t>;</a:t>
-            </a:r>
-          </a:p>
-          <a:p>
-            <a:r>
-              <a:rPr lang="en-US" sz="1800" b="1" dirty="0">
-                <a:latin typeface="Euclid Circular B" panose="020B0504000000000000" pitchFamily="34" charset="0"/>
-                <a:ea typeface="Euclid Circular B" panose="020B0504000000000000" pitchFamily="34" charset="0"/>
-              </a:rPr>
-              <a:t>Pre-cache </a:t>
-            </a:r>
-            <a:r>
-              <a:rPr lang="en-US" sz="1800" dirty="0">
-                <a:latin typeface="Euclid Circular B" panose="020B0504000000000000" pitchFamily="34" charset="0"/>
-                <a:ea typeface="Euclid Circular B" panose="020B0504000000000000" pitchFamily="34" charset="0"/>
-              </a:rPr>
-              <a:t>permission definitions</a:t>
-            </a:r>
-          </a:p>
-        </p:txBody>
-      </p:sp>
-      <p:sp>
-        <p:nvSpPr>
-          <p:cNvPr id="4" name="Rectangle 3">
-            <a:extLst>
-              <a:ext uri="{FF2B5EF4-FFF2-40B4-BE49-F238E27FC236}">
-                <a16:creationId xmlns:a16="http://schemas.microsoft.com/office/drawing/2014/main" id="{DF725507-237A-1E00-130B-F242B99394E4}"/>
-              </a:ext>
-            </a:extLst>
-          </p:cNvPr>
-          <p:cNvSpPr/>
-          <p:nvPr/>
-        </p:nvSpPr>
-        <p:spPr>
-          <a:xfrm>
-            <a:off x="5686433" y="1839977"/>
-            <a:ext cx="2939246" cy="1659368"/>
-          </a:xfrm>
-          <a:prstGeom prst="rect">
-            <a:avLst/>
-          </a:prstGeom>
-        </p:spPr>
-        <p:style>
-          <a:lnRef idx="2">
-            <a:schemeClr val="accent1">
-              <a:shade val="50000"/>
-            </a:schemeClr>
-          </a:lnRef>
-          <a:fillRef idx="1">
-            <a:schemeClr val="accent1"/>
-          </a:fillRef>
-          <a:effectRef idx="0">
-            <a:schemeClr val="accent1"/>
-          </a:effectRef>
-          <a:fontRef idx="minor">
-            <a:schemeClr val="lt1"/>
-          </a:fontRef>
-        </p:style>
-        <p:txBody>
-          <a:bodyPr rtlCol="0" anchor="t"/>
-          <a:lstStyle/>
-          <a:p>
-            <a:pPr algn="ctr"/>
-            <a:r>
-              <a:rPr lang="en-US" dirty="0"/>
-              <a:t>Permission Microservice</a:t>
-            </a:r>
-          </a:p>
-        </p:txBody>
-      </p:sp>
-      <p:sp>
-        <p:nvSpPr>
-          <p:cNvPr id="5" name="Rectangle: Rounded Corners 4">
-            <a:extLst>
-              <a:ext uri="{FF2B5EF4-FFF2-40B4-BE49-F238E27FC236}">
-                <a16:creationId xmlns:a16="http://schemas.microsoft.com/office/drawing/2014/main" id="{79C73981-81C2-EDDD-289C-6378889C620B}"/>
-              </a:ext>
-            </a:extLst>
-          </p:cNvPr>
-          <p:cNvSpPr/>
-          <p:nvPr/>
-        </p:nvSpPr>
-        <p:spPr>
-          <a:xfrm>
-            <a:off x="5775356" y="2257365"/>
-            <a:ext cx="996392" cy="1162093"/>
-          </a:xfrm>
-          <a:prstGeom prst="roundRect">
-            <a:avLst/>
-          </a:prstGeom>
-        </p:spPr>
-        <p:style>
-          <a:lnRef idx="2">
-            <a:schemeClr val="accent4">
-              <a:shade val="50000"/>
-            </a:schemeClr>
-          </a:lnRef>
-          <a:fillRef idx="1">
-            <a:schemeClr val="accent4"/>
-          </a:fillRef>
-          <a:effectRef idx="0">
-            <a:schemeClr val="accent4"/>
-          </a:effectRef>
-          <a:fontRef idx="minor">
-            <a:schemeClr val="lt1"/>
-          </a:fontRef>
-        </p:style>
-        <p:txBody>
-          <a:bodyPr rtlCol="0" anchor="ctr"/>
-          <a:lstStyle/>
-          <a:p>
-            <a:pPr algn="ctr"/>
-            <a:r>
-              <a:rPr lang="en-US" sz="1200" dirty="0">
-                <a:solidFill>
-                  <a:schemeClr val="tx1"/>
-                </a:solidFill>
-              </a:rPr>
-              <a:t>Static Permission Definitions</a:t>
-            </a:r>
-          </a:p>
-        </p:txBody>
-      </p:sp>
-      <p:sp>
-        <p:nvSpPr>
-          <p:cNvPr id="6" name="Rectangle 5">
-            <a:extLst>
-              <a:ext uri="{FF2B5EF4-FFF2-40B4-BE49-F238E27FC236}">
-                <a16:creationId xmlns:a16="http://schemas.microsoft.com/office/drawing/2014/main" id="{038C0967-05A1-A19D-277B-A9D785F16C90}"/>
-              </a:ext>
-            </a:extLst>
-          </p:cNvPr>
-          <p:cNvSpPr/>
-          <p:nvPr/>
-        </p:nvSpPr>
-        <p:spPr>
-          <a:xfrm>
-            <a:off x="10262962" y="1893863"/>
-            <a:ext cx="1623777" cy="1605481"/>
-          </a:xfrm>
-          <a:prstGeom prst="rect">
-            <a:avLst/>
-          </a:prstGeom>
-        </p:spPr>
-        <p:style>
-          <a:lnRef idx="2">
-            <a:schemeClr val="dk1">
-              <a:shade val="50000"/>
-            </a:schemeClr>
-          </a:lnRef>
-          <a:fillRef idx="1">
-            <a:schemeClr val="dk1"/>
-          </a:fillRef>
-          <a:effectRef idx="0">
-            <a:schemeClr val="dk1"/>
-          </a:effectRef>
-          <a:fontRef idx="minor">
-            <a:schemeClr val="lt1"/>
-          </a:fontRef>
-        </p:style>
-        <p:txBody>
-          <a:bodyPr rtlCol="0" anchor="t"/>
-          <a:lstStyle/>
-          <a:p>
-            <a:pPr algn="ctr"/>
-            <a:r>
-              <a:rPr lang="en-US" sz="1400" dirty="0"/>
-              <a:t>Distributed Cache</a:t>
-            </a:r>
-          </a:p>
-        </p:txBody>
-      </p:sp>
-      <p:sp>
-        <p:nvSpPr>
-          <p:cNvPr id="21" name="Oval 20">
-            <a:extLst>
-              <a:ext uri="{FF2B5EF4-FFF2-40B4-BE49-F238E27FC236}">
-                <a16:creationId xmlns:a16="http://schemas.microsoft.com/office/drawing/2014/main" id="{82EB209D-0088-DBF9-8DE7-ABEDFEFDD0A3}"/>
-              </a:ext>
-            </a:extLst>
-          </p:cNvPr>
-          <p:cNvSpPr/>
-          <p:nvPr/>
-        </p:nvSpPr>
-        <p:spPr>
-          <a:xfrm>
-            <a:off x="10262961" y="4149282"/>
-            <a:ext cx="1623777" cy="775400"/>
-          </a:xfrm>
-          <a:prstGeom prst="ellipse">
-            <a:avLst/>
-          </a:prstGeom>
-        </p:spPr>
-        <p:style>
-          <a:lnRef idx="2">
-            <a:schemeClr val="accent6">
-              <a:shade val="50000"/>
-            </a:schemeClr>
-          </a:lnRef>
-          <a:fillRef idx="1">
-            <a:schemeClr val="accent6"/>
-          </a:fillRef>
-          <a:effectRef idx="0">
-            <a:schemeClr val="accent6"/>
-          </a:effectRef>
-          <a:fontRef idx="minor">
-            <a:schemeClr val="lt1"/>
-          </a:fontRef>
-        </p:style>
-        <p:txBody>
-          <a:bodyPr rtlCol="0" anchor="ctr"/>
-          <a:lstStyle/>
-          <a:p>
-            <a:pPr algn="ctr"/>
-            <a:r>
-              <a:rPr lang="en-US" sz="1200" dirty="0"/>
-              <a:t>Permission</a:t>
-            </a:r>
-            <a:br>
-              <a:rPr lang="en-US" sz="1200" dirty="0"/>
-            </a:br>
-            <a:r>
-              <a:rPr lang="en-US" sz="1200" dirty="0"/>
-              <a:t>Management</a:t>
-            </a:r>
-            <a:br>
-              <a:rPr lang="en-US" sz="1200" dirty="0"/>
-            </a:br>
-            <a:r>
-              <a:rPr lang="en-US" sz="1200" dirty="0"/>
-              <a:t>Database</a:t>
-            </a:r>
-          </a:p>
-        </p:txBody>
-      </p:sp>
-      <p:cxnSp>
-        <p:nvCxnSpPr>
-          <p:cNvPr id="23" name="Connector: Elbow 22">
-            <a:extLst>
-              <a:ext uri="{FF2B5EF4-FFF2-40B4-BE49-F238E27FC236}">
-                <a16:creationId xmlns:a16="http://schemas.microsoft.com/office/drawing/2014/main" id="{1C37B7AC-47F9-E0F7-16E6-99C83B1B33EF}"/>
-              </a:ext>
-            </a:extLst>
-          </p:cNvPr>
-          <p:cNvCxnSpPr>
-            <a:cxnSpLocks/>
-            <a:stCxn id="10" idx="2"/>
-            <a:endCxn id="21" idx="2"/>
-          </p:cNvCxnSpPr>
-          <p:nvPr/>
-        </p:nvCxnSpPr>
-        <p:spPr>
-          <a:xfrm rot="16200000" flipH="1">
-            <a:off x="8414435" y="2688456"/>
-            <a:ext cx="1117526" cy="2579526"/>
-          </a:xfrm>
-          <a:prstGeom prst="bentConnector2">
-            <a:avLst/>
-          </a:prstGeom>
-          <a:ln w="25400">
-            <a:solidFill>
-              <a:schemeClr val="tx1">
-                <a:lumMod val="85000"/>
-                <a:lumOff val="15000"/>
-              </a:schemeClr>
-            </a:solidFill>
-            <a:tailEnd type="triangle"/>
-          </a:ln>
-        </p:spPr>
-        <p:style>
-          <a:lnRef idx="1">
-            <a:schemeClr val="accent1"/>
-          </a:lnRef>
-          <a:fillRef idx="0">
-            <a:schemeClr val="accent1"/>
-          </a:fillRef>
-          <a:effectRef idx="0">
-            <a:schemeClr val="accent1"/>
-          </a:effectRef>
-          <a:fontRef idx="minor">
-            <a:schemeClr val="tx1"/>
-          </a:fontRef>
-        </p:style>
-      </p:cxnSp>
-      <p:sp>
-        <p:nvSpPr>
-          <p:cNvPr id="24" name="Hexagon 23">
-            <a:extLst>
-              <a:ext uri="{FF2B5EF4-FFF2-40B4-BE49-F238E27FC236}">
-                <a16:creationId xmlns:a16="http://schemas.microsoft.com/office/drawing/2014/main" id="{9E1CE1DB-278D-637A-FDA5-7F930CD397FE}"/>
-              </a:ext>
-            </a:extLst>
-          </p:cNvPr>
-          <p:cNvSpPr/>
-          <p:nvPr/>
-        </p:nvSpPr>
-        <p:spPr>
-          <a:xfrm>
-            <a:off x="10345311" y="3147526"/>
-            <a:ext cx="1459076" cy="225525"/>
-          </a:xfrm>
-          <a:prstGeom prst="hexagon">
-            <a:avLst/>
-          </a:prstGeom>
-        </p:spPr>
-        <p:style>
-          <a:lnRef idx="2">
-            <a:schemeClr val="accent2">
-              <a:shade val="50000"/>
-            </a:schemeClr>
-          </a:lnRef>
-          <a:fillRef idx="1">
-            <a:schemeClr val="accent2"/>
-          </a:fillRef>
-          <a:effectRef idx="0">
-            <a:schemeClr val="accent2"/>
-          </a:effectRef>
-          <a:fontRef idx="minor">
-            <a:schemeClr val="lt1"/>
-          </a:fontRef>
-        </p:style>
-        <p:txBody>
-          <a:bodyPr rtlCol="0" anchor="ctr"/>
-          <a:lstStyle/>
-          <a:p>
-            <a:pPr algn="ctr"/>
-            <a:r>
-              <a:rPr lang="en-US" sz="1400" dirty="0" err="1"/>
-              <a:t>perm_stamp</a:t>
-            </a:r>
-            <a:endParaRPr lang="en-US" sz="1400" dirty="0"/>
-          </a:p>
-        </p:txBody>
-      </p:sp>
-      <p:sp>
-        <p:nvSpPr>
-          <p:cNvPr id="34" name="TextBox 33">
-            <a:extLst>
-              <a:ext uri="{FF2B5EF4-FFF2-40B4-BE49-F238E27FC236}">
-                <a16:creationId xmlns:a16="http://schemas.microsoft.com/office/drawing/2014/main" id="{A6A0F81C-00C0-6258-C62D-629EBA34341F}"/>
-              </a:ext>
-            </a:extLst>
-          </p:cNvPr>
-          <p:cNvSpPr txBox="1"/>
-          <p:nvPr/>
-        </p:nvSpPr>
-        <p:spPr>
-          <a:xfrm>
-            <a:off x="8597666" y="2980770"/>
-            <a:ext cx="1696670" cy="307777"/>
-          </a:xfrm>
-          <a:prstGeom prst="rect">
-            <a:avLst/>
-          </a:prstGeom>
-          <a:noFill/>
-        </p:spPr>
-        <p:txBody>
-          <a:bodyPr wrap="square" rtlCol="0">
-            <a:spAutoFit/>
-          </a:bodyPr>
-          <a:lstStyle/>
-          <a:p>
-            <a:pPr algn="ctr"/>
-            <a:r>
-              <a:rPr lang="en-US" sz="1400" dirty="0"/>
-              <a:t>Check cache stamp</a:t>
-            </a:r>
-          </a:p>
-        </p:txBody>
-      </p:sp>
-      <p:sp>
-        <p:nvSpPr>
-          <p:cNvPr id="39" name="TextBox 38">
-            <a:extLst>
-              <a:ext uri="{FF2B5EF4-FFF2-40B4-BE49-F238E27FC236}">
-                <a16:creationId xmlns:a16="http://schemas.microsoft.com/office/drawing/2014/main" id="{76B06D21-2490-E6C8-0B07-3AE1C59E1FCA}"/>
-              </a:ext>
-            </a:extLst>
-          </p:cNvPr>
-          <p:cNvSpPr txBox="1"/>
-          <p:nvPr/>
-        </p:nvSpPr>
-        <p:spPr>
-          <a:xfrm>
-            <a:off x="7158045" y="4542103"/>
-            <a:ext cx="3630305" cy="307777"/>
-          </a:xfrm>
-          <a:prstGeom prst="rect">
-            <a:avLst/>
-          </a:prstGeom>
-          <a:noFill/>
-        </p:spPr>
-        <p:txBody>
-          <a:bodyPr wrap="square" rtlCol="0">
-            <a:spAutoFit/>
-          </a:bodyPr>
-          <a:lstStyle/>
-          <a:p>
-            <a:r>
-              <a:rPr lang="en-US" sz="1400" dirty="0"/>
-              <a:t>Get &amp; deserialize permission definitions</a:t>
-            </a:r>
-          </a:p>
-        </p:txBody>
-      </p:sp>
-      <p:sp>
-        <p:nvSpPr>
-          <p:cNvPr id="10" name="Rectangle: Rounded Corners 9">
-            <a:extLst>
-              <a:ext uri="{FF2B5EF4-FFF2-40B4-BE49-F238E27FC236}">
-                <a16:creationId xmlns:a16="http://schemas.microsoft.com/office/drawing/2014/main" id="{57557B69-1235-B0FF-B3AC-57AC790F6822}"/>
-              </a:ext>
-            </a:extLst>
-          </p:cNvPr>
-          <p:cNvSpPr/>
-          <p:nvPr/>
-        </p:nvSpPr>
-        <p:spPr>
-          <a:xfrm>
-            <a:off x="6852047" y="2273762"/>
-            <a:ext cx="1662775" cy="1145694"/>
-          </a:xfrm>
-          <a:prstGeom prst="roundRect">
-            <a:avLst/>
-          </a:prstGeom>
-        </p:spPr>
-        <p:style>
-          <a:lnRef idx="2">
-            <a:schemeClr val="accent4">
-              <a:shade val="50000"/>
-            </a:schemeClr>
-          </a:lnRef>
-          <a:fillRef idx="1">
-            <a:schemeClr val="accent4"/>
-          </a:fillRef>
-          <a:effectRef idx="0">
-            <a:schemeClr val="accent4"/>
-          </a:effectRef>
-          <a:fontRef idx="minor">
-            <a:schemeClr val="lt1"/>
-          </a:fontRef>
-        </p:style>
-        <p:txBody>
-          <a:bodyPr rtlCol="0" anchor="t"/>
-          <a:lstStyle/>
-          <a:p>
-            <a:pPr algn="ctr"/>
-            <a:r>
-              <a:rPr lang="en-US" sz="1200" dirty="0">
-                <a:solidFill>
-                  <a:schemeClr val="tx1"/>
-                </a:solidFill>
-              </a:rPr>
-              <a:t>Dynamic</a:t>
-            </a:r>
-          </a:p>
-          <a:p>
-            <a:pPr algn="ctr"/>
-            <a:r>
-              <a:rPr lang="en-US" sz="1200" dirty="0">
-                <a:solidFill>
-                  <a:schemeClr val="tx1"/>
-                </a:solidFill>
-              </a:rPr>
-              <a:t>Permission Store</a:t>
-            </a:r>
-          </a:p>
-        </p:txBody>
-      </p:sp>
-      <p:sp>
-        <p:nvSpPr>
-          <p:cNvPr id="22" name="Hexagon 21">
-            <a:extLst>
-              <a:ext uri="{FF2B5EF4-FFF2-40B4-BE49-F238E27FC236}">
-                <a16:creationId xmlns:a16="http://schemas.microsoft.com/office/drawing/2014/main" id="{5E3BA03A-42B9-52F6-09BD-F93915698844}"/>
-              </a:ext>
-            </a:extLst>
-          </p:cNvPr>
-          <p:cNvSpPr/>
-          <p:nvPr/>
-        </p:nvSpPr>
-        <p:spPr>
-          <a:xfrm>
-            <a:off x="6973870" y="3134659"/>
-            <a:ext cx="1451211" cy="225525"/>
-          </a:xfrm>
-          <a:prstGeom prst="hexagon">
-            <a:avLst/>
-          </a:prstGeom>
-        </p:spPr>
-        <p:style>
-          <a:lnRef idx="2">
-            <a:schemeClr val="accent2">
-              <a:shade val="50000"/>
-            </a:schemeClr>
-          </a:lnRef>
-          <a:fillRef idx="1">
-            <a:schemeClr val="accent2"/>
-          </a:fillRef>
-          <a:effectRef idx="0">
-            <a:schemeClr val="accent2"/>
-          </a:effectRef>
-          <a:fontRef idx="minor">
-            <a:schemeClr val="lt1"/>
-          </a:fontRef>
-        </p:style>
-        <p:txBody>
-          <a:bodyPr rtlCol="0" anchor="ctr"/>
-          <a:lstStyle/>
-          <a:p>
-            <a:pPr algn="ctr"/>
-            <a:r>
-              <a:rPr lang="en-US" sz="1400" dirty="0" err="1"/>
-              <a:t>perm_stamp</a:t>
-            </a:r>
-            <a:endParaRPr lang="en-US" sz="1400" dirty="0"/>
-          </a:p>
-        </p:txBody>
-      </p:sp>
-      <p:sp>
-        <p:nvSpPr>
-          <p:cNvPr id="26" name="Rectangle: Rounded Corners 25">
-            <a:extLst>
-              <a:ext uri="{FF2B5EF4-FFF2-40B4-BE49-F238E27FC236}">
-                <a16:creationId xmlns:a16="http://schemas.microsoft.com/office/drawing/2014/main" id="{61EFCD1E-7B44-5FD6-65EF-D570F3F36949}"/>
-              </a:ext>
-            </a:extLst>
-          </p:cNvPr>
-          <p:cNvSpPr/>
-          <p:nvPr/>
-        </p:nvSpPr>
-        <p:spPr>
-          <a:xfrm>
-            <a:off x="6960222" y="2776946"/>
-            <a:ext cx="1464859" cy="311608"/>
-          </a:xfrm>
-          <a:prstGeom prst="roundRect">
-            <a:avLst/>
-          </a:prstGeom>
-        </p:spPr>
-        <p:style>
-          <a:lnRef idx="2">
-            <a:schemeClr val="accent6">
-              <a:shade val="50000"/>
-            </a:schemeClr>
-          </a:lnRef>
-          <a:fillRef idx="1">
-            <a:schemeClr val="accent6"/>
-          </a:fillRef>
-          <a:effectRef idx="0">
-            <a:schemeClr val="accent6"/>
-          </a:effectRef>
-          <a:fontRef idx="minor">
-            <a:schemeClr val="lt1"/>
-          </a:fontRef>
-        </p:style>
-        <p:txBody>
-          <a:bodyPr rtlCol="0" anchor="ctr"/>
-          <a:lstStyle/>
-          <a:p>
-            <a:pPr algn="ctr"/>
-            <a:r>
-              <a:rPr lang="en-US" sz="1200" dirty="0"/>
-              <a:t>In-Memory Cache</a:t>
-            </a:r>
-          </a:p>
-        </p:txBody>
-      </p:sp>
-      <p:cxnSp>
-        <p:nvCxnSpPr>
-          <p:cNvPr id="33" name="Straight Arrow Connector 32">
-            <a:extLst>
-              <a:ext uri="{FF2B5EF4-FFF2-40B4-BE49-F238E27FC236}">
-                <a16:creationId xmlns:a16="http://schemas.microsoft.com/office/drawing/2014/main" id="{66F4BCE8-DC13-8D69-9A00-4BBE711D4842}"/>
-              </a:ext>
-            </a:extLst>
-          </p:cNvPr>
-          <p:cNvCxnSpPr>
-            <a:cxnSpLocks/>
-            <a:stCxn id="22" idx="0"/>
-            <a:endCxn id="24" idx="3"/>
-          </p:cNvCxnSpPr>
-          <p:nvPr/>
-        </p:nvCxnSpPr>
-        <p:spPr>
-          <a:xfrm>
-            <a:off x="8425081" y="3247422"/>
-            <a:ext cx="1920230" cy="12867"/>
-          </a:xfrm>
-          <a:prstGeom prst="straightConnector1">
-            <a:avLst/>
-          </a:prstGeom>
-          <a:ln w="25400">
-            <a:solidFill>
-              <a:schemeClr val="tx1">
-                <a:lumMod val="85000"/>
-                <a:lumOff val="15000"/>
-              </a:schemeClr>
-            </a:solidFill>
-            <a:tailEnd type="triangle"/>
-          </a:ln>
-        </p:spPr>
-        <p:style>
-          <a:lnRef idx="1">
-            <a:schemeClr val="accent1"/>
-          </a:lnRef>
-          <a:fillRef idx="0">
-            <a:schemeClr val="accent1"/>
-          </a:fillRef>
-          <a:effectRef idx="0">
-            <a:schemeClr val="accent1"/>
-          </a:effectRef>
-          <a:fontRef idx="minor">
-            <a:schemeClr val="tx1"/>
-          </a:fontRef>
-        </p:style>
-      </p:cxnSp>
-    </p:spTree>
-    <p:extLst>
-      <p:ext uri="{BB962C8B-B14F-4D97-AF65-F5344CB8AC3E}">
-        <p14:creationId xmlns:p14="http://schemas.microsoft.com/office/powerpoint/2010/main" val="694203006"/>
-      </p:ext>
-    </p:extLst>
-  </p:cSld>
-  <p:clrMapOvr>
-    <a:masterClrMapping/>
-  </p:clrMapOvr>
-  <p:timing>
-    <p:tnLst>
-      <p:par>
-        <p:cTn id="1" dur="indefinite" restart="never" nodeType="tmRoot">
-          <p:childTnLst>
-            <p:seq concurrent="1" nextAc="seek">
-              <p:cTn id="2" dur="indefinite" nodeType="mainSeq">
-                <p:childTnLst>
-                  <p:par>
-                    <p:cTn id="3" fill="hold">
-                      <p:stCondLst>
-                        <p:cond delay="indefinite"/>
-                      </p:stCondLst>
-                      <p:childTnLst>
-                        <p:par>
-                          <p:cTn id="4" fill="hold">
-                            <p:stCondLst>
-                              <p:cond delay="0"/>
-                            </p:stCondLst>
-                            <p:childTnLst>
-                              <p:par>
-                                <p:cTn id="5" presetID="10" presetClass="entr" presetSubtype="0" fill="hold" grpId="0" nodeType="clickEffect">
-                                  <p:stCondLst>
-                                    <p:cond delay="0"/>
-                                  </p:stCondLst>
-                                  <p:childTnLst>
-                                    <p:set>
-                                      <p:cBhvr>
-                                        <p:cTn id="6" dur="1" fill="hold">
-                                          <p:stCondLst>
-                                            <p:cond delay="0"/>
-                                          </p:stCondLst>
-                                        </p:cTn>
-                                        <p:tgtEl>
-                                          <p:spTgt spid="24"/>
-                                        </p:tgtEl>
-                                        <p:attrNameLst>
-                                          <p:attrName>style.visibility</p:attrName>
-                                        </p:attrNameLst>
-                                      </p:cBhvr>
-                                      <p:to>
-                                        <p:strVal val="visible"/>
-                                      </p:to>
-                                    </p:set>
-                                    <p:animEffect transition="in" filter="fade">
-                                      <p:cBhvr>
-                                        <p:cTn id="7" dur="500"/>
-                                        <p:tgtEl>
-                                          <p:spTgt spid="24"/>
-                                        </p:tgtEl>
-                                      </p:cBhvr>
-                                    </p:animEffect>
-                                  </p:childTnLst>
-                                </p:cTn>
-                              </p:par>
-                              <p:par>
-                                <p:cTn id="8" presetID="10" presetClass="entr" presetSubtype="0" fill="hold" grpId="0" nodeType="withEffect">
-                                  <p:stCondLst>
-                                    <p:cond delay="0"/>
-                                  </p:stCondLst>
-                                  <p:childTnLst>
-                                    <p:set>
-                                      <p:cBhvr>
-                                        <p:cTn id="9" dur="1" fill="hold">
-                                          <p:stCondLst>
-                                            <p:cond delay="0"/>
-                                          </p:stCondLst>
-                                        </p:cTn>
-                                        <p:tgtEl>
-                                          <p:spTgt spid="34"/>
-                                        </p:tgtEl>
-                                        <p:attrNameLst>
-                                          <p:attrName>style.visibility</p:attrName>
-                                        </p:attrNameLst>
-                                      </p:cBhvr>
-                                      <p:to>
-                                        <p:strVal val="visible"/>
-                                      </p:to>
-                                    </p:set>
-                                    <p:animEffect transition="in" filter="fade">
-                                      <p:cBhvr>
-                                        <p:cTn id="10" dur="500"/>
-                                        <p:tgtEl>
-                                          <p:spTgt spid="34"/>
-                                        </p:tgtEl>
-                                      </p:cBhvr>
-                                    </p:animEffect>
-                                  </p:childTnLst>
-                                </p:cTn>
-                              </p:par>
-                              <p:par>
-                                <p:cTn id="11" presetID="10" presetClass="entr" presetSubtype="0" fill="hold" nodeType="withEffect">
-                                  <p:stCondLst>
-                                    <p:cond delay="0"/>
-                                  </p:stCondLst>
-                                  <p:childTnLst>
-                                    <p:set>
-                                      <p:cBhvr>
-                                        <p:cTn id="12" dur="1" fill="hold">
-                                          <p:stCondLst>
-                                            <p:cond delay="0"/>
-                                          </p:stCondLst>
-                                        </p:cTn>
-                                        <p:tgtEl>
-                                          <p:spTgt spid="33"/>
-                                        </p:tgtEl>
-                                        <p:attrNameLst>
-                                          <p:attrName>style.visibility</p:attrName>
-                                        </p:attrNameLst>
-                                      </p:cBhvr>
-                                      <p:to>
-                                        <p:strVal val="visible"/>
-                                      </p:to>
-                                    </p:set>
-                                    <p:animEffect transition="in" filter="fade">
-                                      <p:cBhvr>
-                                        <p:cTn id="13" dur="500"/>
-                                        <p:tgtEl>
-                                          <p:spTgt spid="33"/>
-                                        </p:tgtEl>
-                                      </p:cBhvr>
-                                    </p:animEffect>
-                                  </p:childTnLst>
-                                </p:cTn>
-                              </p:par>
-                              <p:par>
-                                <p:cTn id="14" presetID="10" presetClass="entr" presetSubtype="0" fill="hold" nodeType="withEffect">
-                                  <p:stCondLst>
-                                    <p:cond delay="0"/>
-                                  </p:stCondLst>
-                                  <p:childTnLst>
-                                    <p:set>
-                                      <p:cBhvr>
-                                        <p:cTn id="15" dur="1" fill="hold">
-                                          <p:stCondLst>
-                                            <p:cond delay="0"/>
-                                          </p:stCondLst>
-                                        </p:cTn>
-                                        <p:tgtEl>
-                                          <p:spTgt spid="3">
-                                            <p:txEl>
-                                              <p:pRg st="0" end="0"/>
-                                            </p:txEl>
-                                          </p:spTgt>
-                                        </p:tgtEl>
-                                        <p:attrNameLst>
-                                          <p:attrName>style.visibility</p:attrName>
-                                        </p:attrNameLst>
-                                      </p:cBhvr>
-                                      <p:to>
-                                        <p:strVal val="visible"/>
-                                      </p:to>
-                                    </p:set>
-                                    <p:animEffect transition="in" filter="fade">
-                                      <p:cBhvr>
-                                        <p:cTn id="16" dur="500"/>
-                                        <p:tgtEl>
-                                          <p:spTgt spid="3">
-                                            <p:txEl>
-                                              <p:pRg st="0" end="0"/>
-                                            </p:txEl>
-                                          </p:spTgt>
-                                        </p:tgtEl>
-                                      </p:cBhvr>
-                                    </p:animEffect>
-                                  </p:childTnLst>
-                                </p:cTn>
-                              </p:par>
-                              <p:par>
-                                <p:cTn id="17" presetID="10" presetClass="entr" presetSubtype="0" fill="hold" nodeType="withEffect">
-                                  <p:stCondLst>
-                                    <p:cond delay="0"/>
-                                  </p:stCondLst>
-                                  <p:childTnLst>
-                                    <p:set>
-                                      <p:cBhvr>
-                                        <p:cTn id="18" dur="1" fill="hold">
-                                          <p:stCondLst>
-                                            <p:cond delay="0"/>
-                                          </p:stCondLst>
-                                        </p:cTn>
-                                        <p:tgtEl>
-                                          <p:spTgt spid="3">
-                                            <p:txEl>
-                                              <p:pRg st="1" end="1"/>
-                                            </p:txEl>
-                                          </p:spTgt>
-                                        </p:tgtEl>
-                                        <p:attrNameLst>
-                                          <p:attrName>style.visibility</p:attrName>
-                                        </p:attrNameLst>
-                                      </p:cBhvr>
-                                      <p:to>
-                                        <p:strVal val="visible"/>
-                                      </p:to>
-                                    </p:set>
-                                    <p:animEffect transition="in" filter="fade">
-                                      <p:cBhvr>
-                                        <p:cTn id="19" dur="500"/>
-                                        <p:tgtEl>
-                                          <p:spTgt spid="3">
-                                            <p:txEl>
-                                              <p:pRg st="1" end="1"/>
-                                            </p:txEl>
-                                          </p:spTgt>
-                                        </p:tgtEl>
-                                      </p:cBhvr>
-                                    </p:animEffect>
-                                  </p:childTnLst>
-                                </p:cTn>
-                              </p:par>
-                              <p:par>
-                                <p:cTn id="20" presetID="10" presetClass="entr" presetSubtype="0" fill="hold" nodeType="withEffect">
-                                  <p:stCondLst>
-                                    <p:cond delay="0"/>
-                                  </p:stCondLst>
-                                  <p:childTnLst>
-                                    <p:set>
-                                      <p:cBhvr>
-                                        <p:cTn id="21" dur="1" fill="hold">
-                                          <p:stCondLst>
-                                            <p:cond delay="0"/>
-                                          </p:stCondLst>
-                                        </p:cTn>
-                                        <p:tgtEl>
-                                          <p:spTgt spid="3">
-                                            <p:txEl>
-                                              <p:pRg st="2" end="2"/>
-                                            </p:txEl>
-                                          </p:spTgt>
-                                        </p:tgtEl>
-                                        <p:attrNameLst>
-                                          <p:attrName>style.visibility</p:attrName>
-                                        </p:attrNameLst>
-                                      </p:cBhvr>
-                                      <p:to>
-                                        <p:strVal val="visible"/>
-                                      </p:to>
-                                    </p:set>
-                                    <p:animEffect transition="in" filter="fade">
-                                      <p:cBhvr>
-                                        <p:cTn id="22" dur="500"/>
-                                        <p:tgtEl>
-                                          <p:spTgt spid="3">
-                                            <p:txEl>
-                                              <p:pRg st="2" end="2"/>
-                                            </p:txEl>
-                                          </p:spTgt>
-                                        </p:tgtEl>
-                                      </p:cBhvr>
-                                    </p:animEffect>
-                                  </p:childTnLst>
-                                </p:cTn>
-                              </p:par>
-                            </p:childTnLst>
-                          </p:cTn>
-                        </p:par>
-                      </p:childTnLst>
-                    </p:cTn>
-                  </p:par>
-                  <p:par>
-                    <p:cTn id="23" fill="hold">
-                      <p:stCondLst>
-                        <p:cond delay="indefinite"/>
-                      </p:stCondLst>
-                      <p:childTnLst>
-                        <p:par>
-                          <p:cTn id="24" fill="hold">
-                            <p:stCondLst>
-                              <p:cond delay="0"/>
-                            </p:stCondLst>
-                            <p:childTnLst>
-                              <p:par>
-                                <p:cTn id="25" presetID="10" presetClass="entr" presetSubtype="0" fill="hold" nodeType="clickEffect">
-                                  <p:stCondLst>
-                                    <p:cond delay="0"/>
-                                  </p:stCondLst>
-                                  <p:childTnLst>
-                                    <p:set>
-                                      <p:cBhvr>
-                                        <p:cTn id="26" dur="1" fill="hold">
-                                          <p:stCondLst>
-                                            <p:cond delay="0"/>
-                                          </p:stCondLst>
-                                        </p:cTn>
-                                        <p:tgtEl>
-                                          <p:spTgt spid="3">
-                                            <p:txEl>
-                                              <p:pRg st="3" end="3"/>
-                                            </p:txEl>
-                                          </p:spTgt>
-                                        </p:tgtEl>
-                                        <p:attrNameLst>
-                                          <p:attrName>style.visibility</p:attrName>
-                                        </p:attrNameLst>
-                                      </p:cBhvr>
-                                      <p:to>
-                                        <p:strVal val="visible"/>
-                                      </p:to>
-                                    </p:set>
-                                    <p:animEffect transition="in" filter="fade">
-                                      <p:cBhvr>
-                                        <p:cTn id="27" dur="500"/>
-                                        <p:tgtEl>
-                                          <p:spTgt spid="3">
-                                            <p:txEl>
-                                              <p:pRg st="3" end="3"/>
-                                            </p:txEl>
-                                          </p:spTgt>
-                                        </p:tgtEl>
-                                      </p:cBhvr>
-                                    </p:animEffect>
-                                  </p:childTnLst>
-                                </p:cTn>
-                              </p:par>
-                              <p:par>
-                                <p:cTn id="28" presetID="10" presetClass="entr" presetSubtype="0" fill="hold" grpId="0" nodeType="withEffect">
-                                  <p:stCondLst>
-                                    <p:cond delay="0"/>
-                                  </p:stCondLst>
-                                  <p:childTnLst>
-                                    <p:set>
-                                      <p:cBhvr>
-                                        <p:cTn id="29" dur="1" fill="hold">
-                                          <p:stCondLst>
-                                            <p:cond delay="0"/>
-                                          </p:stCondLst>
-                                        </p:cTn>
-                                        <p:tgtEl>
-                                          <p:spTgt spid="39"/>
-                                        </p:tgtEl>
-                                        <p:attrNameLst>
-                                          <p:attrName>style.visibility</p:attrName>
-                                        </p:attrNameLst>
-                                      </p:cBhvr>
-                                      <p:to>
-                                        <p:strVal val="visible"/>
-                                      </p:to>
-                                    </p:set>
-                                    <p:animEffect transition="in" filter="fade">
-                                      <p:cBhvr>
-                                        <p:cTn id="30" dur="500"/>
-                                        <p:tgtEl>
-                                          <p:spTgt spid="39"/>
-                                        </p:tgtEl>
-                                      </p:cBhvr>
-                                    </p:animEffect>
-                                  </p:childTnLst>
-                                </p:cTn>
-                              </p:par>
-                              <p:par>
-                                <p:cTn id="31" presetID="10" presetClass="entr" presetSubtype="0" fill="hold" nodeType="withEffect">
-                                  <p:stCondLst>
-                                    <p:cond delay="0"/>
-                                  </p:stCondLst>
-                                  <p:childTnLst>
-                                    <p:set>
-                                      <p:cBhvr>
-                                        <p:cTn id="32" dur="1" fill="hold">
-                                          <p:stCondLst>
-                                            <p:cond delay="0"/>
-                                          </p:stCondLst>
-                                        </p:cTn>
-                                        <p:tgtEl>
-                                          <p:spTgt spid="23"/>
-                                        </p:tgtEl>
-                                        <p:attrNameLst>
-                                          <p:attrName>style.visibility</p:attrName>
-                                        </p:attrNameLst>
-                                      </p:cBhvr>
-                                      <p:to>
-                                        <p:strVal val="visible"/>
-                                      </p:to>
-                                    </p:set>
-                                    <p:animEffect transition="in" filter="fade">
-                                      <p:cBhvr>
-                                        <p:cTn id="33" dur="500"/>
-                                        <p:tgtEl>
-                                          <p:spTgt spid="23"/>
-                                        </p:tgtEl>
-                                      </p:cBhvr>
-                                    </p:animEffect>
-                                  </p:childTnLst>
-                                </p:cTn>
-                              </p:par>
-                            </p:childTnLst>
-                          </p:cTn>
-                        </p:par>
-                      </p:childTnLst>
-                    </p:cTn>
-                  </p:par>
-                  <p:par>
-                    <p:cTn id="34" fill="hold">
-                      <p:stCondLst>
-                        <p:cond delay="indefinite"/>
-                      </p:stCondLst>
-                      <p:childTnLst>
-                        <p:par>
-                          <p:cTn id="35" fill="hold">
-                            <p:stCondLst>
-                              <p:cond delay="0"/>
-                            </p:stCondLst>
-                            <p:childTnLst>
-                              <p:par>
-                                <p:cTn id="36" presetID="10" presetClass="entr" presetSubtype="0" fill="hold" nodeType="clickEffect">
-                                  <p:stCondLst>
-                                    <p:cond delay="0"/>
-                                  </p:stCondLst>
-                                  <p:childTnLst>
-                                    <p:set>
-                                      <p:cBhvr>
-                                        <p:cTn id="37" dur="1" fill="hold">
-                                          <p:stCondLst>
-                                            <p:cond delay="0"/>
-                                          </p:stCondLst>
-                                        </p:cTn>
-                                        <p:tgtEl>
-                                          <p:spTgt spid="3">
-                                            <p:txEl>
-                                              <p:pRg st="4" end="4"/>
-                                            </p:txEl>
-                                          </p:spTgt>
-                                        </p:tgtEl>
-                                        <p:attrNameLst>
-                                          <p:attrName>style.visibility</p:attrName>
-                                        </p:attrNameLst>
-                                      </p:cBhvr>
-                                      <p:to>
-                                        <p:strVal val="visible"/>
-                                      </p:to>
-                                    </p:set>
-                                    <p:animEffect transition="in" filter="fade">
-                                      <p:cBhvr>
-                                        <p:cTn id="38" dur="500"/>
-                                        <p:tgtEl>
-                                          <p:spTgt spid="3">
-                                            <p:txEl>
-                                              <p:pRg st="4" end="4"/>
-                                            </p:txEl>
-                                          </p:spTgt>
-                                        </p:tgtEl>
-                                      </p:cBhvr>
-                                    </p:animEffect>
-                                  </p:childTnLst>
-                                </p:cTn>
-                              </p:par>
-                              <p:par>
-                                <p:cTn id="39" presetID="10" presetClass="entr" presetSubtype="0" fill="hold" nodeType="withEffect">
-                                  <p:stCondLst>
-                                    <p:cond delay="0"/>
-                                  </p:stCondLst>
-                                  <p:childTnLst>
-                                    <p:set>
-                                      <p:cBhvr>
-                                        <p:cTn id="40" dur="1" fill="hold">
-                                          <p:stCondLst>
-                                            <p:cond delay="0"/>
-                                          </p:stCondLst>
-                                        </p:cTn>
-                                        <p:tgtEl>
-                                          <p:spTgt spid="3">
-                                            <p:txEl>
-                                              <p:pRg st="5" end="5"/>
-                                            </p:txEl>
-                                          </p:spTgt>
-                                        </p:tgtEl>
-                                        <p:attrNameLst>
-                                          <p:attrName>style.visibility</p:attrName>
-                                        </p:attrNameLst>
-                                      </p:cBhvr>
-                                      <p:to>
-                                        <p:strVal val="visible"/>
-                                      </p:to>
-                                    </p:set>
-                                    <p:animEffect transition="in" filter="fade">
-                                      <p:cBhvr>
-                                        <p:cTn id="41" dur="500"/>
-                                        <p:tgtEl>
-                                          <p:spTgt spid="3">
-                                            <p:txEl>
-                                              <p:pRg st="5" end="5"/>
-                                            </p:txEl>
-                                          </p:spTgt>
-                                        </p:tgtEl>
-                                      </p:cBhvr>
-                                    </p:animEffect>
-                                  </p:childTnLst>
-                                </p:cTn>
-                              </p:par>
-                            </p:childTnLst>
-                          </p:cTn>
-                        </p:par>
-                      </p:childTnLst>
-                    </p:cTn>
-                  </p:par>
-                </p:childTnLst>
-              </p:cTn>
-              <p:prevCondLst>
-                <p:cond evt="onPrev" delay="0">
-                  <p:tgtEl>
-                    <p:sldTgt/>
-                  </p:tgtEl>
-                </p:cond>
-              </p:prevCondLst>
-              <p:nextCondLst>
-                <p:cond evt="onNext" delay="0">
-                  <p:tgtEl>
-                    <p:sldTgt/>
-                  </p:tgtEl>
-                </p:cond>
-              </p:nextCondLst>
-            </p:seq>
-          </p:childTnLst>
-        </p:cTn>
-      </p:par>
-    </p:tnLst>
-    <p:bldLst>
-      <p:bldP spid="24" grpId="0" animBg="1"/>
-      <p:bldP spid="34" grpId="0"/>
-      <p:bldP spid="39" grpId="0"/>
-    </p:bldLst>
-  </p:timing>
-</p:sld>
-</file>
-
-<file path=ppt/slides/slide22.xml><?xml version="1.0" encoding="utf-8"?>
-<p:sld xmlns:a="http://schemas.openxmlformats.org/drawingml/2006/main" xmlns:r="http://schemas.openxmlformats.org/officeDocument/2006/relationships" xmlns:p="http://schemas.openxmlformats.org/presentationml/2006/main">
-  <p:cSld>
-    <p:bg>
-      <p:bgPr>
-        <a:blipFill dpi="0" rotWithShape="1">
-          <a:blip r:embed="rId2">
-            <a:lum/>
-          </a:blip>
-          <a:srcRect/>
-          <a:stretch>
-            <a:fillRect/>
-          </a:stretch>
-        </a:blipFill>
-        <a:effectLst/>
-      </p:bgPr>
-    </p:bg>
-    <p:spTree>
-      <p:nvGrpSpPr>
-        <p:cNvPr id="1" name=""/>
-        <p:cNvGrpSpPr/>
-        <p:nvPr/>
-      </p:nvGrpSpPr>
-      <p:grpSpPr>
-        <a:xfrm>
-          <a:off x="0" y="0"/>
-          <a:ext cx="0" cy="0"/>
-          <a:chOff x="0" y="0"/>
-          <a:chExt cx="0" cy="0"/>
-        </a:xfrm>
-      </p:grpSpPr>
-      <p:sp>
-        <p:nvSpPr>
-          <p:cNvPr id="2" name="Title 1">
-            <a:extLst>
-              <a:ext uri="{FF2B5EF4-FFF2-40B4-BE49-F238E27FC236}">
-                <a16:creationId xmlns:a16="http://schemas.microsoft.com/office/drawing/2014/main" id="{55E11F08-6CA0-48F1-AD67-97430DDA07F0}"/>
-              </a:ext>
-            </a:extLst>
-          </p:cNvPr>
-          <p:cNvSpPr>
-            <a:spLocks noGrp="1"/>
-          </p:cNvSpPr>
-          <p:nvPr>
-            <p:ph type="title"/>
-          </p:nvPr>
-        </p:nvSpPr>
-        <p:spPr/>
-        <p:txBody>
-          <a:bodyPr/>
-          <a:lstStyle/>
-          <a:p>
-            <a:r>
-              <a:rPr lang="en-US" b="1" dirty="0">
-                <a:solidFill>
-                  <a:srgbClr val="292D33"/>
-                </a:solidFill>
-                <a:latin typeface="Euclid Circular B" panose="020B0504000000000000" pitchFamily="34" charset="0"/>
-                <a:ea typeface="Euclid Circular B" panose="020B0504000000000000" pitchFamily="34" charset="0"/>
-              </a:rPr>
               <a:t>Resource Based Permissions</a:t>
             </a:r>
           </a:p>
@@ -16437,7 +13357,7 @@
 </p:sld>
 </file>
 
-<file path=ppt/slides/slide23.xml><?xml version="1.0" encoding="utf-8"?>
+<file path=ppt/slides/slide21.xml><?xml version="1.0" encoding="utf-8"?>
 <p:sld xmlns:a="http://schemas.openxmlformats.org/drawingml/2006/main" xmlns:r="http://schemas.openxmlformats.org/officeDocument/2006/relationships" xmlns:p="http://schemas.openxmlformats.org/presentationml/2006/main">
   <p:cSld>
     <p:bg>
@@ -16800,6 +13720,462 @@
 </p:sld>
 </file>
 
+<file path=ppt/slides/slide22.xml><?xml version="1.0" encoding="utf-8"?>
+<p:sld xmlns:a="http://schemas.openxmlformats.org/drawingml/2006/main" xmlns:r="http://schemas.openxmlformats.org/officeDocument/2006/relationships" xmlns:p="http://schemas.openxmlformats.org/presentationml/2006/main">
+  <p:cSld>
+    <p:bg>
+      <p:bgPr>
+        <a:blipFill dpi="0" rotWithShape="1">
+          <a:blip r:embed="rId2">
+            <a:lum/>
+          </a:blip>
+          <a:srcRect/>
+          <a:stretch>
+            <a:fillRect/>
+          </a:stretch>
+        </a:blipFill>
+        <a:effectLst/>
+      </p:bgPr>
+    </p:bg>
+    <p:spTree>
+      <p:nvGrpSpPr>
+        <p:cNvPr id="1" name=""/>
+        <p:cNvGrpSpPr/>
+        <p:nvPr/>
+      </p:nvGrpSpPr>
+      <p:grpSpPr>
+        <a:xfrm>
+          <a:off x="0" y="0"/>
+          <a:ext cx="0" cy="0"/>
+          <a:chOff x="0" y="0"/>
+          <a:chExt cx="0" cy="0"/>
+        </a:xfrm>
+      </p:grpSpPr>
+      <p:sp>
+        <p:nvSpPr>
+          <p:cNvPr id="2" name="Title 1">
+            <a:extLst>
+              <a:ext uri="{FF2B5EF4-FFF2-40B4-BE49-F238E27FC236}">
+                <a16:creationId xmlns:a16="http://schemas.microsoft.com/office/drawing/2014/main" id="{55E11F08-6CA0-48F1-AD67-97430DDA07F0}"/>
+              </a:ext>
+            </a:extLst>
+          </p:cNvPr>
+          <p:cNvSpPr>
+            <a:spLocks noGrp="1"/>
+          </p:cNvSpPr>
+          <p:nvPr>
+            <p:ph type="title"/>
+          </p:nvPr>
+        </p:nvSpPr>
+        <p:spPr/>
+        <p:txBody>
+          <a:bodyPr/>
+          <a:lstStyle/>
+          <a:p>
+            <a:r>
+              <a:rPr lang="en-US" b="1" dirty="0">
+                <a:solidFill>
+                  <a:srgbClr val="292D33"/>
+                </a:solidFill>
+                <a:latin typeface="Euclid Circular B" panose="020B0504000000000000" pitchFamily="34" charset="0"/>
+                <a:ea typeface="Euclid Circular B" panose="020B0504000000000000" pitchFamily="34" charset="0"/>
+              </a:rPr>
+              <a:t>Conclusion</a:t>
+            </a:r>
+          </a:p>
+        </p:txBody>
+      </p:sp>
+      <p:sp>
+        <p:nvSpPr>
+          <p:cNvPr id="3" name="Content Placeholder 2">
+            <a:extLst>
+              <a:ext uri="{FF2B5EF4-FFF2-40B4-BE49-F238E27FC236}">
+                <a16:creationId xmlns:a16="http://schemas.microsoft.com/office/drawing/2014/main" id="{891C7693-D3DF-4635-96F4-97F3B4136FDF}"/>
+              </a:ext>
+            </a:extLst>
+          </p:cNvPr>
+          <p:cNvSpPr>
+            <a:spLocks noGrp="1"/>
+          </p:cNvSpPr>
+          <p:nvPr>
+            <p:ph idx="1"/>
+          </p:nvPr>
+        </p:nvSpPr>
+        <p:spPr>
+          <a:xfrm>
+            <a:off x="838200" y="1825625"/>
+            <a:ext cx="10515600" cy="4667250"/>
+          </a:xfrm>
+        </p:spPr>
+        <p:txBody>
+          <a:bodyPr>
+            <a:normAutofit/>
+          </a:bodyPr>
+          <a:lstStyle/>
+          <a:p>
+            <a:r>
+              <a:rPr lang="en-US" dirty="0">
+                <a:latin typeface="Euclid Circular B" panose="020B0504000000000000" pitchFamily="34" charset="0"/>
+                <a:ea typeface="Euclid Circular B" panose="020B0504000000000000" pitchFamily="34" charset="0"/>
+              </a:rPr>
+              <a:t>Design considerations: Policy Enforcement, Decision, Information and Administration Points.</a:t>
+            </a:r>
+          </a:p>
+          <a:p>
+            <a:r>
+              <a:rPr lang="en-US" dirty="0">
+                <a:latin typeface="Euclid Circular B" panose="020B0504000000000000" pitchFamily="34" charset="0"/>
+                <a:ea typeface="Euclid Circular B" panose="020B0504000000000000" pitchFamily="34" charset="0"/>
+              </a:rPr>
+              <a:t>Centrally store permission data.</a:t>
+            </a:r>
+          </a:p>
+          <a:p>
+            <a:r>
+              <a:rPr lang="en-US" dirty="0">
+                <a:latin typeface="Euclid Circular B" panose="020B0504000000000000" pitchFamily="34" charset="0"/>
+                <a:ea typeface="Euclid Circular B" panose="020B0504000000000000" pitchFamily="34" charset="0"/>
+              </a:rPr>
+              <a:t>Centrally manage on-off style permissions.</a:t>
+            </a:r>
+          </a:p>
+          <a:p>
+            <a:r>
+              <a:rPr lang="en-US" dirty="0">
+                <a:latin typeface="Euclid Circular B" panose="020B0504000000000000" pitchFamily="34" charset="0"/>
+                <a:ea typeface="Euclid Circular B" panose="020B0504000000000000" pitchFamily="34" charset="0"/>
+              </a:rPr>
+              <a:t>Always ask to microservice for custom and resource-based permissions.</a:t>
+            </a:r>
+          </a:p>
+          <a:p>
+            <a:r>
+              <a:rPr lang="en-US" dirty="0">
+                <a:latin typeface="Euclid Circular B" panose="020B0504000000000000" pitchFamily="34" charset="0"/>
+                <a:ea typeface="Euclid Circular B" panose="020B0504000000000000" pitchFamily="34" charset="0"/>
+              </a:rPr>
+              <a:t>Rely on database queries for permission-based filtering.</a:t>
+            </a:r>
+          </a:p>
+        </p:txBody>
+      </p:sp>
+    </p:spTree>
+    <p:extLst>
+      <p:ext uri="{BB962C8B-B14F-4D97-AF65-F5344CB8AC3E}">
+        <p14:creationId xmlns:p14="http://schemas.microsoft.com/office/powerpoint/2010/main" val="1625585404"/>
+      </p:ext>
+    </p:extLst>
+  </p:cSld>
+  <p:clrMapOvr>
+    <a:masterClrMapping/>
+  </p:clrMapOvr>
+</p:sld>
+</file>
+
+<file path=ppt/slides/slide23.xml><?xml version="1.0" encoding="utf-8"?>
+<p:sld xmlns:a="http://schemas.openxmlformats.org/drawingml/2006/main" xmlns:r="http://schemas.openxmlformats.org/officeDocument/2006/relationships" xmlns:p="http://schemas.openxmlformats.org/presentationml/2006/main">
+  <p:cSld>
+    <p:bg>
+      <p:bgPr>
+        <a:blipFill dpi="0" rotWithShape="1">
+          <a:blip r:embed="rId2">
+            <a:lum/>
+          </a:blip>
+          <a:srcRect/>
+          <a:stretch>
+            <a:fillRect/>
+          </a:stretch>
+        </a:blipFill>
+        <a:effectLst/>
+      </p:bgPr>
+    </p:bg>
+    <p:spTree>
+      <p:nvGrpSpPr>
+        <p:cNvPr id="1" name=""/>
+        <p:cNvGrpSpPr/>
+        <p:nvPr/>
+      </p:nvGrpSpPr>
+      <p:grpSpPr>
+        <a:xfrm>
+          <a:off x="0" y="0"/>
+          <a:ext cx="0" cy="0"/>
+          <a:chOff x="0" y="0"/>
+          <a:chExt cx="0" cy="0"/>
+        </a:xfrm>
+      </p:grpSpPr>
+      <p:sp>
+        <p:nvSpPr>
+          <p:cNvPr id="2" name="Title 1">
+            <a:extLst>
+              <a:ext uri="{FF2B5EF4-FFF2-40B4-BE49-F238E27FC236}">
+                <a16:creationId xmlns:a16="http://schemas.microsoft.com/office/drawing/2014/main" id="{55E11F08-6CA0-48F1-AD67-97430DDA07F0}"/>
+              </a:ext>
+            </a:extLst>
+          </p:cNvPr>
+          <p:cNvSpPr>
+            <a:spLocks noGrp="1"/>
+          </p:cNvSpPr>
+          <p:nvPr>
+            <p:ph type="title"/>
+          </p:nvPr>
+        </p:nvSpPr>
+        <p:spPr/>
+        <p:txBody>
+          <a:bodyPr/>
+          <a:lstStyle/>
+          <a:p>
+            <a:r>
+              <a:rPr lang="en-US" b="1" dirty="0">
+                <a:solidFill>
+                  <a:srgbClr val="292D33"/>
+                </a:solidFill>
+                <a:latin typeface="Euclid Circular B" panose="020B0504000000000000" pitchFamily="34" charset="0"/>
+                <a:ea typeface="Euclid Circular B" panose="020B0504000000000000" pitchFamily="34" charset="0"/>
+              </a:rPr>
+              <a:t>Thanks!</a:t>
+            </a:r>
+          </a:p>
+        </p:txBody>
+      </p:sp>
+      <p:sp>
+        <p:nvSpPr>
+          <p:cNvPr id="3" name="Content Placeholder 2">
+            <a:extLst>
+              <a:ext uri="{FF2B5EF4-FFF2-40B4-BE49-F238E27FC236}">
+                <a16:creationId xmlns:a16="http://schemas.microsoft.com/office/drawing/2014/main" id="{891C7693-D3DF-4635-96F4-97F3B4136FDF}"/>
+              </a:ext>
+            </a:extLst>
+          </p:cNvPr>
+          <p:cNvSpPr>
+            <a:spLocks noGrp="1"/>
+          </p:cNvSpPr>
+          <p:nvPr>
+            <p:ph idx="1"/>
+          </p:nvPr>
+        </p:nvSpPr>
+        <p:spPr>
+          <a:xfrm>
+            <a:off x="838200" y="1825625"/>
+            <a:ext cx="10515600" cy="4667250"/>
+          </a:xfrm>
+        </p:spPr>
+        <p:txBody>
+          <a:bodyPr>
+            <a:normAutofit/>
+          </a:bodyPr>
+          <a:lstStyle/>
+          <a:p>
+            <a:pPr marL="0" indent="0">
+              <a:buNone/>
+            </a:pPr>
+            <a:r>
+              <a:rPr lang="en-US" sz="2600" b="1" dirty="0">
+                <a:latin typeface="Euclid Circular B" panose="020B0504000000000000" pitchFamily="34" charset="0"/>
+                <a:ea typeface="Euclid Circular B" panose="020B0504000000000000" pitchFamily="34" charset="0"/>
+              </a:rPr>
+              <a:t>Get This Presentation</a:t>
+            </a:r>
+          </a:p>
+          <a:p>
+            <a:pPr marL="0" indent="0">
+              <a:buNone/>
+            </a:pPr>
+            <a:r>
+              <a:rPr lang="en-US" sz="1400" dirty="0">
+                <a:latin typeface="Euclid Circular B" panose="020B0504000000000000" pitchFamily="34" charset="0"/>
+                <a:ea typeface="Euclid Circular B" panose="020B0504000000000000" pitchFamily="34" charset="0"/>
+                <a:hlinkClick r:id="rId3"/>
+              </a:rPr>
+              <a:t>https://github.com/hikalkan/presentations</a:t>
+            </a:r>
+            <a:endParaRPr lang="en-US" sz="1400" dirty="0">
+              <a:latin typeface="Euclid Circular B" panose="020B0504000000000000" pitchFamily="34" charset="0"/>
+              <a:ea typeface="Euclid Circular B" panose="020B0504000000000000" pitchFamily="34" charset="0"/>
+            </a:endParaRPr>
+          </a:p>
+          <a:p>
+            <a:pPr marL="0" indent="0">
+              <a:buNone/>
+            </a:pPr>
+            <a:endParaRPr lang="en-US" sz="1000" dirty="0">
+              <a:latin typeface="Euclid Circular B" panose="020B0504000000000000" pitchFamily="34" charset="0"/>
+              <a:ea typeface="Euclid Circular B" panose="020B0504000000000000" pitchFamily="34" charset="0"/>
+            </a:endParaRPr>
+          </a:p>
+          <a:p>
+            <a:pPr marL="0" indent="0">
+              <a:buNone/>
+            </a:pPr>
+            <a:r>
+              <a:rPr lang="en-US" sz="2600" b="1" dirty="0">
+                <a:latin typeface="Euclid Circular B" panose="020B0504000000000000" pitchFamily="34" charset="0"/>
+                <a:ea typeface="Euclid Circular B" panose="020B0504000000000000" pitchFamily="34" charset="0"/>
+              </a:rPr>
+              <a:t>Contact Me</a:t>
+            </a:r>
+          </a:p>
+          <a:p>
+            <a:pPr marL="0" indent="0">
+              <a:buNone/>
+            </a:pPr>
+            <a:r>
+              <a:rPr lang="en-US" sz="1600" dirty="0">
+                <a:latin typeface="Euclid Circular B" panose="020B0504000000000000" pitchFamily="34" charset="0"/>
+                <a:ea typeface="Euclid Circular B" panose="020B0504000000000000" pitchFamily="34" charset="0"/>
+              </a:rPr>
+              <a:t>Home: </a:t>
+            </a:r>
+            <a:r>
+              <a:rPr lang="en-US" sz="1600" dirty="0">
+                <a:latin typeface="Euclid Circular B" panose="020B0504000000000000" pitchFamily="34" charset="0"/>
+                <a:ea typeface="Euclid Circular B" panose="020B0504000000000000" pitchFamily="34" charset="0"/>
+                <a:hlinkClick r:id="rId4"/>
+              </a:rPr>
+              <a:t>https://halilibrahimkalkan.com</a:t>
+            </a:r>
+            <a:r>
+              <a:rPr lang="en-US" sz="1600" dirty="0">
+                <a:latin typeface="Euclid Circular B" panose="020B0504000000000000" pitchFamily="34" charset="0"/>
+                <a:ea typeface="Euclid Circular B" panose="020B0504000000000000" pitchFamily="34" charset="0"/>
+              </a:rPr>
+              <a:t> </a:t>
+            </a:r>
+          </a:p>
+          <a:p>
+            <a:pPr marL="0" indent="0">
+              <a:buNone/>
+            </a:pPr>
+            <a:r>
+              <a:rPr lang="en-US" sz="1600" dirty="0">
+                <a:latin typeface="Euclid Circular B" panose="020B0504000000000000" pitchFamily="34" charset="0"/>
+                <a:ea typeface="Euclid Circular B" panose="020B0504000000000000" pitchFamily="34" charset="0"/>
+              </a:rPr>
+              <a:t>GitHub: @hikalkan | Twitter: @hibrahimkalkan</a:t>
+            </a:r>
+          </a:p>
+          <a:p>
+            <a:pPr marL="0" indent="0">
+              <a:buNone/>
+            </a:pPr>
+            <a:endParaRPr lang="en-US" sz="1000" dirty="0">
+              <a:latin typeface="Euclid Circular B" panose="020B0504000000000000" pitchFamily="34" charset="0"/>
+              <a:ea typeface="Euclid Circular B" panose="020B0504000000000000" pitchFamily="34" charset="0"/>
+            </a:endParaRPr>
+          </a:p>
+          <a:p>
+            <a:pPr marL="0" indent="0">
+              <a:buNone/>
+            </a:pPr>
+            <a:r>
+              <a:rPr lang="en-US" sz="2600" b="1" dirty="0">
+                <a:latin typeface="Euclid Circular B" panose="020B0504000000000000" pitchFamily="34" charset="0"/>
+                <a:ea typeface="Euclid Circular B" panose="020B0504000000000000" pitchFamily="34" charset="0"/>
+              </a:rPr>
+              <a:t>References</a:t>
+            </a:r>
+          </a:p>
+          <a:p>
+            <a:r>
+              <a:rPr lang="en-US" sz="1600" dirty="0">
+                <a:latin typeface="Euclid Circular B" panose="020B0504000000000000" pitchFamily="34" charset="0"/>
+                <a:ea typeface="Euclid Circular B" panose="020B0504000000000000" pitchFamily="34" charset="0"/>
+              </a:rPr>
+              <a:t>Authorization in a Microservices World</a:t>
+            </a:r>
+            <a:br>
+              <a:rPr lang="en-US" sz="1600" dirty="0">
+                <a:latin typeface="Euclid Circular B" panose="020B0504000000000000" pitchFamily="34" charset="0"/>
+                <a:ea typeface="Euclid Circular B" panose="020B0504000000000000" pitchFamily="34" charset="0"/>
+              </a:rPr>
+            </a:br>
+            <a:r>
+              <a:rPr lang="en-US" sz="1400" dirty="0">
+                <a:latin typeface="Euclid Circular B" panose="020B0504000000000000" pitchFamily="34" charset="0"/>
+                <a:ea typeface="Euclid Circular B" panose="020B0504000000000000" pitchFamily="34" charset="0"/>
+                <a:hlinkClick r:id="rId5"/>
+              </a:rPr>
+              <a:t>https://www.alexanderlolis.com/authorization-in-a-microservices-world</a:t>
+            </a:r>
+            <a:r>
+              <a:rPr lang="en-US" sz="1400" dirty="0">
+                <a:latin typeface="Euclid Circular B" panose="020B0504000000000000" pitchFamily="34" charset="0"/>
+                <a:ea typeface="Euclid Circular B" panose="020B0504000000000000" pitchFamily="34" charset="0"/>
+              </a:rPr>
+              <a:t> </a:t>
+            </a:r>
+          </a:p>
+          <a:p>
+            <a:r>
+              <a:rPr lang="en-US" sz="1600" dirty="0">
+                <a:latin typeface="Euclid Circular B" panose="020B0504000000000000" pitchFamily="34" charset="0"/>
+                <a:ea typeface="Euclid Circular B" panose="020B0504000000000000" pitchFamily="34" charset="0"/>
+              </a:rPr>
+              <a:t>ABP Authorization</a:t>
+            </a:r>
+            <a:br>
+              <a:rPr lang="en-US" sz="1400" dirty="0">
+                <a:latin typeface="Euclid Circular B" panose="020B0504000000000000" pitchFamily="34" charset="0"/>
+                <a:ea typeface="Euclid Circular B" panose="020B0504000000000000" pitchFamily="34" charset="0"/>
+              </a:rPr>
+            </a:br>
+            <a:r>
+              <a:rPr lang="en-US" sz="1400" dirty="0">
+                <a:latin typeface="Euclid Circular B" panose="020B0504000000000000" pitchFamily="34" charset="0"/>
+                <a:ea typeface="Euclid Circular B" panose="020B0504000000000000" pitchFamily="34" charset="0"/>
+                <a:hlinkClick r:id="rId6"/>
+              </a:rPr>
+              <a:t>https://docs.abp.io/en/abp/latest/Authorization</a:t>
+            </a:r>
+            <a:endParaRPr lang="en-US" sz="1400" dirty="0">
+              <a:latin typeface="Euclid Circular B" panose="020B0504000000000000" pitchFamily="34" charset="0"/>
+              <a:ea typeface="Euclid Circular B" panose="020B0504000000000000" pitchFamily="34" charset="0"/>
+            </a:endParaRPr>
+          </a:p>
+          <a:p>
+            <a:r>
+              <a:rPr lang="en-US" sz="1600" dirty="0">
+                <a:latin typeface="Euclid Circular B" panose="020B0504000000000000" pitchFamily="34" charset="0"/>
+                <a:ea typeface="Euclid Circular B" panose="020B0504000000000000" pitchFamily="34" charset="0"/>
+              </a:rPr>
+              <a:t>ASP.NET Core Authorization</a:t>
+            </a:r>
+            <a:br>
+              <a:rPr lang="en-US" sz="1400" dirty="0">
+                <a:latin typeface="Euclid Circular B" panose="020B0504000000000000" pitchFamily="34" charset="0"/>
+                <a:ea typeface="Euclid Circular B" panose="020B0504000000000000" pitchFamily="34" charset="0"/>
+              </a:rPr>
+            </a:br>
+            <a:r>
+              <a:rPr lang="en-US" sz="1400" dirty="0">
+                <a:latin typeface="Euclid Circular B" panose="020B0504000000000000" pitchFamily="34" charset="0"/>
+                <a:ea typeface="Euclid Circular B" panose="020B0504000000000000" pitchFamily="34" charset="0"/>
+                <a:hlinkClick r:id="rId7"/>
+              </a:rPr>
+              <a:t>https://learn.microsoft.com/en-us/aspnet/core/security/authorization/introduction</a:t>
+            </a:r>
+            <a:r>
+              <a:rPr lang="en-US" sz="1400" dirty="0">
+                <a:latin typeface="Euclid Circular B" panose="020B0504000000000000" pitchFamily="34" charset="0"/>
+                <a:ea typeface="Euclid Circular B" panose="020B0504000000000000" pitchFamily="34" charset="0"/>
+              </a:rPr>
+              <a:t> </a:t>
+            </a:r>
+          </a:p>
+        </p:txBody>
+      </p:sp>
+    </p:spTree>
+    <p:extLst>
+      <p:ext uri="{BB962C8B-B14F-4D97-AF65-F5344CB8AC3E}">
+        <p14:creationId xmlns:p14="http://schemas.microsoft.com/office/powerpoint/2010/main" val="2250060757"/>
+      </p:ext>
+    </p:extLst>
+  </p:cSld>
+  <p:clrMapOvr>
+    <a:masterClrMapping/>
+  </p:clrMapOvr>
+</p:sld>
+</file>
+
 <file path=ppt/slides/slide24.xml><?xml version="1.0" encoding="utf-8"?>
 <p:sld xmlns:a="http://schemas.openxmlformats.org/drawingml/2006/main" xmlns:r="http://schemas.openxmlformats.org/officeDocument/2006/relationships" xmlns:p="http://schemas.openxmlformats.org/presentationml/2006/main">
   <p:cSld>
@@ -16860,7 +14236,7 @@
                 <a:latin typeface="Euclid Circular B" panose="020B0504000000000000" pitchFamily="34" charset="0"/>
                 <a:ea typeface="Euclid Circular B" panose="020B0504000000000000" pitchFamily="34" charset="0"/>
               </a:rPr>
-              <a:t>Pre-built authorization systems</a:t>
+              <a:t>ABP: Updating Permission Definitions</a:t>
             </a:r>
           </a:p>
         </p:txBody>
@@ -16881,94 +14257,853 @@
             <p:ph idx="1"/>
           </p:nvPr>
         </p:nvSpPr>
-        <p:spPr/>
+        <p:spPr>
+          <a:xfrm>
+            <a:off x="838200" y="1825625"/>
+            <a:ext cx="5104944" cy="4351338"/>
+          </a:xfrm>
+        </p:spPr>
         <p:txBody>
-          <a:bodyPr/>
+          <a:bodyPr>
+            <a:normAutofit/>
+          </a:bodyPr>
           <a:lstStyle/>
           <a:p>
             <a:pPr marL="0" indent="0">
               <a:buNone/>
             </a:pPr>
             <a:r>
-              <a:rPr lang="en-US" dirty="0">
-                <a:latin typeface="Euclid Circular B" panose="020B0504000000000000" pitchFamily="34" charset="0"/>
-                <a:ea typeface="Euclid Circular B" panose="020B0504000000000000" pitchFamily="34" charset="0"/>
-              </a:rPr>
-              <a:t>Examples:</a:t>
-            </a:r>
-          </a:p>
-          <a:p>
-            <a:r>
-              <a:rPr lang="en-US" b="1" dirty="0" err="1">
-                <a:latin typeface="Euclid Circular B" panose="020B0504000000000000" pitchFamily="34" charset="0"/>
-                <a:ea typeface="Euclid Circular B" panose="020B0504000000000000" pitchFamily="34" charset="0"/>
-              </a:rPr>
-              <a:t>Casbin</a:t>
+              <a:rPr lang="en-US" sz="2000" dirty="0">
+                <a:latin typeface="Euclid Circular B" panose="020B0504000000000000" pitchFamily="34" charset="0"/>
+                <a:ea typeface="Euclid Circular B" panose="020B0504000000000000" pitchFamily="34" charset="0"/>
+              </a:rPr>
+              <a:t>On the </a:t>
+            </a:r>
+            <a:r>
+              <a:rPr lang="en-US" sz="2000" b="1" dirty="0">
+                <a:latin typeface="Euclid Circular B" panose="020B0504000000000000" pitchFamily="34" charset="0"/>
+                <a:ea typeface="Euclid Circular B" panose="020B0504000000000000" pitchFamily="34" charset="0"/>
+              </a:rPr>
+              <a:t>service startup</a:t>
+            </a:r>
+            <a:r>
+              <a:rPr lang="en-US" sz="2000" dirty="0">
+                <a:latin typeface="Euclid Circular B" panose="020B0504000000000000" pitchFamily="34" charset="0"/>
+                <a:ea typeface="Euclid Circular B" panose="020B0504000000000000" pitchFamily="34" charset="0"/>
+              </a:rPr>
+              <a:t>;</a:t>
+            </a:r>
+          </a:p>
+          <a:p>
+            <a:r>
+              <a:rPr lang="en-US" sz="1800" b="1" dirty="0">
+                <a:latin typeface="Euclid Circular B" panose="020B0504000000000000" pitchFamily="34" charset="0"/>
+                <a:ea typeface="Euclid Circular B" panose="020B0504000000000000" pitchFamily="34" charset="0"/>
+              </a:rPr>
+              <a:t>Calculate </a:t>
+            </a:r>
+            <a:r>
+              <a:rPr lang="en-US" sz="1800" dirty="0">
+                <a:latin typeface="Euclid Circular B" panose="020B0504000000000000" pitchFamily="34" charset="0"/>
+                <a:ea typeface="Euclid Circular B" panose="020B0504000000000000" pitchFamily="34" charset="0"/>
+              </a:rPr>
+              <a:t>a single </a:t>
+            </a:r>
+            <a:r>
+              <a:rPr lang="en-US" sz="1800" b="1" dirty="0">
+                <a:latin typeface="Euclid Circular B" panose="020B0504000000000000" pitchFamily="34" charset="0"/>
+                <a:ea typeface="Euclid Circular B" panose="020B0504000000000000" pitchFamily="34" charset="0"/>
+              </a:rPr>
+              <a:t>hash </a:t>
+            </a:r>
+            <a:r>
+              <a:rPr lang="en-US" sz="1800" dirty="0">
+                <a:latin typeface="Euclid Circular B" panose="020B0504000000000000" pitchFamily="34" charset="0"/>
+                <a:ea typeface="Euclid Circular B" panose="020B0504000000000000" pitchFamily="34" charset="0"/>
+              </a:rPr>
+              <a:t>of all permission definitions</a:t>
+            </a:r>
+          </a:p>
+          <a:p>
+            <a:r>
+              <a:rPr lang="en-US" sz="1800" b="1" dirty="0">
+                <a:latin typeface="Euclid Circular B" panose="020B0504000000000000" pitchFamily="34" charset="0"/>
+                <a:ea typeface="Euclid Circular B" panose="020B0504000000000000" pitchFamily="34" charset="0"/>
+              </a:rPr>
+              <a:t>Compare </a:t>
+            </a:r>
+            <a:r>
+              <a:rPr lang="en-US" sz="1800" dirty="0">
+                <a:latin typeface="Euclid Circular B" panose="020B0504000000000000" pitchFamily="34" charset="0"/>
+                <a:ea typeface="Euclid Circular B" panose="020B0504000000000000" pitchFamily="34" charset="0"/>
+              </a:rPr>
+              <a:t>with the hash in the distributed cache</a:t>
+            </a:r>
+          </a:p>
+          <a:p>
+            <a:r>
+              <a:rPr lang="en-US" sz="1800" b="1" dirty="0">
+                <a:latin typeface="Euclid Circular B" panose="020B0504000000000000" pitchFamily="34" charset="0"/>
+                <a:ea typeface="Euclid Circular B" panose="020B0504000000000000" pitchFamily="34" charset="0"/>
+              </a:rPr>
+              <a:t>Serialize </a:t>
+            </a:r>
+            <a:r>
+              <a:rPr lang="en-US" sz="1800" dirty="0">
+                <a:latin typeface="Euclid Circular B" panose="020B0504000000000000" pitchFamily="34" charset="0"/>
+                <a:ea typeface="Euclid Circular B" panose="020B0504000000000000" pitchFamily="34" charset="0"/>
+              </a:rPr>
+              <a:t>and save permission definitions (only changed / new ones)</a:t>
+            </a:r>
+          </a:p>
+          <a:p>
+            <a:r>
+              <a:rPr lang="en-US" sz="1800" dirty="0">
+                <a:latin typeface="Euclid Circular B" panose="020B0504000000000000" pitchFamily="34" charset="0"/>
+                <a:ea typeface="Euclid Circular B" panose="020B0504000000000000" pitchFamily="34" charset="0"/>
+              </a:rPr>
+              <a:t>Update the </a:t>
+            </a:r>
+            <a:r>
+              <a:rPr lang="en-US" sz="1800" b="1" dirty="0">
+                <a:latin typeface="Euclid Circular B" panose="020B0504000000000000" pitchFamily="34" charset="0"/>
+                <a:ea typeface="Euclid Circular B" panose="020B0504000000000000" pitchFamily="34" charset="0"/>
+              </a:rPr>
+              <a:t>permission stamp </a:t>
+            </a:r>
+            <a:r>
+              <a:rPr lang="en-US" sz="1800" dirty="0">
+                <a:latin typeface="Euclid Circular B" panose="020B0504000000000000" pitchFamily="34" charset="0"/>
+                <a:ea typeface="Euclid Circular B" panose="020B0504000000000000" pitchFamily="34" charset="0"/>
+              </a:rPr>
+              <a:t>to inform other services</a:t>
+            </a:r>
+          </a:p>
+          <a:p>
+            <a:r>
+              <a:rPr lang="en-US" sz="1800" dirty="0">
+                <a:latin typeface="Euclid Circular B" panose="020B0504000000000000" pitchFamily="34" charset="0"/>
+                <a:ea typeface="Euclid Circular B" panose="020B0504000000000000" pitchFamily="34" charset="0"/>
+              </a:rPr>
+              <a:t>Use </a:t>
+            </a:r>
+            <a:r>
+              <a:rPr lang="en-US" sz="1800" b="1" i="1" dirty="0">
+                <a:latin typeface="Euclid Circular B" panose="020B0504000000000000" pitchFamily="34" charset="0"/>
+                <a:ea typeface="Euclid Circular B" panose="020B0504000000000000" pitchFamily="34" charset="0"/>
+              </a:rPr>
+              <a:t>microservice name</a:t>
+            </a:r>
+            <a:r>
+              <a:rPr lang="en-US" sz="1800" i="1" dirty="0">
+                <a:latin typeface="Euclid Circular B" panose="020B0504000000000000" pitchFamily="34" charset="0"/>
+                <a:ea typeface="Euclid Circular B" panose="020B0504000000000000" pitchFamily="34" charset="0"/>
+              </a:rPr>
+              <a:t> </a:t>
+            </a:r>
+            <a:r>
+              <a:rPr lang="en-US" sz="1800" dirty="0">
+                <a:latin typeface="Euclid Circular B" panose="020B0504000000000000" pitchFamily="34" charset="0"/>
+                <a:ea typeface="Euclid Circular B" panose="020B0504000000000000" pitchFamily="34" charset="0"/>
+              </a:rPr>
+              <a:t>as a cache key prefix</a:t>
+            </a:r>
+          </a:p>
+        </p:txBody>
+      </p:sp>
+      <p:sp>
+        <p:nvSpPr>
+          <p:cNvPr id="4" name="Rectangle 3">
+            <a:extLst>
+              <a:ext uri="{FF2B5EF4-FFF2-40B4-BE49-F238E27FC236}">
+                <a16:creationId xmlns:a16="http://schemas.microsoft.com/office/drawing/2014/main" id="{DF725507-237A-1E00-130B-F242B99394E4}"/>
+              </a:ext>
+            </a:extLst>
+          </p:cNvPr>
+          <p:cNvSpPr/>
+          <p:nvPr/>
+        </p:nvSpPr>
+        <p:spPr>
+          <a:xfrm>
+            <a:off x="6060341" y="1839977"/>
+            <a:ext cx="1623777" cy="1204796"/>
+          </a:xfrm>
+          <a:prstGeom prst="rect">
+            <a:avLst/>
+          </a:prstGeom>
+        </p:spPr>
+        <p:style>
+          <a:lnRef idx="2">
+            <a:schemeClr val="accent1">
+              <a:shade val="50000"/>
+            </a:schemeClr>
+          </a:lnRef>
+          <a:fillRef idx="1">
+            <a:schemeClr val="accent1"/>
+          </a:fillRef>
+          <a:effectRef idx="0">
+            <a:schemeClr val="accent1"/>
+          </a:effectRef>
+          <a:fontRef idx="minor">
+            <a:schemeClr val="lt1"/>
+          </a:fontRef>
+        </p:style>
+        <p:txBody>
+          <a:bodyPr rtlCol="0" anchor="t"/>
+          <a:lstStyle/>
+          <a:p>
+            <a:pPr algn="ctr"/>
+            <a:r>
+              <a:rPr lang="en-US" dirty="0"/>
+              <a:t>Microservice A</a:t>
+            </a:r>
+          </a:p>
+        </p:txBody>
+      </p:sp>
+      <p:sp>
+        <p:nvSpPr>
+          <p:cNvPr id="5" name="Rectangle: Rounded Corners 4">
+            <a:extLst>
+              <a:ext uri="{FF2B5EF4-FFF2-40B4-BE49-F238E27FC236}">
+                <a16:creationId xmlns:a16="http://schemas.microsoft.com/office/drawing/2014/main" id="{79C73981-81C2-EDDD-289C-6378889C620B}"/>
+              </a:ext>
+            </a:extLst>
+          </p:cNvPr>
+          <p:cNvSpPr/>
+          <p:nvPr/>
+        </p:nvSpPr>
+        <p:spPr>
+          <a:xfrm>
+            <a:off x="6150552" y="2270524"/>
+            <a:ext cx="1447457" cy="646478"/>
+          </a:xfrm>
+          <a:prstGeom prst="roundRect">
+            <a:avLst/>
+          </a:prstGeom>
+        </p:spPr>
+        <p:style>
+          <a:lnRef idx="2">
+            <a:schemeClr val="accent4">
+              <a:shade val="50000"/>
+            </a:schemeClr>
+          </a:lnRef>
+          <a:fillRef idx="1">
+            <a:schemeClr val="accent4"/>
+          </a:fillRef>
+          <a:effectRef idx="0">
+            <a:schemeClr val="accent4"/>
+          </a:effectRef>
+          <a:fontRef idx="minor">
+            <a:schemeClr val="lt1"/>
+          </a:fontRef>
+        </p:style>
+        <p:txBody>
+          <a:bodyPr rtlCol="0" anchor="ctr"/>
+          <a:lstStyle/>
+          <a:p>
+            <a:pPr algn="ctr"/>
+            <a:r>
+              <a:rPr lang="en-US" sz="1200" dirty="0">
+                <a:solidFill>
+                  <a:schemeClr val="tx1"/>
+                </a:solidFill>
+              </a:rPr>
+              <a:t>Static Permission Definitions</a:t>
+            </a:r>
+          </a:p>
+        </p:txBody>
+      </p:sp>
+      <p:sp>
+        <p:nvSpPr>
+          <p:cNvPr id="6" name="Rectangle 5">
+            <a:extLst>
+              <a:ext uri="{FF2B5EF4-FFF2-40B4-BE49-F238E27FC236}">
+                <a16:creationId xmlns:a16="http://schemas.microsoft.com/office/drawing/2014/main" id="{038C0967-05A1-A19D-277B-A9D785F16C90}"/>
+              </a:ext>
+            </a:extLst>
+          </p:cNvPr>
+          <p:cNvSpPr/>
+          <p:nvPr/>
+        </p:nvSpPr>
+        <p:spPr>
+          <a:xfrm>
+            <a:off x="10190176" y="1825625"/>
+            <a:ext cx="1623777" cy="1219148"/>
+          </a:xfrm>
+          <a:prstGeom prst="rect">
+            <a:avLst/>
+          </a:prstGeom>
+        </p:spPr>
+        <p:style>
+          <a:lnRef idx="2">
+            <a:schemeClr val="dk1">
+              <a:shade val="50000"/>
+            </a:schemeClr>
+          </a:lnRef>
+          <a:fillRef idx="1">
+            <a:schemeClr val="dk1"/>
+          </a:fillRef>
+          <a:effectRef idx="0">
+            <a:schemeClr val="dk1"/>
+          </a:effectRef>
+          <a:fontRef idx="minor">
+            <a:schemeClr val="lt1"/>
+          </a:fontRef>
+        </p:style>
+        <p:txBody>
+          <a:bodyPr rtlCol="0" anchor="t"/>
+          <a:lstStyle/>
+          <a:p>
+            <a:pPr algn="ctr"/>
+            <a:r>
+              <a:rPr lang="en-US" sz="1400" dirty="0"/>
+              <a:t>Distributed Cache</a:t>
+            </a:r>
+          </a:p>
+        </p:txBody>
+      </p:sp>
+      <p:sp>
+        <p:nvSpPr>
+          <p:cNvPr id="7" name="Hexagon 6">
+            <a:extLst>
+              <a:ext uri="{FF2B5EF4-FFF2-40B4-BE49-F238E27FC236}">
+                <a16:creationId xmlns:a16="http://schemas.microsoft.com/office/drawing/2014/main" id="{5CAD24FD-7A76-DBD9-BDD6-5303A63AA728}"/>
+              </a:ext>
+            </a:extLst>
+          </p:cNvPr>
+          <p:cNvSpPr/>
+          <p:nvPr/>
+        </p:nvSpPr>
+        <p:spPr>
+          <a:xfrm>
+            <a:off x="8528811" y="2310887"/>
+            <a:ext cx="676574" cy="225525"/>
+          </a:xfrm>
+          <a:prstGeom prst="hexagon">
+            <a:avLst/>
+          </a:prstGeom>
+        </p:spPr>
+        <p:style>
+          <a:lnRef idx="2">
+            <a:schemeClr val="accent2">
+              <a:shade val="50000"/>
+            </a:schemeClr>
+          </a:lnRef>
+          <a:fillRef idx="1">
+            <a:schemeClr val="accent2"/>
+          </a:fillRef>
+          <a:effectRef idx="0">
+            <a:schemeClr val="accent2"/>
+          </a:effectRef>
+          <a:fontRef idx="minor">
+            <a:schemeClr val="lt1"/>
+          </a:fontRef>
+        </p:style>
+        <p:txBody>
+          <a:bodyPr rtlCol="0" anchor="ctr"/>
+          <a:lstStyle/>
+          <a:p>
+            <a:pPr algn="ctr"/>
+            <a:r>
+              <a:rPr lang="en-US" sz="1400" dirty="0"/>
+              <a:t>hash</a:t>
+            </a:r>
+          </a:p>
+        </p:txBody>
+      </p:sp>
+      <p:cxnSp>
+        <p:nvCxnSpPr>
+          <p:cNvPr id="11" name="Straight Arrow Connector 10">
+            <a:extLst>
+              <a:ext uri="{FF2B5EF4-FFF2-40B4-BE49-F238E27FC236}">
+                <a16:creationId xmlns:a16="http://schemas.microsoft.com/office/drawing/2014/main" id="{3885B673-DE66-5574-16CE-11D042F5EEC8}"/>
+              </a:ext>
+            </a:extLst>
+          </p:cNvPr>
+          <p:cNvCxnSpPr>
+            <a:cxnSpLocks/>
+            <a:endCxn id="7" idx="3"/>
+          </p:cNvCxnSpPr>
+          <p:nvPr/>
+        </p:nvCxnSpPr>
+        <p:spPr>
+          <a:xfrm>
+            <a:off x="7598009" y="2423650"/>
+            <a:ext cx="930802" cy="0"/>
+          </a:xfrm>
+          <a:prstGeom prst="straightConnector1">
+            <a:avLst/>
+          </a:prstGeom>
+          <a:ln w="25400">
+            <a:solidFill>
+              <a:schemeClr val="tx1">
+                <a:lumMod val="85000"/>
+                <a:lumOff val="15000"/>
+              </a:schemeClr>
+            </a:solidFill>
+            <a:tailEnd type="triangle"/>
+          </a:ln>
+        </p:spPr>
+        <p:style>
+          <a:lnRef idx="1">
+            <a:schemeClr val="accent1"/>
+          </a:lnRef>
+          <a:fillRef idx="0">
+            <a:schemeClr val="accent1"/>
+          </a:fillRef>
+          <a:effectRef idx="0">
+            <a:schemeClr val="accent1"/>
+          </a:effectRef>
+          <a:fontRef idx="minor">
+            <a:schemeClr val="tx1"/>
+          </a:fontRef>
+        </p:style>
+      </p:cxnSp>
+      <p:sp>
+        <p:nvSpPr>
+          <p:cNvPr id="14" name="Hexagon 13">
+            <a:extLst>
+              <a:ext uri="{FF2B5EF4-FFF2-40B4-BE49-F238E27FC236}">
+                <a16:creationId xmlns:a16="http://schemas.microsoft.com/office/drawing/2014/main" id="{AD632704-7466-931E-6D59-B8CD4F10DF0F}"/>
+              </a:ext>
+            </a:extLst>
+          </p:cNvPr>
+          <p:cNvSpPr/>
+          <p:nvPr/>
+        </p:nvSpPr>
+        <p:spPr>
+          <a:xfrm>
+            <a:off x="10272526" y="2310887"/>
+            <a:ext cx="1459076" cy="225525"/>
+          </a:xfrm>
+          <a:prstGeom prst="hexagon">
+            <a:avLst/>
+          </a:prstGeom>
+        </p:spPr>
+        <p:style>
+          <a:lnRef idx="2">
+            <a:schemeClr val="accent2">
+              <a:shade val="50000"/>
+            </a:schemeClr>
+          </a:lnRef>
+          <a:fillRef idx="1">
+            <a:schemeClr val="accent2"/>
+          </a:fillRef>
+          <a:effectRef idx="0">
+            <a:schemeClr val="accent2"/>
+          </a:effectRef>
+          <a:fontRef idx="minor">
+            <a:schemeClr val="lt1"/>
+          </a:fontRef>
+        </p:style>
+        <p:txBody>
+          <a:bodyPr rtlCol="0" anchor="ctr"/>
+          <a:lstStyle/>
+          <a:p>
+            <a:pPr algn="ctr"/>
+            <a:r>
+              <a:rPr lang="en-US" sz="1400" dirty="0" err="1"/>
+              <a:t>ms_A_hash</a:t>
+            </a:r>
+            <a:endParaRPr lang="en-US" sz="1400" dirty="0"/>
+          </a:p>
+        </p:txBody>
+      </p:sp>
+      <p:cxnSp>
+        <p:nvCxnSpPr>
+          <p:cNvPr id="18" name="Straight Arrow Connector 17">
+            <a:extLst>
+              <a:ext uri="{FF2B5EF4-FFF2-40B4-BE49-F238E27FC236}">
+                <a16:creationId xmlns:a16="http://schemas.microsoft.com/office/drawing/2014/main" id="{67C2D2B6-4B62-9E20-16B4-1405FA4A2CA1}"/>
+              </a:ext>
+            </a:extLst>
+          </p:cNvPr>
+          <p:cNvCxnSpPr>
+            <a:stCxn id="7" idx="0"/>
+            <a:endCxn id="14" idx="3"/>
+          </p:cNvCxnSpPr>
+          <p:nvPr/>
+        </p:nvCxnSpPr>
+        <p:spPr>
+          <a:xfrm flipV="1">
+            <a:off x="9205385" y="2423649"/>
+            <a:ext cx="1067141" cy="1"/>
+          </a:xfrm>
+          <a:prstGeom prst="straightConnector1">
+            <a:avLst/>
+          </a:prstGeom>
+          <a:ln w="25400">
+            <a:solidFill>
+              <a:schemeClr val="tx1">
+                <a:lumMod val="85000"/>
+                <a:lumOff val="15000"/>
+              </a:schemeClr>
+            </a:solidFill>
+            <a:headEnd type="triangle"/>
+            <a:tailEnd type="triangle"/>
+          </a:ln>
+        </p:spPr>
+        <p:style>
+          <a:lnRef idx="1">
+            <a:schemeClr val="accent1"/>
+          </a:lnRef>
+          <a:fillRef idx="0">
+            <a:schemeClr val="accent1"/>
+          </a:fillRef>
+          <a:effectRef idx="0">
+            <a:schemeClr val="accent1"/>
+          </a:effectRef>
+          <a:fontRef idx="minor">
+            <a:schemeClr val="tx1"/>
+          </a:fontRef>
+        </p:style>
+      </p:cxnSp>
+      <p:sp>
+        <p:nvSpPr>
+          <p:cNvPr id="19" name="TextBox 18">
+            <a:extLst>
+              <a:ext uri="{FF2B5EF4-FFF2-40B4-BE49-F238E27FC236}">
+                <a16:creationId xmlns:a16="http://schemas.microsoft.com/office/drawing/2014/main" id="{F3F45DBC-65E0-C5E0-BF9D-D77F73FF9152}"/>
+              </a:ext>
+            </a:extLst>
+          </p:cNvPr>
+          <p:cNvSpPr txBox="1"/>
+          <p:nvPr/>
+        </p:nvSpPr>
+        <p:spPr>
+          <a:xfrm>
+            <a:off x="7655613" y="2138802"/>
+            <a:ext cx="832023" cy="307777"/>
+          </a:xfrm>
+          <a:prstGeom prst="rect">
+            <a:avLst/>
+          </a:prstGeom>
+          <a:noFill/>
+        </p:spPr>
+        <p:txBody>
+          <a:bodyPr wrap="none" rtlCol="0">
+            <a:spAutoFit/>
+          </a:bodyPr>
+          <a:lstStyle/>
+          <a:p>
+            <a:r>
+              <a:rPr lang="en-US" sz="1400" dirty="0"/>
+              <a:t>calculate</a:t>
+            </a:r>
+          </a:p>
+        </p:txBody>
+      </p:sp>
+      <p:sp>
+        <p:nvSpPr>
+          <p:cNvPr id="20" name="TextBox 19">
+            <a:extLst>
+              <a:ext uri="{FF2B5EF4-FFF2-40B4-BE49-F238E27FC236}">
+                <a16:creationId xmlns:a16="http://schemas.microsoft.com/office/drawing/2014/main" id="{010666EF-16F7-9536-0C86-BFAC613004F8}"/>
+              </a:ext>
+            </a:extLst>
+          </p:cNvPr>
+          <p:cNvSpPr txBox="1"/>
+          <p:nvPr/>
+        </p:nvSpPr>
+        <p:spPr>
+          <a:xfrm>
+            <a:off x="9322582" y="2143351"/>
+            <a:ext cx="826829" cy="307777"/>
+          </a:xfrm>
+          <a:prstGeom prst="rect">
+            <a:avLst/>
+          </a:prstGeom>
+          <a:noFill/>
+        </p:spPr>
+        <p:txBody>
+          <a:bodyPr wrap="none" rtlCol="0">
+            <a:spAutoFit/>
+          </a:bodyPr>
+          <a:lstStyle/>
+          <a:p>
+            <a:r>
+              <a:rPr lang="en-US" sz="1400" dirty="0"/>
+              <a:t>compare</a:t>
+            </a:r>
+          </a:p>
+        </p:txBody>
+      </p:sp>
+      <p:sp>
+        <p:nvSpPr>
+          <p:cNvPr id="21" name="Oval 20">
+            <a:extLst>
+              <a:ext uri="{FF2B5EF4-FFF2-40B4-BE49-F238E27FC236}">
+                <a16:creationId xmlns:a16="http://schemas.microsoft.com/office/drawing/2014/main" id="{82EB209D-0088-DBF9-8DE7-ABEDFEFDD0A3}"/>
+              </a:ext>
+            </a:extLst>
+          </p:cNvPr>
+          <p:cNvSpPr/>
+          <p:nvPr/>
+        </p:nvSpPr>
+        <p:spPr>
+          <a:xfrm>
+            <a:off x="10190175" y="3499345"/>
+            <a:ext cx="1623777" cy="775400"/>
+          </a:xfrm>
+          <a:prstGeom prst="ellipse">
+            <a:avLst/>
+          </a:prstGeom>
+        </p:spPr>
+        <p:style>
+          <a:lnRef idx="2">
+            <a:schemeClr val="accent6">
+              <a:shade val="50000"/>
+            </a:schemeClr>
+          </a:lnRef>
+          <a:fillRef idx="1">
+            <a:schemeClr val="accent6"/>
+          </a:fillRef>
+          <a:effectRef idx="0">
+            <a:schemeClr val="accent6"/>
+          </a:effectRef>
+          <a:fontRef idx="minor">
+            <a:schemeClr val="lt1"/>
+          </a:fontRef>
+        </p:style>
+        <p:txBody>
+          <a:bodyPr rtlCol="0" anchor="ctr"/>
+          <a:lstStyle/>
+          <a:p>
+            <a:pPr algn="ctr"/>
+            <a:r>
+              <a:rPr lang="en-US" sz="1200" dirty="0"/>
+              <a:t>Permission</a:t>
             </a:r>
             <a:br>
-              <a:rPr lang="en-US" b="1" dirty="0">
-                <a:latin typeface="Euclid Circular B" panose="020B0504000000000000" pitchFamily="34" charset="0"/>
-                <a:ea typeface="Euclid Circular B" panose="020B0504000000000000" pitchFamily="34" charset="0"/>
-              </a:rPr>
+              <a:rPr lang="en-US" sz="1200" dirty="0"/>
             </a:br>
             <a:r>
-              <a:rPr lang="en-US" sz="2000" i="1" dirty="0">
-                <a:latin typeface="Euclid Circular B" panose="020B0504000000000000" pitchFamily="34" charset="0"/>
-                <a:ea typeface="Euclid Circular B" panose="020B0504000000000000" pitchFamily="34" charset="0"/>
-              </a:rPr>
-              <a:t>An authorization library that supports access control models like ACL, RBAC, ABAC</a:t>
-            </a:r>
-            <a:endParaRPr lang="en-US" i="1" dirty="0">
-              <a:latin typeface="Euclid Circular B" panose="020B0504000000000000" pitchFamily="34" charset="0"/>
-              <a:ea typeface="Euclid Circular B" panose="020B0504000000000000" pitchFamily="34" charset="0"/>
-            </a:endParaRPr>
-          </a:p>
-          <a:p>
-            <a:r>
-              <a:rPr lang="en-US" b="1" dirty="0" err="1">
-                <a:latin typeface="Euclid Circular B" panose="020B0504000000000000" pitchFamily="34" charset="0"/>
-                <a:ea typeface="Euclid Circular B" panose="020B0504000000000000" pitchFamily="34" charset="0"/>
-              </a:rPr>
-              <a:t>Cerbos</a:t>
+              <a:rPr lang="en-US" sz="1200" dirty="0"/>
+              <a:t>Management</a:t>
             </a:r>
             <a:br>
-              <a:rPr lang="en-US" dirty="0">
-                <a:latin typeface="Euclid Circular B" panose="020B0504000000000000" pitchFamily="34" charset="0"/>
-                <a:ea typeface="Euclid Circular B" panose="020B0504000000000000" pitchFamily="34" charset="0"/>
-              </a:rPr>
+              <a:rPr lang="en-US" sz="1200" dirty="0"/>
             </a:br>
             <a:r>
-              <a:rPr lang="en-US" sz="2000" i="1" dirty="0">
-                <a:latin typeface="Euclid Circular B" panose="020B0504000000000000" pitchFamily="34" charset="0"/>
-                <a:ea typeface="Euclid Circular B" panose="020B0504000000000000" pitchFamily="34" charset="0"/>
-              </a:rPr>
-              <a:t>Open source, decoupled access control for your software</a:t>
-            </a:r>
-            <a:endParaRPr lang="en-US" sz="3200" i="1" dirty="0">
-              <a:latin typeface="Euclid Circular B" panose="020B0504000000000000" pitchFamily="34" charset="0"/>
-              <a:ea typeface="Euclid Circular B" panose="020B0504000000000000" pitchFamily="34" charset="0"/>
-            </a:endParaRPr>
-          </a:p>
-          <a:p>
-            <a:r>
-              <a:rPr lang="en-US" b="1" dirty="0" err="1">
-                <a:latin typeface="Euclid Circular B" panose="020B0504000000000000" pitchFamily="34" charset="0"/>
-                <a:ea typeface="Euclid Circular B" panose="020B0504000000000000" pitchFamily="34" charset="0"/>
-              </a:rPr>
-              <a:t>Keycloak</a:t>
-            </a:r>
-            <a:br>
-              <a:rPr lang="en-US" dirty="0">
-                <a:latin typeface="Euclid Circular B" panose="020B0504000000000000" pitchFamily="34" charset="0"/>
-                <a:ea typeface="Euclid Circular B" panose="020B0504000000000000" pitchFamily="34" charset="0"/>
-              </a:rPr>
-            </a:br>
-            <a:r>
-              <a:rPr lang="en-US" sz="2000" i="1" dirty="0">
-                <a:latin typeface="Euclid Circular B" panose="020B0504000000000000" pitchFamily="34" charset="0"/>
-                <a:ea typeface="Euclid Circular B" panose="020B0504000000000000" pitchFamily="34" charset="0"/>
-              </a:rPr>
-              <a:t>Identity and Access Management</a:t>
+              <a:rPr lang="en-US" sz="1200" dirty="0"/>
+              <a:t>Database</a:t>
+            </a:r>
+          </a:p>
+        </p:txBody>
+      </p:sp>
+      <p:cxnSp>
+        <p:nvCxnSpPr>
+          <p:cNvPr id="23" name="Connector: Elbow 22">
+            <a:extLst>
+              <a:ext uri="{FF2B5EF4-FFF2-40B4-BE49-F238E27FC236}">
+                <a16:creationId xmlns:a16="http://schemas.microsoft.com/office/drawing/2014/main" id="{1C37B7AC-47F9-E0F7-16E6-99C83B1B33EF}"/>
+              </a:ext>
+            </a:extLst>
+          </p:cNvPr>
+          <p:cNvCxnSpPr>
+            <a:cxnSpLocks/>
+            <a:stCxn id="5" idx="2"/>
+            <a:endCxn id="21" idx="2"/>
+          </p:cNvCxnSpPr>
+          <p:nvPr/>
+        </p:nvCxnSpPr>
+        <p:spPr>
+          <a:xfrm rot="16200000" flipH="1">
+            <a:off x="8047207" y="1744076"/>
+            <a:ext cx="970043" cy="3315894"/>
+          </a:xfrm>
+          <a:prstGeom prst="bentConnector2">
+            <a:avLst/>
+          </a:prstGeom>
+          <a:ln w="25400">
+            <a:solidFill>
+              <a:schemeClr val="tx1">
+                <a:lumMod val="85000"/>
+                <a:lumOff val="15000"/>
+              </a:schemeClr>
+            </a:solidFill>
+            <a:tailEnd type="triangle"/>
+          </a:ln>
+        </p:spPr>
+        <p:style>
+          <a:lnRef idx="1">
+            <a:schemeClr val="accent1"/>
+          </a:lnRef>
+          <a:fillRef idx="0">
+            <a:schemeClr val="accent1"/>
+          </a:fillRef>
+          <a:effectRef idx="0">
+            <a:schemeClr val="accent1"/>
+          </a:effectRef>
+          <a:fontRef idx="minor">
+            <a:schemeClr val="tx1"/>
+          </a:fontRef>
+        </p:style>
+      </p:cxnSp>
+      <p:sp>
+        <p:nvSpPr>
+          <p:cNvPr id="24" name="Hexagon 23">
+            <a:extLst>
+              <a:ext uri="{FF2B5EF4-FFF2-40B4-BE49-F238E27FC236}">
+                <a16:creationId xmlns:a16="http://schemas.microsoft.com/office/drawing/2014/main" id="{9E1CE1DB-278D-637A-FDA5-7F930CD397FE}"/>
+              </a:ext>
+            </a:extLst>
+          </p:cNvPr>
+          <p:cNvSpPr/>
+          <p:nvPr/>
+        </p:nvSpPr>
+        <p:spPr>
+          <a:xfrm>
+            <a:off x="10270475" y="2664183"/>
+            <a:ext cx="1459076" cy="225525"/>
+          </a:xfrm>
+          <a:prstGeom prst="hexagon">
+            <a:avLst/>
+          </a:prstGeom>
+        </p:spPr>
+        <p:style>
+          <a:lnRef idx="2">
+            <a:schemeClr val="accent2">
+              <a:shade val="50000"/>
+            </a:schemeClr>
+          </a:lnRef>
+          <a:fillRef idx="1">
+            <a:schemeClr val="accent2"/>
+          </a:fillRef>
+          <a:effectRef idx="0">
+            <a:schemeClr val="accent2"/>
+          </a:effectRef>
+          <a:fontRef idx="minor">
+            <a:schemeClr val="lt1"/>
+          </a:fontRef>
+        </p:style>
+        <p:txBody>
+          <a:bodyPr rtlCol="0" anchor="ctr"/>
+          <a:lstStyle/>
+          <a:p>
+            <a:pPr algn="ctr"/>
+            <a:r>
+              <a:rPr lang="en-US" sz="1400" dirty="0" err="1"/>
+              <a:t>perm_stamp</a:t>
+            </a:r>
+            <a:endParaRPr lang="en-US" sz="1400" dirty="0"/>
+          </a:p>
+        </p:txBody>
+      </p:sp>
+      <p:cxnSp>
+        <p:nvCxnSpPr>
+          <p:cNvPr id="33" name="Straight Arrow Connector 32">
+            <a:extLst>
+              <a:ext uri="{FF2B5EF4-FFF2-40B4-BE49-F238E27FC236}">
+                <a16:creationId xmlns:a16="http://schemas.microsoft.com/office/drawing/2014/main" id="{66F4BCE8-DC13-8D69-9A00-4BBE711D4842}"/>
+              </a:ext>
+            </a:extLst>
+          </p:cNvPr>
+          <p:cNvCxnSpPr>
+            <a:cxnSpLocks/>
+            <a:endCxn id="24" idx="3"/>
+          </p:cNvCxnSpPr>
+          <p:nvPr/>
+        </p:nvCxnSpPr>
+        <p:spPr>
+          <a:xfrm>
+            <a:off x="7598009" y="2776946"/>
+            <a:ext cx="2672466" cy="0"/>
+          </a:xfrm>
+          <a:prstGeom prst="straightConnector1">
+            <a:avLst/>
+          </a:prstGeom>
+          <a:ln w="25400">
+            <a:solidFill>
+              <a:schemeClr val="tx1">
+                <a:lumMod val="85000"/>
+                <a:lumOff val="15000"/>
+              </a:schemeClr>
+            </a:solidFill>
+            <a:tailEnd type="triangle"/>
+          </a:ln>
+        </p:spPr>
+        <p:style>
+          <a:lnRef idx="1">
+            <a:schemeClr val="accent1"/>
+          </a:lnRef>
+          <a:fillRef idx="0">
+            <a:schemeClr val="accent1"/>
+          </a:fillRef>
+          <a:effectRef idx="0">
+            <a:schemeClr val="accent1"/>
+          </a:effectRef>
+          <a:fontRef idx="minor">
+            <a:schemeClr val="tx1"/>
+          </a:fontRef>
+        </p:style>
+      </p:cxnSp>
+      <p:sp>
+        <p:nvSpPr>
+          <p:cNvPr id="34" name="TextBox 33">
+            <a:extLst>
+              <a:ext uri="{FF2B5EF4-FFF2-40B4-BE49-F238E27FC236}">
+                <a16:creationId xmlns:a16="http://schemas.microsoft.com/office/drawing/2014/main" id="{A6A0F81C-00C0-6258-C62D-629EBA34341F}"/>
+              </a:ext>
+            </a:extLst>
+          </p:cNvPr>
+          <p:cNvSpPr txBox="1"/>
+          <p:nvPr/>
+        </p:nvSpPr>
+        <p:spPr>
+          <a:xfrm>
+            <a:off x="8523116" y="2748415"/>
+            <a:ext cx="832023" cy="307777"/>
+          </a:xfrm>
+          <a:prstGeom prst="rect">
+            <a:avLst/>
+          </a:prstGeom>
+          <a:noFill/>
+        </p:spPr>
+        <p:txBody>
+          <a:bodyPr wrap="square" rtlCol="0">
+            <a:spAutoFit/>
+          </a:bodyPr>
+          <a:lstStyle/>
+          <a:p>
+            <a:r>
+              <a:rPr lang="en-US" sz="1400" dirty="0"/>
+              <a:t>update</a:t>
+            </a:r>
+          </a:p>
+        </p:txBody>
+      </p:sp>
+      <p:sp>
+        <p:nvSpPr>
+          <p:cNvPr id="39" name="TextBox 38">
+            <a:extLst>
+              <a:ext uri="{FF2B5EF4-FFF2-40B4-BE49-F238E27FC236}">
+                <a16:creationId xmlns:a16="http://schemas.microsoft.com/office/drawing/2014/main" id="{76B06D21-2490-E6C8-0B07-3AE1C59E1FCA}"/>
+              </a:ext>
+            </a:extLst>
+          </p:cNvPr>
+          <p:cNvSpPr txBox="1"/>
+          <p:nvPr/>
+        </p:nvSpPr>
+        <p:spPr>
+          <a:xfrm>
+            <a:off x="6992203" y="3575283"/>
+            <a:ext cx="3020705" cy="307777"/>
+          </a:xfrm>
+          <a:prstGeom prst="rect">
+            <a:avLst/>
+          </a:prstGeom>
+          <a:noFill/>
+        </p:spPr>
+        <p:txBody>
+          <a:bodyPr wrap="square" rtlCol="0">
+            <a:spAutoFit/>
+          </a:bodyPr>
+          <a:lstStyle/>
+          <a:p>
+            <a:r>
+              <a:rPr lang="en-US" sz="1400" dirty="0"/>
+              <a:t>Serialize &amp; save permission definitions</a:t>
             </a:r>
           </a:p>
         </p:txBody>
@@ -16976,13 +15111,785 @@
     </p:spTree>
     <p:extLst>
       <p:ext uri="{BB962C8B-B14F-4D97-AF65-F5344CB8AC3E}">
-        <p14:creationId xmlns:p14="http://schemas.microsoft.com/office/powerpoint/2010/main" val="2361699085"/>
+        <p14:creationId xmlns:p14="http://schemas.microsoft.com/office/powerpoint/2010/main" val="3633676666"/>
       </p:ext>
     </p:extLst>
   </p:cSld>
   <p:clrMapOvr>
     <a:masterClrMapping/>
   </p:clrMapOvr>
+  <p:timing>
+    <p:tnLst>
+      <p:par>
+        <p:cTn id="1" dur="indefinite" restart="never" nodeType="tmRoot">
+          <p:childTnLst>
+            <p:seq concurrent="1" nextAc="seek">
+              <p:cTn id="2" dur="indefinite" nodeType="mainSeq">
+                <p:childTnLst>
+                  <p:par>
+                    <p:cTn id="3" fill="hold">
+                      <p:stCondLst>
+                        <p:cond delay="indefinite"/>
+                      </p:stCondLst>
+                      <p:childTnLst>
+                        <p:par>
+                          <p:cTn id="4" fill="hold">
+                            <p:stCondLst>
+                              <p:cond delay="0"/>
+                            </p:stCondLst>
+                            <p:childTnLst>
+                              <p:par>
+                                <p:cTn id="5" presetID="10" presetClass="entr" presetSubtype="0" fill="hold" nodeType="clickEffect">
+                                  <p:stCondLst>
+                                    <p:cond delay="0"/>
+                                  </p:stCondLst>
+                                  <p:childTnLst>
+                                    <p:set>
+                                      <p:cBhvr>
+                                        <p:cTn id="6" dur="1" fill="hold">
+                                          <p:stCondLst>
+                                            <p:cond delay="0"/>
+                                          </p:stCondLst>
+                                        </p:cTn>
+                                        <p:tgtEl>
+                                          <p:spTgt spid="11"/>
+                                        </p:tgtEl>
+                                        <p:attrNameLst>
+                                          <p:attrName>style.visibility</p:attrName>
+                                        </p:attrNameLst>
+                                      </p:cBhvr>
+                                      <p:to>
+                                        <p:strVal val="visible"/>
+                                      </p:to>
+                                    </p:set>
+                                    <p:animEffect transition="in" filter="fade">
+                                      <p:cBhvr>
+                                        <p:cTn id="7" dur="500"/>
+                                        <p:tgtEl>
+                                          <p:spTgt spid="11"/>
+                                        </p:tgtEl>
+                                      </p:cBhvr>
+                                    </p:animEffect>
+                                  </p:childTnLst>
+                                </p:cTn>
+                              </p:par>
+                              <p:par>
+                                <p:cTn id="8" presetID="10" presetClass="entr" presetSubtype="0" fill="hold" grpId="0" nodeType="withEffect">
+                                  <p:stCondLst>
+                                    <p:cond delay="0"/>
+                                  </p:stCondLst>
+                                  <p:childTnLst>
+                                    <p:set>
+                                      <p:cBhvr>
+                                        <p:cTn id="9" dur="1" fill="hold">
+                                          <p:stCondLst>
+                                            <p:cond delay="0"/>
+                                          </p:stCondLst>
+                                        </p:cTn>
+                                        <p:tgtEl>
+                                          <p:spTgt spid="19"/>
+                                        </p:tgtEl>
+                                        <p:attrNameLst>
+                                          <p:attrName>style.visibility</p:attrName>
+                                        </p:attrNameLst>
+                                      </p:cBhvr>
+                                      <p:to>
+                                        <p:strVal val="visible"/>
+                                      </p:to>
+                                    </p:set>
+                                    <p:animEffect transition="in" filter="fade">
+                                      <p:cBhvr>
+                                        <p:cTn id="10" dur="500"/>
+                                        <p:tgtEl>
+                                          <p:spTgt spid="19"/>
+                                        </p:tgtEl>
+                                      </p:cBhvr>
+                                    </p:animEffect>
+                                  </p:childTnLst>
+                                </p:cTn>
+                              </p:par>
+                              <p:par>
+                                <p:cTn id="11" presetID="10" presetClass="entr" presetSubtype="0" fill="hold" grpId="0" nodeType="withEffect">
+                                  <p:stCondLst>
+                                    <p:cond delay="0"/>
+                                  </p:stCondLst>
+                                  <p:childTnLst>
+                                    <p:set>
+                                      <p:cBhvr>
+                                        <p:cTn id="12" dur="1" fill="hold">
+                                          <p:stCondLst>
+                                            <p:cond delay="0"/>
+                                          </p:stCondLst>
+                                        </p:cTn>
+                                        <p:tgtEl>
+                                          <p:spTgt spid="7"/>
+                                        </p:tgtEl>
+                                        <p:attrNameLst>
+                                          <p:attrName>style.visibility</p:attrName>
+                                        </p:attrNameLst>
+                                      </p:cBhvr>
+                                      <p:to>
+                                        <p:strVal val="visible"/>
+                                      </p:to>
+                                    </p:set>
+                                    <p:animEffect transition="in" filter="fade">
+                                      <p:cBhvr>
+                                        <p:cTn id="13" dur="500"/>
+                                        <p:tgtEl>
+                                          <p:spTgt spid="7"/>
+                                        </p:tgtEl>
+                                      </p:cBhvr>
+                                    </p:animEffect>
+                                  </p:childTnLst>
+                                </p:cTn>
+                              </p:par>
+                              <p:par>
+                                <p:cTn id="14" presetID="10" presetClass="entr" presetSubtype="0" fill="hold" nodeType="withEffect">
+                                  <p:stCondLst>
+                                    <p:cond delay="0"/>
+                                  </p:stCondLst>
+                                  <p:childTnLst>
+                                    <p:set>
+                                      <p:cBhvr>
+                                        <p:cTn id="15" dur="1" fill="hold">
+                                          <p:stCondLst>
+                                            <p:cond delay="0"/>
+                                          </p:stCondLst>
+                                        </p:cTn>
+                                        <p:tgtEl>
+                                          <p:spTgt spid="3">
+                                            <p:txEl>
+                                              <p:pRg st="0" end="0"/>
+                                            </p:txEl>
+                                          </p:spTgt>
+                                        </p:tgtEl>
+                                        <p:attrNameLst>
+                                          <p:attrName>style.visibility</p:attrName>
+                                        </p:attrNameLst>
+                                      </p:cBhvr>
+                                      <p:to>
+                                        <p:strVal val="visible"/>
+                                      </p:to>
+                                    </p:set>
+                                    <p:animEffect transition="in" filter="fade">
+                                      <p:cBhvr>
+                                        <p:cTn id="16" dur="500"/>
+                                        <p:tgtEl>
+                                          <p:spTgt spid="3">
+                                            <p:txEl>
+                                              <p:pRg st="0" end="0"/>
+                                            </p:txEl>
+                                          </p:spTgt>
+                                        </p:tgtEl>
+                                      </p:cBhvr>
+                                    </p:animEffect>
+                                  </p:childTnLst>
+                                </p:cTn>
+                              </p:par>
+                              <p:par>
+                                <p:cTn id="17" presetID="10" presetClass="entr" presetSubtype="0" fill="hold" nodeType="withEffect">
+                                  <p:stCondLst>
+                                    <p:cond delay="0"/>
+                                  </p:stCondLst>
+                                  <p:childTnLst>
+                                    <p:set>
+                                      <p:cBhvr>
+                                        <p:cTn id="18" dur="1" fill="hold">
+                                          <p:stCondLst>
+                                            <p:cond delay="0"/>
+                                          </p:stCondLst>
+                                        </p:cTn>
+                                        <p:tgtEl>
+                                          <p:spTgt spid="3">
+                                            <p:txEl>
+                                              <p:pRg st="1" end="1"/>
+                                            </p:txEl>
+                                          </p:spTgt>
+                                        </p:tgtEl>
+                                        <p:attrNameLst>
+                                          <p:attrName>style.visibility</p:attrName>
+                                        </p:attrNameLst>
+                                      </p:cBhvr>
+                                      <p:to>
+                                        <p:strVal val="visible"/>
+                                      </p:to>
+                                    </p:set>
+                                    <p:animEffect transition="in" filter="fade">
+                                      <p:cBhvr>
+                                        <p:cTn id="19" dur="500"/>
+                                        <p:tgtEl>
+                                          <p:spTgt spid="3">
+                                            <p:txEl>
+                                              <p:pRg st="1" end="1"/>
+                                            </p:txEl>
+                                          </p:spTgt>
+                                        </p:tgtEl>
+                                      </p:cBhvr>
+                                    </p:animEffect>
+                                  </p:childTnLst>
+                                </p:cTn>
+                              </p:par>
+                            </p:childTnLst>
+                          </p:cTn>
+                        </p:par>
+                      </p:childTnLst>
+                    </p:cTn>
+                  </p:par>
+                  <p:par>
+                    <p:cTn id="20" fill="hold">
+                      <p:stCondLst>
+                        <p:cond delay="indefinite"/>
+                      </p:stCondLst>
+                      <p:childTnLst>
+                        <p:par>
+                          <p:cTn id="21" fill="hold">
+                            <p:stCondLst>
+                              <p:cond delay="0"/>
+                            </p:stCondLst>
+                            <p:childTnLst>
+                              <p:par>
+                                <p:cTn id="22" presetID="10" presetClass="entr" presetSubtype="0" fill="hold" grpId="0" nodeType="clickEffect">
+                                  <p:stCondLst>
+                                    <p:cond delay="0"/>
+                                  </p:stCondLst>
+                                  <p:childTnLst>
+                                    <p:set>
+                                      <p:cBhvr>
+                                        <p:cTn id="23" dur="1" fill="hold">
+                                          <p:stCondLst>
+                                            <p:cond delay="0"/>
+                                          </p:stCondLst>
+                                        </p:cTn>
+                                        <p:tgtEl>
+                                          <p:spTgt spid="14"/>
+                                        </p:tgtEl>
+                                        <p:attrNameLst>
+                                          <p:attrName>style.visibility</p:attrName>
+                                        </p:attrNameLst>
+                                      </p:cBhvr>
+                                      <p:to>
+                                        <p:strVal val="visible"/>
+                                      </p:to>
+                                    </p:set>
+                                    <p:animEffect transition="in" filter="fade">
+                                      <p:cBhvr>
+                                        <p:cTn id="24" dur="500"/>
+                                        <p:tgtEl>
+                                          <p:spTgt spid="14"/>
+                                        </p:tgtEl>
+                                      </p:cBhvr>
+                                    </p:animEffect>
+                                  </p:childTnLst>
+                                </p:cTn>
+                              </p:par>
+                              <p:par>
+                                <p:cTn id="25" presetID="10" presetClass="entr" presetSubtype="0" fill="hold" nodeType="withEffect">
+                                  <p:stCondLst>
+                                    <p:cond delay="0"/>
+                                  </p:stCondLst>
+                                  <p:childTnLst>
+                                    <p:set>
+                                      <p:cBhvr>
+                                        <p:cTn id="26" dur="1" fill="hold">
+                                          <p:stCondLst>
+                                            <p:cond delay="0"/>
+                                          </p:stCondLst>
+                                        </p:cTn>
+                                        <p:tgtEl>
+                                          <p:spTgt spid="18"/>
+                                        </p:tgtEl>
+                                        <p:attrNameLst>
+                                          <p:attrName>style.visibility</p:attrName>
+                                        </p:attrNameLst>
+                                      </p:cBhvr>
+                                      <p:to>
+                                        <p:strVal val="visible"/>
+                                      </p:to>
+                                    </p:set>
+                                    <p:animEffect transition="in" filter="fade">
+                                      <p:cBhvr>
+                                        <p:cTn id="27" dur="500"/>
+                                        <p:tgtEl>
+                                          <p:spTgt spid="18"/>
+                                        </p:tgtEl>
+                                      </p:cBhvr>
+                                    </p:animEffect>
+                                  </p:childTnLst>
+                                </p:cTn>
+                              </p:par>
+                              <p:par>
+                                <p:cTn id="28" presetID="10" presetClass="entr" presetSubtype="0" fill="hold" grpId="0" nodeType="withEffect">
+                                  <p:stCondLst>
+                                    <p:cond delay="0"/>
+                                  </p:stCondLst>
+                                  <p:childTnLst>
+                                    <p:set>
+                                      <p:cBhvr>
+                                        <p:cTn id="29" dur="1" fill="hold">
+                                          <p:stCondLst>
+                                            <p:cond delay="0"/>
+                                          </p:stCondLst>
+                                        </p:cTn>
+                                        <p:tgtEl>
+                                          <p:spTgt spid="20"/>
+                                        </p:tgtEl>
+                                        <p:attrNameLst>
+                                          <p:attrName>style.visibility</p:attrName>
+                                        </p:attrNameLst>
+                                      </p:cBhvr>
+                                      <p:to>
+                                        <p:strVal val="visible"/>
+                                      </p:to>
+                                    </p:set>
+                                    <p:animEffect transition="in" filter="fade">
+                                      <p:cBhvr>
+                                        <p:cTn id="30" dur="500"/>
+                                        <p:tgtEl>
+                                          <p:spTgt spid="20"/>
+                                        </p:tgtEl>
+                                      </p:cBhvr>
+                                    </p:animEffect>
+                                  </p:childTnLst>
+                                </p:cTn>
+                              </p:par>
+                              <p:par>
+                                <p:cTn id="31" presetID="10" presetClass="entr" presetSubtype="0" fill="hold" nodeType="withEffect">
+                                  <p:stCondLst>
+                                    <p:cond delay="0"/>
+                                  </p:stCondLst>
+                                  <p:childTnLst>
+                                    <p:set>
+                                      <p:cBhvr>
+                                        <p:cTn id="32" dur="1" fill="hold">
+                                          <p:stCondLst>
+                                            <p:cond delay="0"/>
+                                          </p:stCondLst>
+                                        </p:cTn>
+                                        <p:tgtEl>
+                                          <p:spTgt spid="3">
+                                            <p:txEl>
+                                              <p:pRg st="2" end="2"/>
+                                            </p:txEl>
+                                          </p:spTgt>
+                                        </p:tgtEl>
+                                        <p:attrNameLst>
+                                          <p:attrName>style.visibility</p:attrName>
+                                        </p:attrNameLst>
+                                      </p:cBhvr>
+                                      <p:to>
+                                        <p:strVal val="visible"/>
+                                      </p:to>
+                                    </p:set>
+                                    <p:animEffect transition="in" filter="fade">
+                                      <p:cBhvr>
+                                        <p:cTn id="33" dur="500"/>
+                                        <p:tgtEl>
+                                          <p:spTgt spid="3">
+                                            <p:txEl>
+                                              <p:pRg st="2" end="2"/>
+                                            </p:txEl>
+                                          </p:spTgt>
+                                        </p:tgtEl>
+                                      </p:cBhvr>
+                                    </p:animEffect>
+                                  </p:childTnLst>
+                                </p:cTn>
+                              </p:par>
+                            </p:childTnLst>
+                          </p:cTn>
+                        </p:par>
+                      </p:childTnLst>
+                    </p:cTn>
+                  </p:par>
+                  <p:par>
+                    <p:cTn id="34" fill="hold">
+                      <p:stCondLst>
+                        <p:cond delay="indefinite"/>
+                      </p:stCondLst>
+                      <p:childTnLst>
+                        <p:par>
+                          <p:cTn id="35" fill="hold">
+                            <p:stCondLst>
+                              <p:cond delay="0"/>
+                            </p:stCondLst>
+                            <p:childTnLst>
+                              <p:par>
+                                <p:cTn id="36" presetID="10" presetClass="entr" presetSubtype="0" fill="hold" grpId="0" nodeType="clickEffect">
+                                  <p:stCondLst>
+                                    <p:cond delay="0"/>
+                                  </p:stCondLst>
+                                  <p:childTnLst>
+                                    <p:set>
+                                      <p:cBhvr>
+                                        <p:cTn id="37" dur="1" fill="hold">
+                                          <p:stCondLst>
+                                            <p:cond delay="0"/>
+                                          </p:stCondLst>
+                                        </p:cTn>
+                                        <p:tgtEl>
+                                          <p:spTgt spid="39"/>
+                                        </p:tgtEl>
+                                        <p:attrNameLst>
+                                          <p:attrName>style.visibility</p:attrName>
+                                        </p:attrNameLst>
+                                      </p:cBhvr>
+                                      <p:to>
+                                        <p:strVal val="visible"/>
+                                      </p:to>
+                                    </p:set>
+                                    <p:animEffect transition="in" filter="fade">
+                                      <p:cBhvr>
+                                        <p:cTn id="38" dur="500"/>
+                                        <p:tgtEl>
+                                          <p:spTgt spid="39"/>
+                                        </p:tgtEl>
+                                      </p:cBhvr>
+                                    </p:animEffect>
+                                  </p:childTnLst>
+                                </p:cTn>
+                              </p:par>
+                              <p:par>
+                                <p:cTn id="39" presetID="10" presetClass="entr" presetSubtype="0" fill="hold" nodeType="withEffect">
+                                  <p:stCondLst>
+                                    <p:cond delay="0"/>
+                                  </p:stCondLst>
+                                  <p:childTnLst>
+                                    <p:set>
+                                      <p:cBhvr>
+                                        <p:cTn id="40" dur="1" fill="hold">
+                                          <p:stCondLst>
+                                            <p:cond delay="0"/>
+                                          </p:stCondLst>
+                                        </p:cTn>
+                                        <p:tgtEl>
+                                          <p:spTgt spid="23"/>
+                                        </p:tgtEl>
+                                        <p:attrNameLst>
+                                          <p:attrName>style.visibility</p:attrName>
+                                        </p:attrNameLst>
+                                      </p:cBhvr>
+                                      <p:to>
+                                        <p:strVal val="visible"/>
+                                      </p:to>
+                                    </p:set>
+                                    <p:animEffect transition="in" filter="fade">
+                                      <p:cBhvr>
+                                        <p:cTn id="41" dur="500"/>
+                                        <p:tgtEl>
+                                          <p:spTgt spid="23"/>
+                                        </p:tgtEl>
+                                      </p:cBhvr>
+                                    </p:animEffect>
+                                  </p:childTnLst>
+                                </p:cTn>
+                              </p:par>
+                              <p:par>
+                                <p:cTn id="42" presetID="10" presetClass="entr" presetSubtype="0" fill="hold" nodeType="withEffect">
+                                  <p:stCondLst>
+                                    <p:cond delay="0"/>
+                                  </p:stCondLst>
+                                  <p:childTnLst>
+                                    <p:set>
+                                      <p:cBhvr>
+                                        <p:cTn id="43" dur="1" fill="hold">
+                                          <p:stCondLst>
+                                            <p:cond delay="0"/>
+                                          </p:stCondLst>
+                                        </p:cTn>
+                                        <p:tgtEl>
+                                          <p:spTgt spid="3">
+                                            <p:txEl>
+                                              <p:pRg st="3" end="3"/>
+                                            </p:txEl>
+                                          </p:spTgt>
+                                        </p:tgtEl>
+                                        <p:attrNameLst>
+                                          <p:attrName>style.visibility</p:attrName>
+                                        </p:attrNameLst>
+                                      </p:cBhvr>
+                                      <p:to>
+                                        <p:strVal val="visible"/>
+                                      </p:to>
+                                    </p:set>
+                                    <p:animEffect transition="in" filter="fade">
+                                      <p:cBhvr>
+                                        <p:cTn id="44" dur="500"/>
+                                        <p:tgtEl>
+                                          <p:spTgt spid="3">
+                                            <p:txEl>
+                                              <p:pRg st="3" end="3"/>
+                                            </p:txEl>
+                                          </p:spTgt>
+                                        </p:tgtEl>
+                                      </p:cBhvr>
+                                    </p:animEffect>
+                                  </p:childTnLst>
+                                </p:cTn>
+                              </p:par>
+                            </p:childTnLst>
+                          </p:cTn>
+                        </p:par>
+                      </p:childTnLst>
+                    </p:cTn>
+                  </p:par>
+                  <p:par>
+                    <p:cTn id="45" fill="hold">
+                      <p:stCondLst>
+                        <p:cond delay="indefinite"/>
+                      </p:stCondLst>
+                      <p:childTnLst>
+                        <p:par>
+                          <p:cTn id="46" fill="hold">
+                            <p:stCondLst>
+                              <p:cond delay="0"/>
+                            </p:stCondLst>
+                            <p:childTnLst>
+                              <p:par>
+                                <p:cTn id="47" presetID="10" presetClass="entr" presetSubtype="0" fill="hold" grpId="0" nodeType="clickEffect">
+                                  <p:stCondLst>
+                                    <p:cond delay="0"/>
+                                  </p:stCondLst>
+                                  <p:childTnLst>
+                                    <p:set>
+                                      <p:cBhvr>
+                                        <p:cTn id="48" dur="1" fill="hold">
+                                          <p:stCondLst>
+                                            <p:cond delay="0"/>
+                                          </p:stCondLst>
+                                        </p:cTn>
+                                        <p:tgtEl>
+                                          <p:spTgt spid="24"/>
+                                        </p:tgtEl>
+                                        <p:attrNameLst>
+                                          <p:attrName>style.visibility</p:attrName>
+                                        </p:attrNameLst>
+                                      </p:cBhvr>
+                                      <p:to>
+                                        <p:strVal val="visible"/>
+                                      </p:to>
+                                    </p:set>
+                                    <p:animEffect transition="in" filter="fade">
+                                      <p:cBhvr>
+                                        <p:cTn id="49" dur="500"/>
+                                        <p:tgtEl>
+                                          <p:spTgt spid="24"/>
+                                        </p:tgtEl>
+                                      </p:cBhvr>
+                                    </p:animEffect>
+                                  </p:childTnLst>
+                                </p:cTn>
+                              </p:par>
+                              <p:par>
+                                <p:cTn id="50" presetID="10" presetClass="entr" presetSubtype="0" fill="hold" nodeType="withEffect">
+                                  <p:stCondLst>
+                                    <p:cond delay="0"/>
+                                  </p:stCondLst>
+                                  <p:childTnLst>
+                                    <p:set>
+                                      <p:cBhvr>
+                                        <p:cTn id="51" dur="1" fill="hold">
+                                          <p:stCondLst>
+                                            <p:cond delay="0"/>
+                                          </p:stCondLst>
+                                        </p:cTn>
+                                        <p:tgtEl>
+                                          <p:spTgt spid="33"/>
+                                        </p:tgtEl>
+                                        <p:attrNameLst>
+                                          <p:attrName>style.visibility</p:attrName>
+                                        </p:attrNameLst>
+                                      </p:cBhvr>
+                                      <p:to>
+                                        <p:strVal val="visible"/>
+                                      </p:to>
+                                    </p:set>
+                                    <p:animEffect transition="in" filter="fade">
+                                      <p:cBhvr>
+                                        <p:cTn id="52" dur="500"/>
+                                        <p:tgtEl>
+                                          <p:spTgt spid="33"/>
+                                        </p:tgtEl>
+                                      </p:cBhvr>
+                                    </p:animEffect>
+                                  </p:childTnLst>
+                                </p:cTn>
+                              </p:par>
+                              <p:par>
+                                <p:cTn id="53" presetID="10" presetClass="entr" presetSubtype="0" fill="hold" grpId="0" nodeType="withEffect">
+                                  <p:stCondLst>
+                                    <p:cond delay="0"/>
+                                  </p:stCondLst>
+                                  <p:childTnLst>
+                                    <p:set>
+                                      <p:cBhvr>
+                                        <p:cTn id="54" dur="1" fill="hold">
+                                          <p:stCondLst>
+                                            <p:cond delay="0"/>
+                                          </p:stCondLst>
+                                        </p:cTn>
+                                        <p:tgtEl>
+                                          <p:spTgt spid="34"/>
+                                        </p:tgtEl>
+                                        <p:attrNameLst>
+                                          <p:attrName>style.visibility</p:attrName>
+                                        </p:attrNameLst>
+                                      </p:cBhvr>
+                                      <p:to>
+                                        <p:strVal val="visible"/>
+                                      </p:to>
+                                    </p:set>
+                                    <p:animEffect transition="in" filter="fade">
+                                      <p:cBhvr>
+                                        <p:cTn id="55" dur="500"/>
+                                        <p:tgtEl>
+                                          <p:spTgt spid="34"/>
+                                        </p:tgtEl>
+                                      </p:cBhvr>
+                                    </p:animEffect>
+                                  </p:childTnLst>
+                                </p:cTn>
+                              </p:par>
+                              <p:par>
+                                <p:cTn id="56" presetID="10" presetClass="entr" presetSubtype="0" fill="hold" nodeType="withEffect">
+                                  <p:stCondLst>
+                                    <p:cond delay="0"/>
+                                  </p:stCondLst>
+                                  <p:childTnLst>
+                                    <p:set>
+                                      <p:cBhvr>
+                                        <p:cTn id="57" dur="1" fill="hold">
+                                          <p:stCondLst>
+                                            <p:cond delay="0"/>
+                                          </p:stCondLst>
+                                        </p:cTn>
+                                        <p:tgtEl>
+                                          <p:spTgt spid="3">
+                                            <p:txEl>
+                                              <p:pRg st="4" end="4"/>
+                                            </p:txEl>
+                                          </p:spTgt>
+                                        </p:tgtEl>
+                                        <p:attrNameLst>
+                                          <p:attrName>style.visibility</p:attrName>
+                                        </p:attrNameLst>
+                                      </p:cBhvr>
+                                      <p:to>
+                                        <p:strVal val="visible"/>
+                                      </p:to>
+                                    </p:set>
+                                    <p:animEffect transition="in" filter="fade">
+                                      <p:cBhvr>
+                                        <p:cTn id="58" dur="500"/>
+                                        <p:tgtEl>
+                                          <p:spTgt spid="3">
+                                            <p:txEl>
+                                              <p:pRg st="4" end="4"/>
+                                            </p:txEl>
+                                          </p:spTgt>
+                                        </p:tgtEl>
+                                      </p:cBhvr>
+                                    </p:animEffect>
+                                  </p:childTnLst>
+                                </p:cTn>
+                              </p:par>
+                            </p:childTnLst>
+                          </p:cTn>
+                        </p:par>
+                      </p:childTnLst>
+                    </p:cTn>
+                  </p:par>
+                  <p:par>
+                    <p:cTn id="59" fill="hold">
+                      <p:stCondLst>
+                        <p:cond delay="indefinite"/>
+                      </p:stCondLst>
+                      <p:childTnLst>
+                        <p:par>
+                          <p:cTn id="60" fill="hold">
+                            <p:stCondLst>
+                              <p:cond delay="0"/>
+                            </p:stCondLst>
+                            <p:childTnLst>
+                              <p:par>
+                                <p:cTn id="61" presetID="10" presetClass="entr" presetSubtype="0" fill="hold" nodeType="clickEffect">
+                                  <p:stCondLst>
+                                    <p:cond delay="0"/>
+                                  </p:stCondLst>
+                                  <p:childTnLst>
+                                    <p:set>
+                                      <p:cBhvr>
+                                        <p:cTn id="62" dur="1" fill="hold">
+                                          <p:stCondLst>
+                                            <p:cond delay="0"/>
+                                          </p:stCondLst>
+                                        </p:cTn>
+                                        <p:tgtEl>
+                                          <p:spTgt spid="3">
+                                            <p:txEl>
+                                              <p:pRg st="5" end="5"/>
+                                            </p:txEl>
+                                          </p:spTgt>
+                                        </p:tgtEl>
+                                        <p:attrNameLst>
+                                          <p:attrName>style.visibility</p:attrName>
+                                        </p:attrNameLst>
+                                      </p:cBhvr>
+                                      <p:to>
+                                        <p:strVal val="visible"/>
+                                      </p:to>
+                                    </p:set>
+                                    <p:animEffect transition="in" filter="fade">
+                                      <p:cBhvr>
+                                        <p:cTn id="63" dur="500"/>
+                                        <p:tgtEl>
+                                          <p:spTgt spid="3">
+                                            <p:txEl>
+                                              <p:pRg st="5" end="5"/>
+                                            </p:txEl>
+                                          </p:spTgt>
+                                        </p:tgtEl>
+                                      </p:cBhvr>
+                                    </p:animEffect>
+                                  </p:childTnLst>
+                                </p:cTn>
+                              </p:par>
+                            </p:childTnLst>
+                          </p:cTn>
+                        </p:par>
+                      </p:childTnLst>
+                    </p:cTn>
+                  </p:par>
+                </p:childTnLst>
+              </p:cTn>
+              <p:prevCondLst>
+                <p:cond evt="onPrev" delay="0">
+                  <p:tgtEl>
+                    <p:sldTgt/>
+                  </p:tgtEl>
+                </p:cond>
+              </p:prevCondLst>
+              <p:nextCondLst>
+                <p:cond evt="onNext" delay="0">
+                  <p:tgtEl>
+                    <p:sldTgt/>
+                  </p:tgtEl>
+                </p:cond>
+              </p:nextCondLst>
+            </p:seq>
+          </p:childTnLst>
+        </p:cTn>
+      </p:par>
+    </p:tnLst>
+    <p:bldLst>
+      <p:bldP spid="7" grpId="0" animBg="1"/>
+      <p:bldP spid="14" grpId="0" animBg="1"/>
+      <p:bldP spid="19" grpId="0"/>
+      <p:bldP spid="20" grpId="0"/>
+      <p:bldP spid="24" grpId="0" animBg="1"/>
+      <p:bldP spid="34" grpId="0"/>
+      <p:bldP spid="39" grpId="0"/>
+    </p:bldLst>
+  </p:timing>
 </p:sld>
 </file>
 
@@ -17046,7 +15953,7 @@
                 <a:latin typeface="Euclid Circular B" panose="020B0504000000000000" pitchFamily="34" charset="0"/>
                 <a:ea typeface="Euclid Circular B" panose="020B0504000000000000" pitchFamily="34" charset="0"/>
               </a:rPr>
-              <a:t>Thanks!</a:t>
+              <a:t>ABP: Getting Permission Definitions</a:t>
             </a:r>
           </a:p>
         </p:txBody>
@@ -17069,8 +15976,8 @@
         </p:nvSpPr>
         <p:spPr>
           <a:xfrm>
-            <a:off x="838200" y="1825625"/>
-            <a:ext cx="10515600" cy="4667250"/>
+            <a:off x="838199" y="1825625"/>
+            <a:ext cx="4607859" cy="4351338"/>
           </a:xfrm>
         </p:spPr>
         <p:txBody>
@@ -17083,11 +15990,95 @@
               <a:buNone/>
             </a:pPr>
             <a:r>
-              <a:rPr lang="en-US" sz="2600" b="1" dirty="0">
-                <a:latin typeface="Euclid Circular B" panose="020B0504000000000000" pitchFamily="34" charset="0"/>
-                <a:ea typeface="Euclid Circular B" panose="020B0504000000000000" pitchFamily="34" charset="0"/>
-              </a:rPr>
-              <a:t>Get This Presentation</a:t>
+              <a:rPr lang="en-US" sz="2000" dirty="0">
+                <a:latin typeface="Euclid Circular B" panose="020B0504000000000000" pitchFamily="34" charset="0"/>
+                <a:ea typeface="Euclid Circular B" panose="020B0504000000000000" pitchFamily="34" charset="0"/>
+              </a:rPr>
+              <a:t>On </a:t>
+            </a:r>
+            <a:r>
+              <a:rPr lang="en-US" sz="2000" b="1" dirty="0">
+                <a:latin typeface="Euclid Circular B" panose="020B0504000000000000" pitchFamily="34" charset="0"/>
+                <a:ea typeface="Euclid Circular B" panose="020B0504000000000000" pitchFamily="34" charset="0"/>
+              </a:rPr>
+              <a:t>demand</a:t>
+            </a:r>
+            <a:r>
+              <a:rPr lang="en-US" sz="2000" dirty="0">
+                <a:latin typeface="Euclid Circular B" panose="020B0504000000000000" pitchFamily="34" charset="0"/>
+                <a:ea typeface="Euclid Circular B" panose="020B0504000000000000" pitchFamily="34" charset="0"/>
+              </a:rPr>
+              <a:t>;</a:t>
+            </a:r>
+          </a:p>
+          <a:p>
+            <a:r>
+              <a:rPr lang="en-US" sz="2000" dirty="0">
+                <a:latin typeface="Euclid Circular B" panose="020B0504000000000000" pitchFamily="34" charset="0"/>
+                <a:ea typeface="Euclid Circular B" panose="020B0504000000000000" pitchFamily="34" charset="0"/>
+              </a:rPr>
+              <a:t>Check </a:t>
+            </a:r>
+            <a:r>
+              <a:rPr lang="en-US" sz="2000" b="1" dirty="0">
+                <a:latin typeface="Euclid Circular B" panose="020B0504000000000000" pitchFamily="34" charset="0"/>
+                <a:ea typeface="Euclid Circular B" panose="020B0504000000000000" pitchFamily="34" charset="0"/>
+              </a:rPr>
+              <a:t>permission cache stamp </a:t>
+            </a:r>
+            <a:r>
+              <a:rPr lang="en-US" sz="2000" dirty="0">
+                <a:latin typeface="Euclid Circular B" panose="020B0504000000000000" pitchFamily="34" charset="0"/>
+                <a:ea typeface="Euclid Circular B" panose="020B0504000000000000" pitchFamily="34" charset="0"/>
+              </a:rPr>
+              <a:t>&amp; use </a:t>
+            </a:r>
+            <a:r>
+              <a:rPr lang="en-US" sz="2000" b="1" dirty="0">
+                <a:latin typeface="Euclid Circular B" panose="020B0504000000000000" pitchFamily="34" charset="0"/>
+                <a:ea typeface="Euclid Circular B" panose="020B0504000000000000" pitchFamily="34" charset="0"/>
+              </a:rPr>
+              <a:t>in-memory cache </a:t>
+            </a:r>
+            <a:r>
+              <a:rPr lang="en-US" sz="2000" dirty="0">
+                <a:latin typeface="Euclid Circular B" panose="020B0504000000000000" pitchFamily="34" charset="0"/>
+                <a:ea typeface="Euclid Circular B" panose="020B0504000000000000" pitchFamily="34" charset="0"/>
+              </a:rPr>
+              <a:t>if up to date</a:t>
+            </a:r>
+          </a:p>
+          <a:p>
+            <a:pPr lvl="1"/>
+            <a:r>
+              <a:rPr lang="en-US" sz="1600" dirty="0">
+                <a:latin typeface="Euclid Circular B" panose="020B0504000000000000" pitchFamily="34" charset="0"/>
+                <a:ea typeface="Euclid Circular B" panose="020B0504000000000000" pitchFamily="34" charset="0"/>
+              </a:rPr>
+              <a:t>With frequency control (30 seconds)</a:t>
+            </a:r>
+          </a:p>
+          <a:p>
+            <a:r>
+              <a:rPr lang="en-US" sz="2000" dirty="0">
+                <a:latin typeface="Euclid Circular B" panose="020B0504000000000000" pitchFamily="34" charset="0"/>
+                <a:ea typeface="Euclid Circular B" panose="020B0504000000000000" pitchFamily="34" charset="0"/>
+              </a:rPr>
+              <a:t>Get &amp; </a:t>
+            </a:r>
+            <a:r>
+              <a:rPr lang="en-US" sz="2000" b="1" dirty="0">
+                <a:latin typeface="Euclid Circular B" panose="020B0504000000000000" pitchFamily="34" charset="0"/>
+                <a:ea typeface="Euclid Circular B" panose="020B0504000000000000" pitchFamily="34" charset="0"/>
+              </a:rPr>
+              <a:t>deserialize </a:t>
+            </a:r>
+            <a:r>
+              <a:rPr lang="en-US" sz="2000" dirty="0">
+                <a:latin typeface="Euclid Circular B" panose="020B0504000000000000" pitchFamily="34" charset="0"/>
+                <a:ea typeface="Euclid Circular B" panose="020B0504000000000000" pitchFamily="34" charset="0"/>
+              </a:rPr>
+              <a:t>permission definitions if different</a:t>
             </a:r>
           </a:p>
           <a:p>
@@ -17095,198 +16086,1173 @@
               <a:buNone/>
             </a:pPr>
             <a:r>
-              <a:rPr lang="en-US" sz="1400" dirty="0">
-                <a:latin typeface="Euclid Circular B" panose="020B0504000000000000" pitchFamily="34" charset="0"/>
-                <a:ea typeface="Euclid Circular B" panose="020B0504000000000000" pitchFamily="34" charset="0"/>
-                <a:hlinkClick r:id="rId3"/>
-              </a:rPr>
-              <a:t>https://github.com/hikalkan/presentations</a:t>
-            </a:r>
-            <a:endParaRPr lang="en-US" sz="1400" dirty="0">
-              <a:latin typeface="Euclid Circular B" panose="020B0504000000000000" pitchFamily="34" charset="0"/>
-              <a:ea typeface="Euclid Circular B" panose="020B0504000000000000" pitchFamily="34" charset="0"/>
-            </a:endParaRPr>
-          </a:p>
-          <a:p>
-            <a:pPr marL="0" indent="0">
-              <a:buNone/>
-            </a:pPr>
-            <a:endParaRPr lang="en-US" sz="1000" dirty="0">
-              <a:latin typeface="Euclid Circular B" panose="020B0504000000000000" pitchFamily="34" charset="0"/>
-              <a:ea typeface="Euclid Circular B" panose="020B0504000000000000" pitchFamily="34" charset="0"/>
-            </a:endParaRPr>
-          </a:p>
-          <a:p>
-            <a:pPr marL="0" indent="0">
-              <a:buNone/>
-            </a:pPr>
-            <a:r>
-              <a:rPr lang="en-US" sz="2600" b="1" dirty="0">
-                <a:latin typeface="Euclid Circular B" panose="020B0504000000000000" pitchFamily="34" charset="0"/>
-                <a:ea typeface="Euclid Circular B" panose="020B0504000000000000" pitchFamily="34" charset="0"/>
-              </a:rPr>
-              <a:t>Contact Me</a:t>
-            </a:r>
-          </a:p>
-          <a:p>
-            <a:pPr marL="0" indent="0">
-              <a:buNone/>
-            </a:pPr>
-            <a:r>
-              <a:rPr lang="en-US" sz="1600" dirty="0">
-                <a:latin typeface="Euclid Circular B" panose="020B0504000000000000" pitchFamily="34" charset="0"/>
-                <a:ea typeface="Euclid Circular B" panose="020B0504000000000000" pitchFamily="34" charset="0"/>
-              </a:rPr>
-              <a:t>Home: </a:t>
-            </a:r>
-            <a:r>
-              <a:rPr lang="en-US" sz="1600" dirty="0">
-                <a:latin typeface="Euclid Circular B" panose="020B0504000000000000" pitchFamily="34" charset="0"/>
-                <a:ea typeface="Euclid Circular B" panose="020B0504000000000000" pitchFamily="34" charset="0"/>
-                <a:hlinkClick r:id="rId4"/>
-              </a:rPr>
-              <a:t>https://halilibrahimkalkan.com</a:t>
-            </a:r>
-            <a:r>
-              <a:rPr lang="en-US" sz="1600" dirty="0">
-                <a:latin typeface="Euclid Circular B" panose="020B0504000000000000" pitchFamily="34" charset="0"/>
-                <a:ea typeface="Euclid Circular B" panose="020B0504000000000000" pitchFamily="34" charset="0"/>
-              </a:rPr>
-              <a:t> </a:t>
-            </a:r>
-          </a:p>
-          <a:p>
-            <a:pPr marL="0" indent="0">
-              <a:buNone/>
-            </a:pPr>
-            <a:r>
-              <a:rPr lang="en-US" sz="1600" dirty="0">
-                <a:latin typeface="Euclid Circular B" panose="020B0504000000000000" pitchFamily="34" charset="0"/>
-                <a:ea typeface="Euclid Circular B" panose="020B0504000000000000" pitchFamily="34" charset="0"/>
-              </a:rPr>
-              <a:t>GitHub: @hikalkan | Twitter: @hibrahimkalkan</a:t>
-            </a:r>
-          </a:p>
-          <a:p>
-            <a:pPr marL="0" indent="0">
-              <a:buNone/>
-            </a:pPr>
-            <a:endParaRPr lang="en-US" sz="1000" dirty="0">
-              <a:latin typeface="Euclid Circular B" panose="020B0504000000000000" pitchFamily="34" charset="0"/>
-              <a:ea typeface="Euclid Circular B" panose="020B0504000000000000" pitchFamily="34" charset="0"/>
-            </a:endParaRPr>
-          </a:p>
-          <a:p>
-            <a:pPr marL="0" indent="0">
-              <a:buNone/>
-            </a:pPr>
-            <a:r>
-              <a:rPr lang="en-US" sz="2600" b="1" dirty="0">
-                <a:latin typeface="Euclid Circular B" panose="020B0504000000000000" pitchFamily="34" charset="0"/>
-                <a:ea typeface="Euclid Circular B" panose="020B0504000000000000" pitchFamily="34" charset="0"/>
-              </a:rPr>
-              <a:t>References</a:t>
-            </a:r>
-          </a:p>
-          <a:p>
-            <a:r>
-              <a:rPr lang="en-US" sz="1600" dirty="0">
-                <a:latin typeface="Euclid Circular B" panose="020B0504000000000000" pitchFamily="34" charset="0"/>
-                <a:ea typeface="Euclid Circular B" panose="020B0504000000000000" pitchFamily="34" charset="0"/>
-              </a:rPr>
-              <a:t>Authorization in a Microservices World</a:t>
-            </a:r>
-            <a:br>
-              <a:rPr lang="en-US" sz="1600" dirty="0">
-                <a:latin typeface="Euclid Circular B" panose="020B0504000000000000" pitchFamily="34" charset="0"/>
-                <a:ea typeface="Euclid Circular B" panose="020B0504000000000000" pitchFamily="34" charset="0"/>
-              </a:rPr>
-            </a:br>
-            <a:r>
-              <a:rPr lang="en-US" sz="1400" dirty="0">
-                <a:latin typeface="Euclid Circular B" panose="020B0504000000000000" pitchFamily="34" charset="0"/>
-                <a:ea typeface="Euclid Circular B" panose="020B0504000000000000" pitchFamily="34" charset="0"/>
-                <a:hlinkClick r:id="rId5"/>
-              </a:rPr>
-              <a:t>https://www.alexanderlolis.com/authorization-in-a-microservices-world</a:t>
-            </a:r>
-            <a:r>
-              <a:rPr lang="en-US" sz="1400" dirty="0">
-                <a:latin typeface="Euclid Circular B" panose="020B0504000000000000" pitchFamily="34" charset="0"/>
-                <a:ea typeface="Euclid Circular B" panose="020B0504000000000000" pitchFamily="34" charset="0"/>
-              </a:rPr>
-              <a:t> </a:t>
-            </a:r>
-          </a:p>
-          <a:p>
-            <a:r>
-              <a:rPr lang="en-US" sz="1600" dirty="0">
-                <a:latin typeface="Euclid Circular B" panose="020B0504000000000000" pitchFamily="34" charset="0"/>
-                <a:ea typeface="Euclid Circular B" panose="020B0504000000000000" pitchFamily="34" charset="0"/>
-              </a:rPr>
-              <a:t>ABP Authorization</a:t>
-            </a:r>
-            <a:br>
-              <a:rPr lang="en-US" sz="1400" dirty="0">
-                <a:latin typeface="Euclid Circular B" panose="020B0504000000000000" pitchFamily="34" charset="0"/>
-                <a:ea typeface="Euclid Circular B" panose="020B0504000000000000" pitchFamily="34" charset="0"/>
-              </a:rPr>
-            </a:br>
-            <a:r>
-              <a:rPr lang="en-US" sz="1400" dirty="0">
-                <a:latin typeface="Euclid Circular B" panose="020B0504000000000000" pitchFamily="34" charset="0"/>
-                <a:ea typeface="Euclid Circular B" panose="020B0504000000000000" pitchFamily="34" charset="0"/>
-                <a:hlinkClick r:id="rId6"/>
-              </a:rPr>
-              <a:t>https://docs.abp.io/en/abp/latest/Authorization</a:t>
-            </a:r>
-            <a:endParaRPr lang="en-US" sz="1400" dirty="0">
-              <a:latin typeface="Euclid Circular B" panose="020B0504000000000000" pitchFamily="34" charset="0"/>
-              <a:ea typeface="Euclid Circular B" panose="020B0504000000000000" pitchFamily="34" charset="0"/>
-            </a:endParaRPr>
-          </a:p>
-          <a:p>
-            <a:r>
-              <a:rPr lang="en-US" sz="1600" dirty="0">
-                <a:latin typeface="Euclid Circular B" panose="020B0504000000000000" pitchFamily="34" charset="0"/>
-                <a:ea typeface="Euclid Circular B" panose="020B0504000000000000" pitchFamily="34" charset="0"/>
-              </a:rPr>
-              <a:t>ASP.NET Core Authorization</a:t>
-            </a:r>
-            <a:br>
-              <a:rPr lang="en-US" sz="1400" dirty="0">
-                <a:latin typeface="Euclid Circular B" panose="020B0504000000000000" pitchFamily="34" charset="0"/>
-                <a:ea typeface="Euclid Circular B" panose="020B0504000000000000" pitchFamily="34" charset="0"/>
-              </a:rPr>
-            </a:br>
-            <a:r>
-              <a:rPr lang="en-US" sz="1400" dirty="0">
-                <a:latin typeface="Euclid Circular B" panose="020B0504000000000000" pitchFamily="34" charset="0"/>
-                <a:ea typeface="Euclid Circular B" panose="020B0504000000000000" pitchFamily="34" charset="0"/>
-                <a:hlinkClick r:id="rId7"/>
-              </a:rPr>
-              <a:t>https://learn.microsoft.com/en-us/aspnet/core/security/authorization/introduction</a:t>
-            </a:r>
-            <a:r>
-              <a:rPr lang="en-US" sz="1400" dirty="0">
-                <a:latin typeface="Euclid Circular B" panose="020B0504000000000000" pitchFamily="34" charset="0"/>
-                <a:ea typeface="Euclid Circular B" panose="020B0504000000000000" pitchFamily="34" charset="0"/>
-              </a:rPr>
-              <a:t> </a:t>
+              <a:rPr lang="en-US" sz="2000" dirty="0">
+                <a:latin typeface="Euclid Circular B" panose="020B0504000000000000" pitchFamily="34" charset="0"/>
+                <a:ea typeface="Euclid Circular B" panose="020B0504000000000000" pitchFamily="34" charset="0"/>
+              </a:rPr>
+              <a:t>On the </a:t>
+            </a:r>
+            <a:r>
+              <a:rPr lang="en-US" sz="2000" b="1" dirty="0">
+                <a:latin typeface="Euclid Circular B" panose="020B0504000000000000" pitchFamily="34" charset="0"/>
+                <a:ea typeface="Euclid Circular B" panose="020B0504000000000000" pitchFamily="34" charset="0"/>
+              </a:rPr>
+              <a:t>service startup</a:t>
+            </a:r>
+            <a:r>
+              <a:rPr lang="en-US" sz="2000" dirty="0">
+                <a:latin typeface="Euclid Circular B" panose="020B0504000000000000" pitchFamily="34" charset="0"/>
+                <a:ea typeface="Euclid Circular B" panose="020B0504000000000000" pitchFamily="34" charset="0"/>
+              </a:rPr>
+              <a:t>;</a:t>
+            </a:r>
+          </a:p>
+          <a:p>
+            <a:r>
+              <a:rPr lang="en-US" sz="1800" b="1" dirty="0">
+                <a:latin typeface="Euclid Circular B" panose="020B0504000000000000" pitchFamily="34" charset="0"/>
+                <a:ea typeface="Euclid Circular B" panose="020B0504000000000000" pitchFamily="34" charset="0"/>
+              </a:rPr>
+              <a:t>Pre-cache </a:t>
+            </a:r>
+            <a:r>
+              <a:rPr lang="en-US" sz="1800" dirty="0">
+                <a:latin typeface="Euclid Circular B" panose="020B0504000000000000" pitchFamily="34" charset="0"/>
+                <a:ea typeface="Euclid Circular B" panose="020B0504000000000000" pitchFamily="34" charset="0"/>
+              </a:rPr>
+              <a:t>permission definitions</a:t>
             </a:r>
           </a:p>
         </p:txBody>
       </p:sp>
+      <p:sp>
+        <p:nvSpPr>
+          <p:cNvPr id="4" name="Rectangle 3">
+            <a:extLst>
+              <a:ext uri="{FF2B5EF4-FFF2-40B4-BE49-F238E27FC236}">
+                <a16:creationId xmlns:a16="http://schemas.microsoft.com/office/drawing/2014/main" id="{DF725507-237A-1E00-130B-F242B99394E4}"/>
+              </a:ext>
+            </a:extLst>
+          </p:cNvPr>
+          <p:cNvSpPr/>
+          <p:nvPr/>
+        </p:nvSpPr>
+        <p:spPr>
+          <a:xfrm>
+            <a:off x="5686433" y="1839977"/>
+            <a:ext cx="2939246" cy="1659368"/>
+          </a:xfrm>
+          <a:prstGeom prst="rect">
+            <a:avLst/>
+          </a:prstGeom>
+        </p:spPr>
+        <p:style>
+          <a:lnRef idx="2">
+            <a:schemeClr val="accent1">
+              <a:shade val="50000"/>
+            </a:schemeClr>
+          </a:lnRef>
+          <a:fillRef idx="1">
+            <a:schemeClr val="accent1"/>
+          </a:fillRef>
+          <a:effectRef idx="0">
+            <a:schemeClr val="accent1"/>
+          </a:effectRef>
+          <a:fontRef idx="minor">
+            <a:schemeClr val="lt1"/>
+          </a:fontRef>
+        </p:style>
+        <p:txBody>
+          <a:bodyPr rtlCol="0" anchor="t"/>
+          <a:lstStyle/>
+          <a:p>
+            <a:pPr algn="ctr"/>
+            <a:r>
+              <a:rPr lang="en-US" dirty="0"/>
+              <a:t>Permission Microservice</a:t>
+            </a:r>
+          </a:p>
+        </p:txBody>
+      </p:sp>
+      <p:sp>
+        <p:nvSpPr>
+          <p:cNvPr id="5" name="Rectangle: Rounded Corners 4">
+            <a:extLst>
+              <a:ext uri="{FF2B5EF4-FFF2-40B4-BE49-F238E27FC236}">
+                <a16:creationId xmlns:a16="http://schemas.microsoft.com/office/drawing/2014/main" id="{79C73981-81C2-EDDD-289C-6378889C620B}"/>
+              </a:ext>
+            </a:extLst>
+          </p:cNvPr>
+          <p:cNvSpPr/>
+          <p:nvPr/>
+        </p:nvSpPr>
+        <p:spPr>
+          <a:xfrm>
+            <a:off x="5775356" y="2257365"/>
+            <a:ext cx="996392" cy="1162093"/>
+          </a:xfrm>
+          <a:prstGeom prst="roundRect">
+            <a:avLst/>
+          </a:prstGeom>
+        </p:spPr>
+        <p:style>
+          <a:lnRef idx="2">
+            <a:schemeClr val="accent4">
+              <a:shade val="50000"/>
+            </a:schemeClr>
+          </a:lnRef>
+          <a:fillRef idx="1">
+            <a:schemeClr val="accent4"/>
+          </a:fillRef>
+          <a:effectRef idx="0">
+            <a:schemeClr val="accent4"/>
+          </a:effectRef>
+          <a:fontRef idx="minor">
+            <a:schemeClr val="lt1"/>
+          </a:fontRef>
+        </p:style>
+        <p:txBody>
+          <a:bodyPr rtlCol="0" anchor="ctr"/>
+          <a:lstStyle/>
+          <a:p>
+            <a:pPr algn="ctr"/>
+            <a:r>
+              <a:rPr lang="en-US" sz="1200" dirty="0">
+                <a:solidFill>
+                  <a:schemeClr val="tx1"/>
+                </a:solidFill>
+              </a:rPr>
+              <a:t>Static Permission Definitions</a:t>
+            </a:r>
+          </a:p>
+        </p:txBody>
+      </p:sp>
+      <p:sp>
+        <p:nvSpPr>
+          <p:cNvPr id="6" name="Rectangle 5">
+            <a:extLst>
+              <a:ext uri="{FF2B5EF4-FFF2-40B4-BE49-F238E27FC236}">
+                <a16:creationId xmlns:a16="http://schemas.microsoft.com/office/drawing/2014/main" id="{038C0967-05A1-A19D-277B-A9D785F16C90}"/>
+              </a:ext>
+            </a:extLst>
+          </p:cNvPr>
+          <p:cNvSpPr/>
+          <p:nvPr/>
+        </p:nvSpPr>
+        <p:spPr>
+          <a:xfrm>
+            <a:off x="10262962" y="1893863"/>
+            <a:ext cx="1623777" cy="1605481"/>
+          </a:xfrm>
+          <a:prstGeom prst="rect">
+            <a:avLst/>
+          </a:prstGeom>
+        </p:spPr>
+        <p:style>
+          <a:lnRef idx="2">
+            <a:schemeClr val="dk1">
+              <a:shade val="50000"/>
+            </a:schemeClr>
+          </a:lnRef>
+          <a:fillRef idx="1">
+            <a:schemeClr val="dk1"/>
+          </a:fillRef>
+          <a:effectRef idx="0">
+            <a:schemeClr val="dk1"/>
+          </a:effectRef>
+          <a:fontRef idx="minor">
+            <a:schemeClr val="lt1"/>
+          </a:fontRef>
+        </p:style>
+        <p:txBody>
+          <a:bodyPr rtlCol="0" anchor="t"/>
+          <a:lstStyle/>
+          <a:p>
+            <a:pPr algn="ctr"/>
+            <a:r>
+              <a:rPr lang="en-US" sz="1400" dirty="0"/>
+              <a:t>Distributed Cache</a:t>
+            </a:r>
+          </a:p>
+        </p:txBody>
+      </p:sp>
+      <p:sp>
+        <p:nvSpPr>
+          <p:cNvPr id="21" name="Oval 20">
+            <a:extLst>
+              <a:ext uri="{FF2B5EF4-FFF2-40B4-BE49-F238E27FC236}">
+                <a16:creationId xmlns:a16="http://schemas.microsoft.com/office/drawing/2014/main" id="{82EB209D-0088-DBF9-8DE7-ABEDFEFDD0A3}"/>
+              </a:ext>
+            </a:extLst>
+          </p:cNvPr>
+          <p:cNvSpPr/>
+          <p:nvPr/>
+        </p:nvSpPr>
+        <p:spPr>
+          <a:xfrm>
+            <a:off x="10262961" y="4149282"/>
+            <a:ext cx="1623777" cy="775400"/>
+          </a:xfrm>
+          <a:prstGeom prst="ellipse">
+            <a:avLst/>
+          </a:prstGeom>
+        </p:spPr>
+        <p:style>
+          <a:lnRef idx="2">
+            <a:schemeClr val="accent6">
+              <a:shade val="50000"/>
+            </a:schemeClr>
+          </a:lnRef>
+          <a:fillRef idx="1">
+            <a:schemeClr val="accent6"/>
+          </a:fillRef>
+          <a:effectRef idx="0">
+            <a:schemeClr val="accent6"/>
+          </a:effectRef>
+          <a:fontRef idx="minor">
+            <a:schemeClr val="lt1"/>
+          </a:fontRef>
+        </p:style>
+        <p:txBody>
+          <a:bodyPr rtlCol="0" anchor="ctr"/>
+          <a:lstStyle/>
+          <a:p>
+            <a:pPr algn="ctr"/>
+            <a:r>
+              <a:rPr lang="en-US" sz="1200" dirty="0"/>
+              <a:t>Permission</a:t>
+            </a:r>
+            <a:br>
+              <a:rPr lang="en-US" sz="1200" dirty="0"/>
+            </a:br>
+            <a:r>
+              <a:rPr lang="en-US" sz="1200" dirty="0"/>
+              <a:t>Management</a:t>
+            </a:r>
+            <a:br>
+              <a:rPr lang="en-US" sz="1200" dirty="0"/>
+            </a:br>
+            <a:r>
+              <a:rPr lang="en-US" sz="1200" dirty="0"/>
+              <a:t>Database</a:t>
+            </a:r>
+          </a:p>
+        </p:txBody>
+      </p:sp>
+      <p:cxnSp>
+        <p:nvCxnSpPr>
+          <p:cNvPr id="23" name="Connector: Elbow 22">
+            <a:extLst>
+              <a:ext uri="{FF2B5EF4-FFF2-40B4-BE49-F238E27FC236}">
+                <a16:creationId xmlns:a16="http://schemas.microsoft.com/office/drawing/2014/main" id="{1C37B7AC-47F9-E0F7-16E6-99C83B1B33EF}"/>
+              </a:ext>
+            </a:extLst>
+          </p:cNvPr>
+          <p:cNvCxnSpPr>
+            <a:cxnSpLocks/>
+            <a:stCxn id="10" idx="2"/>
+            <a:endCxn id="21" idx="2"/>
+          </p:cNvCxnSpPr>
+          <p:nvPr/>
+        </p:nvCxnSpPr>
+        <p:spPr>
+          <a:xfrm rot="16200000" flipH="1">
+            <a:off x="8414435" y="2688456"/>
+            <a:ext cx="1117526" cy="2579526"/>
+          </a:xfrm>
+          <a:prstGeom prst="bentConnector2">
+            <a:avLst/>
+          </a:prstGeom>
+          <a:ln w="25400">
+            <a:solidFill>
+              <a:schemeClr val="tx1">
+                <a:lumMod val="85000"/>
+                <a:lumOff val="15000"/>
+              </a:schemeClr>
+            </a:solidFill>
+            <a:tailEnd type="triangle"/>
+          </a:ln>
+        </p:spPr>
+        <p:style>
+          <a:lnRef idx="1">
+            <a:schemeClr val="accent1"/>
+          </a:lnRef>
+          <a:fillRef idx="0">
+            <a:schemeClr val="accent1"/>
+          </a:fillRef>
+          <a:effectRef idx="0">
+            <a:schemeClr val="accent1"/>
+          </a:effectRef>
+          <a:fontRef idx="minor">
+            <a:schemeClr val="tx1"/>
+          </a:fontRef>
+        </p:style>
+      </p:cxnSp>
+      <p:sp>
+        <p:nvSpPr>
+          <p:cNvPr id="24" name="Hexagon 23">
+            <a:extLst>
+              <a:ext uri="{FF2B5EF4-FFF2-40B4-BE49-F238E27FC236}">
+                <a16:creationId xmlns:a16="http://schemas.microsoft.com/office/drawing/2014/main" id="{9E1CE1DB-278D-637A-FDA5-7F930CD397FE}"/>
+              </a:ext>
+            </a:extLst>
+          </p:cNvPr>
+          <p:cNvSpPr/>
+          <p:nvPr/>
+        </p:nvSpPr>
+        <p:spPr>
+          <a:xfrm>
+            <a:off x="10345311" y="3147526"/>
+            <a:ext cx="1459076" cy="225525"/>
+          </a:xfrm>
+          <a:prstGeom prst="hexagon">
+            <a:avLst/>
+          </a:prstGeom>
+        </p:spPr>
+        <p:style>
+          <a:lnRef idx="2">
+            <a:schemeClr val="accent2">
+              <a:shade val="50000"/>
+            </a:schemeClr>
+          </a:lnRef>
+          <a:fillRef idx="1">
+            <a:schemeClr val="accent2"/>
+          </a:fillRef>
+          <a:effectRef idx="0">
+            <a:schemeClr val="accent2"/>
+          </a:effectRef>
+          <a:fontRef idx="minor">
+            <a:schemeClr val="lt1"/>
+          </a:fontRef>
+        </p:style>
+        <p:txBody>
+          <a:bodyPr rtlCol="0" anchor="ctr"/>
+          <a:lstStyle/>
+          <a:p>
+            <a:pPr algn="ctr"/>
+            <a:r>
+              <a:rPr lang="en-US" sz="1400" dirty="0" err="1"/>
+              <a:t>perm_stamp</a:t>
+            </a:r>
+            <a:endParaRPr lang="en-US" sz="1400" dirty="0"/>
+          </a:p>
+        </p:txBody>
+      </p:sp>
+      <p:sp>
+        <p:nvSpPr>
+          <p:cNvPr id="34" name="TextBox 33">
+            <a:extLst>
+              <a:ext uri="{FF2B5EF4-FFF2-40B4-BE49-F238E27FC236}">
+                <a16:creationId xmlns:a16="http://schemas.microsoft.com/office/drawing/2014/main" id="{A6A0F81C-00C0-6258-C62D-629EBA34341F}"/>
+              </a:ext>
+            </a:extLst>
+          </p:cNvPr>
+          <p:cNvSpPr txBox="1"/>
+          <p:nvPr/>
+        </p:nvSpPr>
+        <p:spPr>
+          <a:xfrm>
+            <a:off x="8597666" y="2980770"/>
+            <a:ext cx="1696670" cy="307777"/>
+          </a:xfrm>
+          <a:prstGeom prst="rect">
+            <a:avLst/>
+          </a:prstGeom>
+          <a:noFill/>
+        </p:spPr>
+        <p:txBody>
+          <a:bodyPr wrap="square" rtlCol="0">
+            <a:spAutoFit/>
+          </a:bodyPr>
+          <a:lstStyle/>
+          <a:p>
+            <a:pPr algn="ctr"/>
+            <a:r>
+              <a:rPr lang="en-US" sz="1400" dirty="0"/>
+              <a:t>Check cache stamp</a:t>
+            </a:r>
+          </a:p>
+        </p:txBody>
+      </p:sp>
+      <p:sp>
+        <p:nvSpPr>
+          <p:cNvPr id="39" name="TextBox 38">
+            <a:extLst>
+              <a:ext uri="{FF2B5EF4-FFF2-40B4-BE49-F238E27FC236}">
+                <a16:creationId xmlns:a16="http://schemas.microsoft.com/office/drawing/2014/main" id="{76B06D21-2490-E6C8-0B07-3AE1C59E1FCA}"/>
+              </a:ext>
+            </a:extLst>
+          </p:cNvPr>
+          <p:cNvSpPr txBox="1"/>
+          <p:nvPr/>
+        </p:nvSpPr>
+        <p:spPr>
+          <a:xfrm>
+            <a:off x="7158045" y="4542103"/>
+            <a:ext cx="3630305" cy="307777"/>
+          </a:xfrm>
+          <a:prstGeom prst="rect">
+            <a:avLst/>
+          </a:prstGeom>
+          <a:noFill/>
+        </p:spPr>
+        <p:txBody>
+          <a:bodyPr wrap="square" rtlCol="0">
+            <a:spAutoFit/>
+          </a:bodyPr>
+          <a:lstStyle/>
+          <a:p>
+            <a:r>
+              <a:rPr lang="en-US" sz="1400" dirty="0"/>
+              <a:t>Get &amp; deserialize permission definitions</a:t>
+            </a:r>
+          </a:p>
+        </p:txBody>
+      </p:sp>
+      <p:sp>
+        <p:nvSpPr>
+          <p:cNvPr id="10" name="Rectangle: Rounded Corners 9">
+            <a:extLst>
+              <a:ext uri="{FF2B5EF4-FFF2-40B4-BE49-F238E27FC236}">
+                <a16:creationId xmlns:a16="http://schemas.microsoft.com/office/drawing/2014/main" id="{57557B69-1235-B0FF-B3AC-57AC790F6822}"/>
+              </a:ext>
+            </a:extLst>
+          </p:cNvPr>
+          <p:cNvSpPr/>
+          <p:nvPr/>
+        </p:nvSpPr>
+        <p:spPr>
+          <a:xfrm>
+            <a:off x="6852047" y="2273762"/>
+            <a:ext cx="1662775" cy="1145694"/>
+          </a:xfrm>
+          <a:prstGeom prst="roundRect">
+            <a:avLst/>
+          </a:prstGeom>
+        </p:spPr>
+        <p:style>
+          <a:lnRef idx="2">
+            <a:schemeClr val="accent4">
+              <a:shade val="50000"/>
+            </a:schemeClr>
+          </a:lnRef>
+          <a:fillRef idx="1">
+            <a:schemeClr val="accent4"/>
+          </a:fillRef>
+          <a:effectRef idx="0">
+            <a:schemeClr val="accent4"/>
+          </a:effectRef>
+          <a:fontRef idx="minor">
+            <a:schemeClr val="lt1"/>
+          </a:fontRef>
+        </p:style>
+        <p:txBody>
+          <a:bodyPr rtlCol="0" anchor="t"/>
+          <a:lstStyle/>
+          <a:p>
+            <a:pPr algn="ctr"/>
+            <a:r>
+              <a:rPr lang="en-US" sz="1200" dirty="0">
+                <a:solidFill>
+                  <a:schemeClr val="tx1"/>
+                </a:solidFill>
+              </a:rPr>
+              <a:t>Dynamic</a:t>
+            </a:r>
+          </a:p>
+          <a:p>
+            <a:pPr algn="ctr"/>
+            <a:r>
+              <a:rPr lang="en-US" sz="1200" dirty="0">
+                <a:solidFill>
+                  <a:schemeClr val="tx1"/>
+                </a:solidFill>
+              </a:rPr>
+              <a:t>Permission Store</a:t>
+            </a:r>
+          </a:p>
+        </p:txBody>
+      </p:sp>
+      <p:sp>
+        <p:nvSpPr>
+          <p:cNvPr id="22" name="Hexagon 21">
+            <a:extLst>
+              <a:ext uri="{FF2B5EF4-FFF2-40B4-BE49-F238E27FC236}">
+                <a16:creationId xmlns:a16="http://schemas.microsoft.com/office/drawing/2014/main" id="{5E3BA03A-42B9-52F6-09BD-F93915698844}"/>
+              </a:ext>
+            </a:extLst>
+          </p:cNvPr>
+          <p:cNvSpPr/>
+          <p:nvPr/>
+        </p:nvSpPr>
+        <p:spPr>
+          <a:xfrm>
+            <a:off x="6973870" y="3134659"/>
+            <a:ext cx="1451211" cy="225525"/>
+          </a:xfrm>
+          <a:prstGeom prst="hexagon">
+            <a:avLst/>
+          </a:prstGeom>
+        </p:spPr>
+        <p:style>
+          <a:lnRef idx="2">
+            <a:schemeClr val="accent2">
+              <a:shade val="50000"/>
+            </a:schemeClr>
+          </a:lnRef>
+          <a:fillRef idx="1">
+            <a:schemeClr val="accent2"/>
+          </a:fillRef>
+          <a:effectRef idx="0">
+            <a:schemeClr val="accent2"/>
+          </a:effectRef>
+          <a:fontRef idx="minor">
+            <a:schemeClr val="lt1"/>
+          </a:fontRef>
+        </p:style>
+        <p:txBody>
+          <a:bodyPr rtlCol="0" anchor="ctr"/>
+          <a:lstStyle/>
+          <a:p>
+            <a:pPr algn="ctr"/>
+            <a:r>
+              <a:rPr lang="en-US" sz="1400" dirty="0" err="1"/>
+              <a:t>perm_stamp</a:t>
+            </a:r>
+            <a:endParaRPr lang="en-US" sz="1400" dirty="0"/>
+          </a:p>
+        </p:txBody>
+      </p:sp>
+      <p:sp>
+        <p:nvSpPr>
+          <p:cNvPr id="26" name="Rectangle: Rounded Corners 25">
+            <a:extLst>
+              <a:ext uri="{FF2B5EF4-FFF2-40B4-BE49-F238E27FC236}">
+                <a16:creationId xmlns:a16="http://schemas.microsoft.com/office/drawing/2014/main" id="{61EFCD1E-7B44-5FD6-65EF-D570F3F36949}"/>
+              </a:ext>
+            </a:extLst>
+          </p:cNvPr>
+          <p:cNvSpPr/>
+          <p:nvPr/>
+        </p:nvSpPr>
+        <p:spPr>
+          <a:xfrm>
+            <a:off x="6960222" y="2776946"/>
+            <a:ext cx="1464859" cy="311608"/>
+          </a:xfrm>
+          <a:prstGeom prst="roundRect">
+            <a:avLst/>
+          </a:prstGeom>
+        </p:spPr>
+        <p:style>
+          <a:lnRef idx="2">
+            <a:schemeClr val="accent6">
+              <a:shade val="50000"/>
+            </a:schemeClr>
+          </a:lnRef>
+          <a:fillRef idx="1">
+            <a:schemeClr val="accent6"/>
+          </a:fillRef>
+          <a:effectRef idx="0">
+            <a:schemeClr val="accent6"/>
+          </a:effectRef>
+          <a:fontRef idx="minor">
+            <a:schemeClr val="lt1"/>
+          </a:fontRef>
+        </p:style>
+        <p:txBody>
+          <a:bodyPr rtlCol="0" anchor="ctr"/>
+          <a:lstStyle/>
+          <a:p>
+            <a:pPr algn="ctr"/>
+            <a:r>
+              <a:rPr lang="en-US" sz="1200" dirty="0"/>
+              <a:t>In-Memory Cache</a:t>
+            </a:r>
+          </a:p>
+        </p:txBody>
+      </p:sp>
+      <p:cxnSp>
+        <p:nvCxnSpPr>
+          <p:cNvPr id="33" name="Straight Arrow Connector 32">
+            <a:extLst>
+              <a:ext uri="{FF2B5EF4-FFF2-40B4-BE49-F238E27FC236}">
+                <a16:creationId xmlns:a16="http://schemas.microsoft.com/office/drawing/2014/main" id="{66F4BCE8-DC13-8D69-9A00-4BBE711D4842}"/>
+              </a:ext>
+            </a:extLst>
+          </p:cNvPr>
+          <p:cNvCxnSpPr>
+            <a:cxnSpLocks/>
+            <a:stCxn id="22" idx="0"/>
+            <a:endCxn id="24" idx="3"/>
+          </p:cNvCxnSpPr>
+          <p:nvPr/>
+        </p:nvCxnSpPr>
+        <p:spPr>
+          <a:xfrm>
+            <a:off x="8425081" y="3247422"/>
+            <a:ext cx="1920230" cy="12867"/>
+          </a:xfrm>
+          <a:prstGeom prst="straightConnector1">
+            <a:avLst/>
+          </a:prstGeom>
+          <a:ln w="25400">
+            <a:solidFill>
+              <a:schemeClr val="tx1">
+                <a:lumMod val="85000"/>
+                <a:lumOff val="15000"/>
+              </a:schemeClr>
+            </a:solidFill>
+            <a:tailEnd type="triangle"/>
+          </a:ln>
+        </p:spPr>
+        <p:style>
+          <a:lnRef idx="1">
+            <a:schemeClr val="accent1"/>
+          </a:lnRef>
+          <a:fillRef idx="0">
+            <a:schemeClr val="accent1"/>
+          </a:fillRef>
+          <a:effectRef idx="0">
+            <a:schemeClr val="accent1"/>
+          </a:effectRef>
+          <a:fontRef idx="minor">
+            <a:schemeClr val="tx1"/>
+          </a:fontRef>
+        </p:style>
+      </p:cxnSp>
     </p:spTree>
     <p:extLst>
       <p:ext uri="{BB962C8B-B14F-4D97-AF65-F5344CB8AC3E}">
-        <p14:creationId xmlns:p14="http://schemas.microsoft.com/office/powerpoint/2010/main" val="1625585404"/>
+        <p14:creationId xmlns:p14="http://schemas.microsoft.com/office/powerpoint/2010/main" val="694203006"/>
       </p:ext>
     </p:extLst>
   </p:cSld>
   <p:clrMapOvr>
     <a:masterClrMapping/>
   </p:clrMapOvr>
+  <p:timing>
+    <p:tnLst>
+      <p:par>
+        <p:cTn id="1" dur="indefinite" restart="never" nodeType="tmRoot">
+          <p:childTnLst>
+            <p:seq concurrent="1" nextAc="seek">
+              <p:cTn id="2" dur="indefinite" nodeType="mainSeq">
+                <p:childTnLst>
+                  <p:par>
+                    <p:cTn id="3" fill="hold">
+                      <p:stCondLst>
+                        <p:cond delay="indefinite"/>
+                      </p:stCondLst>
+                      <p:childTnLst>
+                        <p:par>
+                          <p:cTn id="4" fill="hold">
+                            <p:stCondLst>
+                              <p:cond delay="0"/>
+                            </p:stCondLst>
+                            <p:childTnLst>
+                              <p:par>
+                                <p:cTn id="5" presetID="10" presetClass="entr" presetSubtype="0" fill="hold" grpId="0" nodeType="clickEffect">
+                                  <p:stCondLst>
+                                    <p:cond delay="0"/>
+                                  </p:stCondLst>
+                                  <p:childTnLst>
+                                    <p:set>
+                                      <p:cBhvr>
+                                        <p:cTn id="6" dur="1" fill="hold">
+                                          <p:stCondLst>
+                                            <p:cond delay="0"/>
+                                          </p:stCondLst>
+                                        </p:cTn>
+                                        <p:tgtEl>
+                                          <p:spTgt spid="24"/>
+                                        </p:tgtEl>
+                                        <p:attrNameLst>
+                                          <p:attrName>style.visibility</p:attrName>
+                                        </p:attrNameLst>
+                                      </p:cBhvr>
+                                      <p:to>
+                                        <p:strVal val="visible"/>
+                                      </p:to>
+                                    </p:set>
+                                    <p:animEffect transition="in" filter="fade">
+                                      <p:cBhvr>
+                                        <p:cTn id="7" dur="500"/>
+                                        <p:tgtEl>
+                                          <p:spTgt spid="24"/>
+                                        </p:tgtEl>
+                                      </p:cBhvr>
+                                    </p:animEffect>
+                                  </p:childTnLst>
+                                </p:cTn>
+                              </p:par>
+                              <p:par>
+                                <p:cTn id="8" presetID="10" presetClass="entr" presetSubtype="0" fill="hold" grpId="0" nodeType="withEffect">
+                                  <p:stCondLst>
+                                    <p:cond delay="0"/>
+                                  </p:stCondLst>
+                                  <p:childTnLst>
+                                    <p:set>
+                                      <p:cBhvr>
+                                        <p:cTn id="9" dur="1" fill="hold">
+                                          <p:stCondLst>
+                                            <p:cond delay="0"/>
+                                          </p:stCondLst>
+                                        </p:cTn>
+                                        <p:tgtEl>
+                                          <p:spTgt spid="34"/>
+                                        </p:tgtEl>
+                                        <p:attrNameLst>
+                                          <p:attrName>style.visibility</p:attrName>
+                                        </p:attrNameLst>
+                                      </p:cBhvr>
+                                      <p:to>
+                                        <p:strVal val="visible"/>
+                                      </p:to>
+                                    </p:set>
+                                    <p:animEffect transition="in" filter="fade">
+                                      <p:cBhvr>
+                                        <p:cTn id="10" dur="500"/>
+                                        <p:tgtEl>
+                                          <p:spTgt spid="34"/>
+                                        </p:tgtEl>
+                                      </p:cBhvr>
+                                    </p:animEffect>
+                                  </p:childTnLst>
+                                </p:cTn>
+                              </p:par>
+                              <p:par>
+                                <p:cTn id="11" presetID="10" presetClass="entr" presetSubtype="0" fill="hold" nodeType="withEffect">
+                                  <p:stCondLst>
+                                    <p:cond delay="0"/>
+                                  </p:stCondLst>
+                                  <p:childTnLst>
+                                    <p:set>
+                                      <p:cBhvr>
+                                        <p:cTn id="12" dur="1" fill="hold">
+                                          <p:stCondLst>
+                                            <p:cond delay="0"/>
+                                          </p:stCondLst>
+                                        </p:cTn>
+                                        <p:tgtEl>
+                                          <p:spTgt spid="33"/>
+                                        </p:tgtEl>
+                                        <p:attrNameLst>
+                                          <p:attrName>style.visibility</p:attrName>
+                                        </p:attrNameLst>
+                                      </p:cBhvr>
+                                      <p:to>
+                                        <p:strVal val="visible"/>
+                                      </p:to>
+                                    </p:set>
+                                    <p:animEffect transition="in" filter="fade">
+                                      <p:cBhvr>
+                                        <p:cTn id="13" dur="500"/>
+                                        <p:tgtEl>
+                                          <p:spTgt spid="33"/>
+                                        </p:tgtEl>
+                                      </p:cBhvr>
+                                    </p:animEffect>
+                                  </p:childTnLst>
+                                </p:cTn>
+                              </p:par>
+                              <p:par>
+                                <p:cTn id="14" presetID="10" presetClass="entr" presetSubtype="0" fill="hold" nodeType="withEffect">
+                                  <p:stCondLst>
+                                    <p:cond delay="0"/>
+                                  </p:stCondLst>
+                                  <p:childTnLst>
+                                    <p:set>
+                                      <p:cBhvr>
+                                        <p:cTn id="15" dur="1" fill="hold">
+                                          <p:stCondLst>
+                                            <p:cond delay="0"/>
+                                          </p:stCondLst>
+                                        </p:cTn>
+                                        <p:tgtEl>
+                                          <p:spTgt spid="3">
+                                            <p:txEl>
+                                              <p:pRg st="0" end="0"/>
+                                            </p:txEl>
+                                          </p:spTgt>
+                                        </p:tgtEl>
+                                        <p:attrNameLst>
+                                          <p:attrName>style.visibility</p:attrName>
+                                        </p:attrNameLst>
+                                      </p:cBhvr>
+                                      <p:to>
+                                        <p:strVal val="visible"/>
+                                      </p:to>
+                                    </p:set>
+                                    <p:animEffect transition="in" filter="fade">
+                                      <p:cBhvr>
+                                        <p:cTn id="16" dur="500"/>
+                                        <p:tgtEl>
+                                          <p:spTgt spid="3">
+                                            <p:txEl>
+                                              <p:pRg st="0" end="0"/>
+                                            </p:txEl>
+                                          </p:spTgt>
+                                        </p:tgtEl>
+                                      </p:cBhvr>
+                                    </p:animEffect>
+                                  </p:childTnLst>
+                                </p:cTn>
+                              </p:par>
+                              <p:par>
+                                <p:cTn id="17" presetID="10" presetClass="entr" presetSubtype="0" fill="hold" nodeType="withEffect">
+                                  <p:stCondLst>
+                                    <p:cond delay="0"/>
+                                  </p:stCondLst>
+                                  <p:childTnLst>
+                                    <p:set>
+                                      <p:cBhvr>
+                                        <p:cTn id="18" dur="1" fill="hold">
+                                          <p:stCondLst>
+                                            <p:cond delay="0"/>
+                                          </p:stCondLst>
+                                        </p:cTn>
+                                        <p:tgtEl>
+                                          <p:spTgt spid="3">
+                                            <p:txEl>
+                                              <p:pRg st="1" end="1"/>
+                                            </p:txEl>
+                                          </p:spTgt>
+                                        </p:tgtEl>
+                                        <p:attrNameLst>
+                                          <p:attrName>style.visibility</p:attrName>
+                                        </p:attrNameLst>
+                                      </p:cBhvr>
+                                      <p:to>
+                                        <p:strVal val="visible"/>
+                                      </p:to>
+                                    </p:set>
+                                    <p:animEffect transition="in" filter="fade">
+                                      <p:cBhvr>
+                                        <p:cTn id="19" dur="500"/>
+                                        <p:tgtEl>
+                                          <p:spTgt spid="3">
+                                            <p:txEl>
+                                              <p:pRg st="1" end="1"/>
+                                            </p:txEl>
+                                          </p:spTgt>
+                                        </p:tgtEl>
+                                      </p:cBhvr>
+                                    </p:animEffect>
+                                  </p:childTnLst>
+                                </p:cTn>
+                              </p:par>
+                              <p:par>
+                                <p:cTn id="20" presetID="10" presetClass="entr" presetSubtype="0" fill="hold" nodeType="withEffect">
+                                  <p:stCondLst>
+                                    <p:cond delay="0"/>
+                                  </p:stCondLst>
+                                  <p:childTnLst>
+                                    <p:set>
+                                      <p:cBhvr>
+                                        <p:cTn id="21" dur="1" fill="hold">
+                                          <p:stCondLst>
+                                            <p:cond delay="0"/>
+                                          </p:stCondLst>
+                                        </p:cTn>
+                                        <p:tgtEl>
+                                          <p:spTgt spid="3">
+                                            <p:txEl>
+                                              <p:pRg st="2" end="2"/>
+                                            </p:txEl>
+                                          </p:spTgt>
+                                        </p:tgtEl>
+                                        <p:attrNameLst>
+                                          <p:attrName>style.visibility</p:attrName>
+                                        </p:attrNameLst>
+                                      </p:cBhvr>
+                                      <p:to>
+                                        <p:strVal val="visible"/>
+                                      </p:to>
+                                    </p:set>
+                                    <p:animEffect transition="in" filter="fade">
+                                      <p:cBhvr>
+                                        <p:cTn id="22" dur="500"/>
+                                        <p:tgtEl>
+                                          <p:spTgt spid="3">
+                                            <p:txEl>
+                                              <p:pRg st="2" end="2"/>
+                                            </p:txEl>
+                                          </p:spTgt>
+                                        </p:tgtEl>
+                                      </p:cBhvr>
+                                    </p:animEffect>
+                                  </p:childTnLst>
+                                </p:cTn>
+                              </p:par>
+                            </p:childTnLst>
+                          </p:cTn>
+                        </p:par>
+                      </p:childTnLst>
+                    </p:cTn>
+                  </p:par>
+                  <p:par>
+                    <p:cTn id="23" fill="hold">
+                      <p:stCondLst>
+                        <p:cond delay="indefinite"/>
+                      </p:stCondLst>
+                      <p:childTnLst>
+                        <p:par>
+                          <p:cTn id="24" fill="hold">
+                            <p:stCondLst>
+                              <p:cond delay="0"/>
+                            </p:stCondLst>
+                            <p:childTnLst>
+                              <p:par>
+                                <p:cTn id="25" presetID="10" presetClass="entr" presetSubtype="0" fill="hold" nodeType="clickEffect">
+                                  <p:stCondLst>
+                                    <p:cond delay="0"/>
+                                  </p:stCondLst>
+                                  <p:childTnLst>
+                                    <p:set>
+                                      <p:cBhvr>
+                                        <p:cTn id="26" dur="1" fill="hold">
+                                          <p:stCondLst>
+                                            <p:cond delay="0"/>
+                                          </p:stCondLst>
+                                        </p:cTn>
+                                        <p:tgtEl>
+                                          <p:spTgt spid="3">
+                                            <p:txEl>
+                                              <p:pRg st="3" end="3"/>
+                                            </p:txEl>
+                                          </p:spTgt>
+                                        </p:tgtEl>
+                                        <p:attrNameLst>
+                                          <p:attrName>style.visibility</p:attrName>
+                                        </p:attrNameLst>
+                                      </p:cBhvr>
+                                      <p:to>
+                                        <p:strVal val="visible"/>
+                                      </p:to>
+                                    </p:set>
+                                    <p:animEffect transition="in" filter="fade">
+                                      <p:cBhvr>
+                                        <p:cTn id="27" dur="500"/>
+                                        <p:tgtEl>
+                                          <p:spTgt spid="3">
+                                            <p:txEl>
+                                              <p:pRg st="3" end="3"/>
+                                            </p:txEl>
+                                          </p:spTgt>
+                                        </p:tgtEl>
+                                      </p:cBhvr>
+                                    </p:animEffect>
+                                  </p:childTnLst>
+                                </p:cTn>
+                              </p:par>
+                              <p:par>
+                                <p:cTn id="28" presetID="10" presetClass="entr" presetSubtype="0" fill="hold" grpId="0" nodeType="withEffect">
+                                  <p:stCondLst>
+                                    <p:cond delay="0"/>
+                                  </p:stCondLst>
+                                  <p:childTnLst>
+                                    <p:set>
+                                      <p:cBhvr>
+                                        <p:cTn id="29" dur="1" fill="hold">
+                                          <p:stCondLst>
+                                            <p:cond delay="0"/>
+                                          </p:stCondLst>
+                                        </p:cTn>
+                                        <p:tgtEl>
+                                          <p:spTgt spid="39"/>
+                                        </p:tgtEl>
+                                        <p:attrNameLst>
+                                          <p:attrName>style.visibility</p:attrName>
+                                        </p:attrNameLst>
+                                      </p:cBhvr>
+                                      <p:to>
+                                        <p:strVal val="visible"/>
+                                      </p:to>
+                                    </p:set>
+                                    <p:animEffect transition="in" filter="fade">
+                                      <p:cBhvr>
+                                        <p:cTn id="30" dur="500"/>
+                                        <p:tgtEl>
+                                          <p:spTgt spid="39"/>
+                                        </p:tgtEl>
+                                      </p:cBhvr>
+                                    </p:animEffect>
+                                  </p:childTnLst>
+                                </p:cTn>
+                              </p:par>
+                              <p:par>
+                                <p:cTn id="31" presetID="10" presetClass="entr" presetSubtype="0" fill="hold" nodeType="withEffect">
+                                  <p:stCondLst>
+                                    <p:cond delay="0"/>
+                                  </p:stCondLst>
+                                  <p:childTnLst>
+                                    <p:set>
+                                      <p:cBhvr>
+                                        <p:cTn id="32" dur="1" fill="hold">
+                                          <p:stCondLst>
+                                            <p:cond delay="0"/>
+                                          </p:stCondLst>
+                                        </p:cTn>
+                                        <p:tgtEl>
+                                          <p:spTgt spid="23"/>
+                                        </p:tgtEl>
+                                        <p:attrNameLst>
+                                          <p:attrName>style.visibility</p:attrName>
+                                        </p:attrNameLst>
+                                      </p:cBhvr>
+                                      <p:to>
+                                        <p:strVal val="visible"/>
+                                      </p:to>
+                                    </p:set>
+                                    <p:animEffect transition="in" filter="fade">
+                                      <p:cBhvr>
+                                        <p:cTn id="33" dur="500"/>
+                                        <p:tgtEl>
+                                          <p:spTgt spid="23"/>
+                                        </p:tgtEl>
+                                      </p:cBhvr>
+                                    </p:animEffect>
+                                  </p:childTnLst>
+                                </p:cTn>
+                              </p:par>
+                            </p:childTnLst>
+                          </p:cTn>
+                        </p:par>
+                      </p:childTnLst>
+                    </p:cTn>
+                  </p:par>
+                  <p:par>
+                    <p:cTn id="34" fill="hold">
+                      <p:stCondLst>
+                        <p:cond delay="indefinite"/>
+                      </p:stCondLst>
+                      <p:childTnLst>
+                        <p:par>
+                          <p:cTn id="35" fill="hold">
+                            <p:stCondLst>
+                              <p:cond delay="0"/>
+                            </p:stCondLst>
+                            <p:childTnLst>
+                              <p:par>
+                                <p:cTn id="36" presetID="10" presetClass="entr" presetSubtype="0" fill="hold" nodeType="clickEffect">
+                                  <p:stCondLst>
+                                    <p:cond delay="0"/>
+                                  </p:stCondLst>
+                                  <p:childTnLst>
+                                    <p:set>
+                                      <p:cBhvr>
+                                        <p:cTn id="37" dur="1" fill="hold">
+                                          <p:stCondLst>
+                                            <p:cond delay="0"/>
+                                          </p:stCondLst>
+                                        </p:cTn>
+                                        <p:tgtEl>
+                                          <p:spTgt spid="3">
+                                            <p:txEl>
+                                              <p:pRg st="4" end="4"/>
+                                            </p:txEl>
+                                          </p:spTgt>
+                                        </p:tgtEl>
+                                        <p:attrNameLst>
+                                          <p:attrName>style.visibility</p:attrName>
+                                        </p:attrNameLst>
+                                      </p:cBhvr>
+                                      <p:to>
+                                        <p:strVal val="visible"/>
+                                      </p:to>
+                                    </p:set>
+                                    <p:animEffect transition="in" filter="fade">
+                                      <p:cBhvr>
+                                        <p:cTn id="38" dur="500"/>
+                                        <p:tgtEl>
+                                          <p:spTgt spid="3">
+                                            <p:txEl>
+                                              <p:pRg st="4" end="4"/>
+                                            </p:txEl>
+                                          </p:spTgt>
+                                        </p:tgtEl>
+                                      </p:cBhvr>
+                                    </p:animEffect>
+                                  </p:childTnLst>
+                                </p:cTn>
+                              </p:par>
+                              <p:par>
+                                <p:cTn id="39" presetID="10" presetClass="entr" presetSubtype="0" fill="hold" nodeType="withEffect">
+                                  <p:stCondLst>
+                                    <p:cond delay="0"/>
+                                  </p:stCondLst>
+                                  <p:childTnLst>
+                                    <p:set>
+                                      <p:cBhvr>
+                                        <p:cTn id="40" dur="1" fill="hold">
+                                          <p:stCondLst>
+                                            <p:cond delay="0"/>
+                                          </p:stCondLst>
+                                        </p:cTn>
+                                        <p:tgtEl>
+                                          <p:spTgt spid="3">
+                                            <p:txEl>
+                                              <p:pRg st="5" end="5"/>
+                                            </p:txEl>
+                                          </p:spTgt>
+                                        </p:tgtEl>
+                                        <p:attrNameLst>
+                                          <p:attrName>style.visibility</p:attrName>
+                                        </p:attrNameLst>
+                                      </p:cBhvr>
+                                      <p:to>
+                                        <p:strVal val="visible"/>
+                                      </p:to>
+                                    </p:set>
+                                    <p:animEffect transition="in" filter="fade">
+                                      <p:cBhvr>
+                                        <p:cTn id="41" dur="500"/>
+                                        <p:tgtEl>
+                                          <p:spTgt spid="3">
+                                            <p:txEl>
+                                              <p:pRg st="5" end="5"/>
+                                            </p:txEl>
+                                          </p:spTgt>
+                                        </p:tgtEl>
+                                      </p:cBhvr>
+                                    </p:animEffect>
+                                  </p:childTnLst>
+                                </p:cTn>
+                              </p:par>
+                            </p:childTnLst>
+                          </p:cTn>
+                        </p:par>
+                      </p:childTnLst>
+                    </p:cTn>
+                  </p:par>
+                </p:childTnLst>
+              </p:cTn>
+              <p:prevCondLst>
+                <p:cond evt="onPrev" delay="0">
+                  <p:tgtEl>
+                    <p:sldTgt/>
+                  </p:tgtEl>
+                </p:cond>
+              </p:prevCondLst>
+              <p:nextCondLst>
+                <p:cond evt="onNext" delay="0">
+                  <p:tgtEl>
+                    <p:sldTgt/>
+                  </p:tgtEl>
+                </p:cond>
+              </p:nextCondLst>
+            </p:seq>
+          </p:childTnLst>
+        </p:cTn>
+      </p:par>
+    </p:tnLst>
+    <p:bldLst>
+      <p:bldP spid="24" grpId="0" animBg="1"/>
+      <p:bldP spid="34" grpId="0"/>
+      <p:bldP spid="39" grpId="0"/>
+    </p:bldLst>
+  </p:timing>
 </p:sld>
 </file>
 

--- a/2022-10-15 Authorization-In-Distributed-Systems/Authorization-In-Distributed-Systems-DotnetConf2022.pptx
+++ b/2022-10-15 Authorization-In-Distributed-Systems/Authorization-In-Distributed-Systems-DotnetConf2022.pptx
@@ -283,7 +283,7 @@
           <a:p>
             <a:fld id="{2A14C9FE-EBC3-45D3-899C-58AAF4F8AF71}" type="datetimeFigureOut">
               <a:rPr lang="en-US" smtClean="0"/>
-              <a:t>02-Nov-22</a:t>
+              <a:t>03-Nov-22</a:t>
             </a:fld>
             <a:endParaRPr lang="en-US"/>
           </a:p>
@@ -481,7 +481,7 @@
           <a:p>
             <a:fld id="{2A14C9FE-EBC3-45D3-899C-58AAF4F8AF71}" type="datetimeFigureOut">
               <a:rPr lang="en-US" smtClean="0"/>
-              <a:t>02-Nov-22</a:t>
+              <a:t>03-Nov-22</a:t>
             </a:fld>
             <a:endParaRPr lang="en-US"/>
           </a:p>
@@ -689,7 +689,7 @@
           <a:p>
             <a:fld id="{2A14C9FE-EBC3-45D3-899C-58AAF4F8AF71}" type="datetimeFigureOut">
               <a:rPr lang="en-US" smtClean="0"/>
-              <a:t>02-Nov-22</a:t>
+              <a:t>03-Nov-22</a:t>
             </a:fld>
             <a:endParaRPr lang="en-US"/>
           </a:p>
@@ -887,7 +887,7 @@
           <a:p>
             <a:fld id="{2A14C9FE-EBC3-45D3-899C-58AAF4F8AF71}" type="datetimeFigureOut">
               <a:rPr lang="en-US" smtClean="0"/>
-              <a:t>02-Nov-22</a:t>
+              <a:t>03-Nov-22</a:t>
             </a:fld>
             <a:endParaRPr lang="en-US"/>
           </a:p>
@@ -1162,7 +1162,7 @@
           <a:p>
             <a:fld id="{2A14C9FE-EBC3-45D3-899C-58AAF4F8AF71}" type="datetimeFigureOut">
               <a:rPr lang="en-US" smtClean="0"/>
-              <a:t>02-Nov-22</a:t>
+              <a:t>03-Nov-22</a:t>
             </a:fld>
             <a:endParaRPr lang="en-US"/>
           </a:p>
@@ -1427,7 +1427,7 @@
           <a:p>
             <a:fld id="{2A14C9FE-EBC3-45D3-899C-58AAF4F8AF71}" type="datetimeFigureOut">
               <a:rPr lang="en-US" smtClean="0"/>
-              <a:t>02-Nov-22</a:t>
+              <a:t>03-Nov-22</a:t>
             </a:fld>
             <a:endParaRPr lang="en-US"/>
           </a:p>
@@ -1839,7 +1839,7 @@
           <a:p>
             <a:fld id="{2A14C9FE-EBC3-45D3-899C-58AAF4F8AF71}" type="datetimeFigureOut">
               <a:rPr lang="en-US" smtClean="0"/>
-              <a:t>02-Nov-22</a:t>
+              <a:t>03-Nov-22</a:t>
             </a:fld>
             <a:endParaRPr lang="en-US"/>
           </a:p>
@@ -1980,7 +1980,7 @@
           <a:p>
             <a:fld id="{2A14C9FE-EBC3-45D3-899C-58AAF4F8AF71}" type="datetimeFigureOut">
               <a:rPr lang="en-US" smtClean="0"/>
-              <a:t>02-Nov-22</a:t>
+              <a:t>03-Nov-22</a:t>
             </a:fld>
             <a:endParaRPr lang="en-US"/>
           </a:p>
@@ -2093,7 +2093,7 @@
           <a:p>
             <a:fld id="{2A14C9FE-EBC3-45D3-899C-58AAF4F8AF71}" type="datetimeFigureOut">
               <a:rPr lang="en-US" smtClean="0"/>
-              <a:t>02-Nov-22</a:t>
+              <a:t>03-Nov-22</a:t>
             </a:fld>
             <a:endParaRPr lang="en-US"/>
           </a:p>
@@ -2404,7 +2404,7 @@
           <a:p>
             <a:fld id="{2A14C9FE-EBC3-45D3-899C-58AAF4F8AF71}" type="datetimeFigureOut">
               <a:rPr lang="en-US" smtClean="0"/>
-              <a:t>02-Nov-22</a:t>
+              <a:t>03-Nov-22</a:t>
             </a:fld>
             <a:endParaRPr lang="en-US"/>
           </a:p>
@@ -2692,7 +2692,7 @@
           <a:p>
             <a:fld id="{2A14C9FE-EBC3-45D3-899C-58AAF4F8AF71}" type="datetimeFigureOut">
               <a:rPr lang="en-US" smtClean="0"/>
-              <a:t>02-Nov-22</a:t>
+              <a:t>03-Nov-22</a:t>
             </a:fld>
             <a:endParaRPr lang="en-US"/>
           </a:p>
@@ -2933,7 +2933,7 @@
           <a:p>
             <a:fld id="{2A14C9FE-EBC3-45D3-899C-58AAF4F8AF71}" type="datetimeFigureOut">
               <a:rPr lang="en-US" smtClean="0"/>
-              <a:t>02-Nov-22</a:t>
+              <a:t>03-Nov-22</a:t>
             </a:fld>
             <a:endParaRPr lang="en-US"/>
           </a:p>
@@ -11950,10 +11950,10 @@
       </p:pic>
       <p:pic>
         <p:nvPicPr>
-          <p:cNvPr id="11" name="Picture 10" descr="Logo&#10;&#10;Description automatically generated with low confidence">
-            <a:extLst>
-              <a:ext uri="{FF2B5EF4-FFF2-40B4-BE49-F238E27FC236}">
-                <a16:creationId xmlns:a16="http://schemas.microsoft.com/office/drawing/2014/main" id="{24CAD372-B142-4EB8-EC23-BF7ACEF3233D}"/>
+          <p:cNvPr id="15" name="Picture 14" descr="Shape&#10;&#10;Description automatically generated with low confidence">
+            <a:extLst>
+              <a:ext uri="{FF2B5EF4-FFF2-40B4-BE49-F238E27FC236}">
+                <a16:creationId xmlns:a16="http://schemas.microsoft.com/office/drawing/2014/main" id="{B7BD4D82-3C27-5D80-7E8A-A7C68B2A71B0}"/>
               </a:ext>
             </a:extLst>
           </p:cNvPr>
@@ -11964,42 +11964,6 @@
         </p:nvPicPr>
         <p:blipFill>
           <a:blip r:embed="rId4">
-            <a:extLst>
-              <a:ext uri="{28A0092B-C50C-407E-A947-70E740481C1C}">
-                <a14:useLocalDpi xmlns:a14="http://schemas.microsoft.com/office/drawing/2010/main" val="0"/>
-              </a:ext>
-            </a:extLst>
-          </a:blip>
-          <a:stretch>
-            <a:fillRect/>
-          </a:stretch>
-        </p:blipFill>
-        <p:spPr>
-          <a:xfrm>
-            <a:off x="838200" y="4152677"/>
-            <a:ext cx="1669819" cy="574844"/>
-          </a:xfrm>
-          <a:prstGeom prst="rect">
-            <a:avLst/>
-          </a:prstGeom>
-        </p:spPr>
-      </p:pic>
-      <p:pic>
-        <p:nvPicPr>
-          <p:cNvPr id="15" name="Picture 14" descr="Shape&#10;&#10;Description automatically generated with low confidence">
-            <a:extLst>
-              <a:ext uri="{FF2B5EF4-FFF2-40B4-BE49-F238E27FC236}">
-                <a16:creationId xmlns:a16="http://schemas.microsoft.com/office/drawing/2014/main" id="{B7BD4D82-3C27-5D80-7E8A-A7C68B2A71B0}"/>
-              </a:ext>
-            </a:extLst>
-          </p:cNvPr>
-          <p:cNvPicPr>
-            <a:picLocks noChangeAspect="1"/>
-          </p:cNvPicPr>
-          <p:nvPr/>
-        </p:nvPicPr>
-        <p:blipFill>
-          <a:blip r:embed="rId5">
             <a:extLst>
               <a:ext uri="{28A0092B-C50C-407E-A947-70E740481C1C}">
                 <a14:useLocalDpi xmlns:a14="http://schemas.microsoft.com/office/drawing/2010/main" val="0"/>
@@ -12035,7 +11999,7 @@
           <p:nvPr/>
         </p:nvPicPr>
         <p:blipFill>
-          <a:blip r:embed="rId6">
+          <a:blip r:embed="rId5">
             <a:extLst>
               <a:ext uri="{28A0092B-C50C-407E-A947-70E740481C1C}">
                 <a14:useLocalDpi xmlns:a14="http://schemas.microsoft.com/office/drawing/2010/main" val="0"/>
@@ -12183,8 +12147,8 @@
         </p:nvSpPr>
         <p:spPr>
           <a:xfrm>
-            <a:off x="2693548" y="4255433"/>
-            <a:ext cx="6164205" cy="369332"/>
+            <a:off x="2703444" y="4239531"/>
+            <a:ext cx="6154310" cy="369332"/>
           </a:xfrm>
           <a:prstGeom prst="rect">
             <a:avLst/>
@@ -12219,7 +12183,7 @@
           <p:nvPr/>
         </p:nvPicPr>
         <p:blipFill>
-          <a:blip r:embed="rId7">
+          <a:blip r:embed="rId6">
             <a:extLst>
               <a:ext uri="{28A0092B-C50C-407E-A947-70E740481C1C}">
                 <a14:useLocalDpi xmlns:a14="http://schemas.microsoft.com/office/drawing/2010/main" val="0"/>
@@ -12290,7 +12254,7 @@
           <p:nvPr/>
         </p:nvPicPr>
         <p:blipFill>
-          <a:blip r:embed="rId8"/>
+          <a:blip r:embed="rId7"/>
           <a:stretch>
             <a:fillRect/>
           </a:stretch>
@@ -12320,7 +12284,7 @@
           <p:nvPr/>
         </p:nvPicPr>
         <p:blipFill>
-          <a:blip r:embed="rId9">
+          <a:blip r:embed="rId8">
             <a:extLst>
               <a:ext uri="{28A0092B-C50C-407E-A947-70E740481C1C}">
                 <a14:useLocalDpi xmlns:a14="http://schemas.microsoft.com/office/drawing/2010/main" val="0"/>
@@ -12376,6 +12340,42 @@
           </a:p>
         </p:txBody>
       </p:sp>
+      <p:pic>
+        <p:nvPicPr>
+          <p:cNvPr id="4" name="Picture 3" descr="Icon&#10;&#10;Description automatically generated">
+            <a:extLst>
+              <a:ext uri="{FF2B5EF4-FFF2-40B4-BE49-F238E27FC236}">
+                <a16:creationId xmlns:a16="http://schemas.microsoft.com/office/drawing/2014/main" id="{3C280ADB-3C95-58C3-78D9-D3EB3243039B}"/>
+              </a:ext>
+            </a:extLst>
+          </p:cNvPr>
+          <p:cNvPicPr>
+            <a:picLocks noChangeAspect="1"/>
+          </p:cNvPicPr>
+          <p:nvPr/>
+        </p:nvPicPr>
+        <p:blipFill>
+          <a:blip r:embed="rId9">
+            <a:extLst>
+              <a:ext uri="{28A0092B-C50C-407E-A947-70E740481C1C}">
+                <a14:useLocalDpi xmlns:a14="http://schemas.microsoft.com/office/drawing/2010/main" val="0"/>
+              </a:ext>
+            </a:extLst>
+          </a:blip>
+          <a:stretch>
+            <a:fillRect/>
+          </a:stretch>
+        </p:blipFill>
+        <p:spPr>
+          <a:xfrm>
+            <a:off x="838200" y="4188110"/>
+            <a:ext cx="1776130" cy="476410"/>
+          </a:xfrm>
+          <a:prstGeom prst="rect">
+            <a:avLst/>
+          </a:prstGeom>
+        </p:spPr>
+      </p:pic>
     </p:spTree>
     <p:extLst>
       <p:ext uri="{BB962C8B-B14F-4D97-AF65-F5344CB8AC3E}">
@@ -12705,21 +12705,39 @@
                                   </p:childTnLst>
                                 </p:cTn>
                               </p:par>
+                            </p:childTnLst>
+                          </p:cTn>
+                        </p:par>
+                      </p:childTnLst>
+                    </p:cTn>
+                  </p:par>
+                  <p:par>
+                    <p:cTn id="32" fill="hold">
+                      <p:stCondLst>
+                        <p:cond delay="indefinite"/>
+                      </p:stCondLst>
+                      <p:childTnLst>
+                        <p:par>
+                          <p:cTn id="33" fill="hold">
+                            <p:stCondLst>
+                              <p:cond delay="0"/>
+                            </p:stCondLst>
+                            <p:childTnLst>
                               <p:par>
-                                <p:cTn id="32" presetID="10" presetClass="entr" presetSubtype="0" fill="hold" nodeType="withEffect">
+                                <p:cTn id="34" presetID="10" presetClass="entr" presetSubtype="0" fill="hold" grpId="0" nodeType="clickEffect">
                                   <p:stCondLst>
                                     <p:cond delay="0"/>
                                   </p:stCondLst>
                                   <p:childTnLst>
                                     <p:set>
                                       <p:cBhvr>
-                                        <p:cTn id="33" dur="1" fill="hold">
+                                        <p:cTn id="35" dur="1" fill="hold">
                                           <p:stCondLst>
                                             <p:cond delay="0"/>
                                           </p:stCondLst>
                                         </p:cTn>
                                         <p:tgtEl>
-                                          <p:spTgt spid="11"/>
+                                          <p:spTgt spid="28"/>
                                         </p:tgtEl>
                                         <p:attrNameLst>
                                           <p:attrName>style.visibility</p:attrName>
@@ -12731,9 +12749,44 @@
                                     </p:set>
                                     <p:animEffect transition="in" filter="fade">
                                       <p:cBhvr>
-                                        <p:cTn id="34" dur="500"/>
-                                        <p:tgtEl>
-                                          <p:spTgt spid="11"/>
+                                        <p:cTn id="36" dur="500"/>
+                                        <p:tgtEl>
+                                          <p:spTgt spid="28"/>
+                                        </p:tgtEl>
+                                      </p:cBhvr>
+                                    </p:animEffect>
+                                  </p:childTnLst>
+                                </p:cTn>
+                              </p:par>
+                              <p:par>
+                                <p:cTn id="37" presetID="10" presetClass="entr" presetSubtype="0" fill="hold" nodeType="withEffect">
+                                  <p:stCondLst>
+                                    <p:cond delay="0"/>
+                                  </p:stCondLst>
+                                  <p:childTnLst>
+                                    <p:set>
+                                      <p:cBhvr>
+                                        <p:cTn id="38" dur="1" fill="hold">
+                                          <p:stCondLst>
+                                            <p:cond delay="0"/>
+                                          </p:stCondLst>
+                                        </p:cTn>
+                                        <p:tgtEl>
+                                          <p:spTgt spid="27"/>
+                                        </p:tgtEl>
+                                        <p:attrNameLst>
+                                          <p:attrName>style.visibility</p:attrName>
+                                        </p:attrNameLst>
+                                      </p:cBhvr>
+                                      <p:to>
+                                        <p:strVal val="visible"/>
+                                      </p:to>
+                                    </p:set>
+                                    <p:animEffect transition="in" filter="fade">
+                                      <p:cBhvr>
+                                        <p:cTn id="39" dur="500"/>
+                                        <p:tgtEl>
+                                          <p:spTgt spid="27"/>
                                         </p:tgtEl>
                                       </p:cBhvr>
                                     </p:animEffect>
@@ -12747,32 +12800,32 @@
                     </p:cTn>
                   </p:par>
                   <p:par>
-                    <p:cTn id="35" fill="hold">
+                    <p:cTn id="40" fill="hold">
                       <p:stCondLst>
                         <p:cond delay="indefinite"/>
                       </p:stCondLst>
                       <p:childTnLst>
                         <p:par>
-                          <p:cTn id="36" fill="hold">
+                          <p:cTn id="41" fill="hold">
                             <p:stCondLst>
                               <p:cond delay="0"/>
                             </p:stCondLst>
                             <p:childTnLst>
                               <p:par>
-                                <p:cTn id="37" presetID="10" presetClass="entr" presetSubtype="0" fill="hold" grpId="0" nodeType="clickEffect">
+                                <p:cTn id="42" presetID="10" presetClass="entr" presetSubtype="0" fill="hold" grpId="0" nodeType="clickEffect">
                                   <p:stCondLst>
                                     <p:cond delay="0"/>
                                   </p:stCondLst>
                                   <p:childTnLst>
                                     <p:set>
                                       <p:cBhvr>
-                                        <p:cTn id="38" dur="1" fill="hold">
+                                        <p:cTn id="43" dur="1" fill="hold">
                                           <p:stCondLst>
                                             <p:cond delay="0"/>
                                           </p:stCondLst>
                                         </p:cTn>
                                         <p:tgtEl>
-                                          <p:spTgt spid="28"/>
+                                          <p:spTgt spid="35"/>
                                         </p:tgtEl>
                                         <p:attrNameLst>
                                           <p:attrName>style.visibility</p:attrName>
@@ -12784,9 +12837,9 @@
                                     </p:set>
                                     <p:animEffect transition="in" filter="fade">
                                       <p:cBhvr>
-                                        <p:cTn id="39" dur="500"/>
-                                        <p:tgtEl>
-                                          <p:spTgt spid="28"/>
+                                        <p:cTn id="44" dur="500"/>
+                                        <p:tgtEl>
+                                          <p:spTgt spid="35"/>
                                         </p:tgtEl>
                                       </p:cBhvr>
                                     </p:animEffect>
@@ -12794,20 +12847,20 @@
                                 </p:cTn>
                               </p:par>
                               <p:par>
-                                <p:cTn id="40" presetID="10" presetClass="entr" presetSubtype="0" fill="hold" nodeType="withEffect">
+                                <p:cTn id="45" presetID="10" presetClass="entr" presetSubtype="0" fill="hold" nodeType="withEffect">
                                   <p:stCondLst>
                                     <p:cond delay="0"/>
                                   </p:stCondLst>
                                   <p:childTnLst>
                                     <p:set>
                                       <p:cBhvr>
-                                        <p:cTn id="41" dur="1" fill="hold">
+                                        <p:cTn id="46" dur="1" fill="hold">
                                           <p:stCondLst>
                                             <p:cond delay="0"/>
                                           </p:stCondLst>
                                         </p:cTn>
                                         <p:tgtEl>
-                                          <p:spTgt spid="27"/>
+                                          <p:spTgt spid="34"/>
                                         </p:tgtEl>
                                         <p:attrNameLst>
                                           <p:attrName>style.visibility</p:attrName>
@@ -12819,62 +12872,9 @@
                                     </p:set>
                                     <p:animEffect transition="in" filter="fade">
                                       <p:cBhvr>
-                                        <p:cTn id="42" dur="500"/>
-                                        <p:tgtEl>
-                                          <p:spTgt spid="27"/>
-                                        </p:tgtEl>
-                                      </p:cBhvr>
-                                    </p:animEffect>
-                                  </p:childTnLst>
-                                </p:cTn>
-                              </p:par>
-                            </p:childTnLst>
-                          </p:cTn>
-                        </p:par>
-                      </p:childTnLst>
-                    </p:cTn>
-                  </p:par>
-                  <p:par>
-                    <p:cTn id="43" fill="hold">
-                      <p:stCondLst>
-                        <p:cond delay="indefinite"/>
-                      </p:stCondLst>
-                      <p:childTnLst>
-                        <p:par>
-                          <p:cTn id="44" fill="hold">
-                            <p:stCondLst>
-                              <p:cond delay="0"/>
-                            </p:stCondLst>
-                            <p:childTnLst>
-                              <p:par>
-                                <p:cTn id="45" presetID="10" presetClass="entr" presetSubtype="0" fill="hold" grpId="0" nodeType="clickEffect">
-                                  <p:stCondLst>
-                                    <p:cond delay="0"/>
-                                  </p:stCondLst>
-                                  <p:childTnLst>
-                                    <p:set>
-                                      <p:cBhvr>
-                                        <p:cTn id="46" dur="1" fill="hold">
-                                          <p:stCondLst>
-                                            <p:cond delay="0"/>
-                                          </p:stCondLst>
-                                        </p:cTn>
-                                        <p:tgtEl>
-                                          <p:spTgt spid="35"/>
-                                        </p:tgtEl>
-                                        <p:attrNameLst>
-                                          <p:attrName>style.visibility</p:attrName>
-                                        </p:attrNameLst>
-                                      </p:cBhvr>
-                                      <p:to>
-                                        <p:strVal val="visible"/>
-                                      </p:to>
-                                    </p:set>
-                                    <p:animEffect transition="in" filter="fade">
-                                      <p:cBhvr>
                                         <p:cTn id="47" dur="500"/>
                                         <p:tgtEl>
-                                          <p:spTgt spid="35"/>
+                                          <p:spTgt spid="34"/>
                                         </p:tgtEl>
                                       </p:cBhvr>
                                     </p:animEffect>
@@ -12895,7 +12895,7 @@
                                           </p:stCondLst>
                                         </p:cTn>
                                         <p:tgtEl>
-                                          <p:spTgt spid="34"/>
+                                          <p:spTgt spid="30"/>
                                         </p:tgtEl>
                                         <p:attrNameLst>
                                           <p:attrName>style.visibility</p:attrName>
@@ -12908,41 +12908,6 @@
                                     <p:animEffect transition="in" filter="fade">
                                       <p:cBhvr>
                                         <p:cTn id="50" dur="500"/>
-                                        <p:tgtEl>
-                                          <p:spTgt spid="34"/>
-                                        </p:tgtEl>
-                                      </p:cBhvr>
-                                    </p:animEffect>
-                                  </p:childTnLst>
-                                </p:cTn>
-                              </p:par>
-                              <p:par>
-                                <p:cTn id="51" presetID="10" presetClass="entr" presetSubtype="0" fill="hold" nodeType="withEffect">
-                                  <p:stCondLst>
-                                    <p:cond delay="0"/>
-                                  </p:stCondLst>
-                                  <p:childTnLst>
-                                    <p:set>
-                                      <p:cBhvr>
-                                        <p:cTn id="52" dur="1" fill="hold">
-                                          <p:stCondLst>
-                                            <p:cond delay="0"/>
-                                          </p:stCondLst>
-                                        </p:cTn>
-                                        <p:tgtEl>
-                                          <p:spTgt spid="30"/>
-                                        </p:tgtEl>
-                                        <p:attrNameLst>
-                                          <p:attrName>style.visibility</p:attrName>
-                                        </p:attrNameLst>
-                                      </p:cBhvr>
-                                      <p:to>
-                                        <p:strVal val="visible"/>
-                                      </p:to>
-                                    </p:set>
-                                    <p:animEffect transition="in" filter="fade">
-                                      <p:cBhvr>
-                                        <p:cTn id="53" dur="500"/>
                                         <p:tgtEl>
                                           <p:spTgt spid="30"/>
                                         </p:tgtEl>

--- a/2022-10-15 Authorization-In-Distributed-Systems/Authorization-In-Distributed-Systems-DotnetConf2022.pptx
+++ b/2022-10-15 Authorization-In-Distributed-Systems/Authorization-In-Distributed-Systems-DotnetConf2022.pptx
@@ -283,7 +283,7 @@
           <a:p>
             <a:fld id="{2A14C9FE-EBC3-45D3-899C-58AAF4F8AF71}" type="datetimeFigureOut">
               <a:rPr lang="en-US" smtClean="0"/>
-              <a:t>03-Nov-22</a:t>
+              <a:t>07-Nov-22</a:t>
             </a:fld>
             <a:endParaRPr lang="en-US"/>
           </a:p>
@@ -481,7 +481,7 @@
           <a:p>
             <a:fld id="{2A14C9FE-EBC3-45D3-899C-58AAF4F8AF71}" type="datetimeFigureOut">
               <a:rPr lang="en-US" smtClean="0"/>
-              <a:t>03-Nov-22</a:t>
+              <a:t>07-Nov-22</a:t>
             </a:fld>
             <a:endParaRPr lang="en-US"/>
           </a:p>
@@ -689,7 +689,7 @@
           <a:p>
             <a:fld id="{2A14C9FE-EBC3-45D3-899C-58AAF4F8AF71}" type="datetimeFigureOut">
               <a:rPr lang="en-US" smtClean="0"/>
-              <a:t>03-Nov-22</a:t>
+              <a:t>07-Nov-22</a:t>
             </a:fld>
             <a:endParaRPr lang="en-US"/>
           </a:p>
@@ -887,7 +887,7 @@
           <a:p>
             <a:fld id="{2A14C9FE-EBC3-45D3-899C-58AAF4F8AF71}" type="datetimeFigureOut">
               <a:rPr lang="en-US" smtClean="0"/>
-              <a:t>03-Nov-22</a:t>
+              <a:t>07-Nov-22</a:t>
             </a:fld>
             <a:endParaRPr lang="en-US"/>
           </a:p>
@@ -1162,7 +1162,7 @@
           <a:p>
             <a:fld id="{2A14C9FE-EBC3-45D3-899C-58AAF4F8AF71}" type="datetimeFigureOut">
               <a:rPr lang="en-US" smtClean="0"/>
-              <a:t>03-Nov-22</a:t>
+              <a:t>07-Nov-22</a:t>
             </a:fld>
             <a:endParaRPr lang="en-US"/>
           </a:p>
@@ -1427,7 +1427,7 @@
           <a:p>
             <a:fld id="{2A14C9FE-EBC3-45D3-899C-58AAF4F8AF71}" type="datetimeFigureOut">
               <a:rPr lang="en-US" smtClean="0"/>
-              <a:t>03-Nov-22</a:t>
+              <a:t>07-Nov-22</a:t>
             </a:fld>
             <a:endParaRPr lang="en-US"/>
           </a:p>
@@ -1839,7 +1839,7 @@
           <a:p>
             <a:fld id="{2A14C9FE-EBC3-45D3-899C-58AAF4F8AF71}" type="datetimeFigureOut">
               <a:rPr lang="en-US" smtClean="0"/>
-              <a:t>03-Nov-22</a:t>
+              <a:t>07-Nov-22</a:t>
             </a:fld>
             <a:endParaRPr lang="en-US"/>
           </a:p>
@@ -1980,7 +1980,7 @@
           <a:p>
             <a:fld id="{2A14C9FE-EBC3-45D3-899C-58AAF4F8AF71}" type="datetimeFigureOut">
               <a:rPr lang="en-US" smtClean="0"/>
-              <a:t>03-Nov-22</a:t>
+              <a:t>07-Nov-22</a:t>
             </a:fld>
             <a:endParaRPr lang="en-US"/>
           </a:p>
@@ -2093,7 +2093,7 @@
           <a:p>
             <a:fld id="{2A14C9FE-EBC3-45D3-899C-58AAF4F8AF71}" type="datetimeFigureOut">
               <a:rPr lang="en-US" smtClean="0"/>
-              <a:t>03-Nov-22</a:t>
+              <a:t>07-Nov-22</a:t>
             </a:fld>
             <a:endParaRPr lang="en-US"/>
           </a:p>
@@ -2404,7 +2404,7 @@
           <a:p>
             <a:fld id="{2A14C9FE-EBC3-45D3-899C-58AAF4F8AF71}" type="datetimeFigureOut">
               <a:rPr lang="en-US" smtClean="0"/>
-              <a:t>03-Nov-22</a:t>
+              <a:t>07-Nov-22</a:t>
             </a:fld>
             <a:endParaRPr lang="en-US"/>
           </a:p>
@@ -2692,7 +2692,7 @@
           <a:p>
             <a:fld id="{2A14C9FE-EBC3-45D3-899C-58AAF4F8AF71}" type="datetimeFigureOut">
               <a:rPr lang="en-US" smtClean="0"/>
-              <a:t>03-Nov-22</a:t>
+              <a:t>07-Nov-22</a:t>
             </a:fld>
             <a:endParaRPr lang="en-US"/>
           </a:p>
@@ -2933,7 +2933,7 @@
           <a:p>
             <a:fld id="{2A14C9FE-EBC3-45D3-899C-58AAF4F8AF71}" type="datetimeFigureOut">
               <a:rPr lang="en-US" smtClean="0"/>
-              <a:t>03-Nov-22</a:t>
+              <a:t>07-Nov-22</a:t>
             </a:fld>
             <a:endParaRPr lang="en-US"/>
           </a:p>
@@ -12671,7 +12671,7 @@
                             </p:stCondLst>
                             <p:childTnLst>
                               <p:par>
-                                <p:cTn id="29" presetID="10" presetClass="entr" presetSubtype="0" fill="hold" grpId="0" nodeType="clickEffect">
+                                <p:cTn id="29" presetID="10" presetClass="entr" presetSubtype="0" fill="hold" nodeType="clickEffect">
                                   <p:stCondLst>
                                     <p:cond delay="0"/>
                                   </p:stCondLst>
@@ -12684,7 +12684,7 @@
                                           </p:stCondLst>
                                         </p:cTn>
                                         <p:tgtEl>
-                                          <p:spTgt spid="21"/>
+                                          <p:spTgt spid="4"/>
                                         </p:tgtEl>
                                         <p:attrNameLst>
                                           <p:attrName>style.visibility</p:attrName>
@@ -12697,6 +12697,41 @@
                                     <p:animEffect transition="in" filter="fade">
                                       <p:cBhvr>
                                         <p:cTn id="31" dur="500"/>
+                                        <p:tgtEl>
+                                          <p:spTgt spid="4"/>
+                                        </p:tgtEl>
+                                      </p:cBhvr>
+                                    </p:animEffect>
+                                  </p:childTnLst>
+                                </p:cTn>
+                              </p:par>
+                              <p:par>
+                                <p:cTn id="32" presetID="10" presetClass="entr" presetSubtype="0" fill="hold" grpId="0" nodeType="withEffect">
+                                  <p:stCondLst>
+                                    <p:cond delay="0"/>
+                                  </p:stCondLst>
+                                  <p:childTnLst>
+                                    <p:set>
+                                      <p:cBhvr>
+                                        <p:cTn id="33" dur="1" fill="hold">
+                                          <p:stCondLst>
+                                            <p:cond delay="0"/>
+                                          </p:stCondLst>
+                                        </p:cTn>
+                                        <p:tgtEl>
+                                          <p:spTgt spid="21"/>
+                                        </p:tgtEl>
+                                        <p:attrNameLst>
+                                          <p:attrName>style.visibility</p:attrName>
+                                        </p:attrNameLst>
+                                      </p:cBhvr>
+                                      <p:to>
+                                        <p:strVal val="visible"/>
+                                      </p:to>
+                                    </p:set>
+                                    <p:animEffect transition="in" filter="fade">
+                                      <p:cBhvr>
+                                        <p:cTn id="34" dur="500"/>
                                         <p:tgtEl>
                                           <p:spTgt spid="21"/>
                                         </p:tgtEl>
@@ -12712,26 +12747,26 @@
                     </p:cTn>
                   </p:par>
                   <p:par>
-                    <p:cTn id="32" fill="hold">
+                    <p:cTn id="35" fill="hold">
                       <p:stCondLst>
                         <p:cond delay="indefinite"/>
                       </p:stCondLst>
                       <p:childTnLst>
                         <p:par>
-                          <p:cTn id="33" fill="hold">
+                          <p:cTn id="36" fill="hold">
                             <p:stCondLst>
                               <p:cond delay="0"/>
                             </p:stCondLst>
                             <p:childTnLst>
                               <p:par>
-                                <p:cTn id="34" presetID="10" presetClass="entr" presetSubtype="0" fill="hold" grpId="0" nodeType="clickEffect">
+                                <p:cTn id="37" presetID="10" presetClass="entr" presetSubtype="0" fill="hold" grpId="0" nodeType="clickEffect">
                                   <p:stCondLst>
                                     <p:cond delay="0"/>
                                   </p:stCondLst>
                                   <p:childTnLst>
                                     <p:set>
                                       <p:cBhvr>
-                                        <p:cTn id="35" dur="1" fill="hold">
+                                        <p:cTn id="38" dur="1" fill="hold">
                                           <p:stCondLst>
                                             <p:cond delay="0"/>
                                           </p:stCondLst>
@@ -12749,7 +12784,7 @@
                                     </p:set>
                                     <p:animEffect transition="in" filter="fade">
                                       <p:cBhvr>
-                                        <p:cTn id="36" dur="500"/>
+                                        <p:cTn id="39" dur="500"/>
                                         <p:tgtEl>
                                           <p:spTgt spid="28"/>
                                         </p:tgtEl>
@@ -12759,14 +12794,14 @@
                                 </p:cTn>
                               </p:par>
                               <p:par>
-                                <p:cTn id="37" presetID="10" presetClass="entr" presetSubtype="0" fill="hold" nodeType="withEffect">
+                                <p:cTn id="40" presetID="10" presetClass="entr" presetSubtype="0" fill="hold" nodeType="withEffect">
                                   <p:stCondLst>
                                     <p:cond delay="0"/>
                                   </p:stCondLst>
                                   <p:childTnLst>
                                     <p:set>
                                       <p:cBhvr>
-                                        <p:cTn id="38" dur="1" fill="hold">
+                                        <p:cTn id="41" dur="1" fill="hold">
                                           <p:stCondLst>
                                             <p:cond delay="0"/>
                                           </p:stCondLst>
@@ -12784,7 +12819,7 @@
                                     </p:set>
                                     <p:animEffect transition="in" filter="fade">
                                       <p:cBhvr>
-                                        <p:cTn id="39" dur="500"/>
+                                        <p:cTn id="42" dur="500"/>
                                         <p:tgtEl>
                                           <p:spTgt spid="27"/>
                                         </p:tgtEl>
@@ -12800,26 +12835,26 @@
                     </p:cTn>
                   </p:par>
                   <p:par>
-                    <p:cTn id="40" fill="hold">
+                    <p:cTn id="43" fill="hold">
                       <p:stCondLst>
                         <p:cond delay="indefinite"/>
                       </p:stCondLst>
                       <p:childTnLst>
                         <p:par>
-                          <p:cTn id="41" fill="hold">
+                          <p:cTn id="44" fill="hold">
                             <p:stCondLst>
                               <p:cond delay="0"/>
                             </p:stCondLst>
                             <p:childTnLst>
                               <p:par>
-                                <p:cTn id="42" presetID="10" presetClass="entr" presetSubtype="0" fill="hold" grpId="0" nodeType="clickEffect">
+                                <p:cTn id="45" presetID="10" presetClass="entr" presetSubtype="0" fill="hold" grpId="0" nodeType="clickEffect">
                                   <p:stCondLst>
                                     <p:cond delay="0"/>
                                   </p:stCondLst>
                                   <p:childTnLst>
                                     <p:set>
                                       <p:cBhvr>
-                                        <p:cTn id="43" dur="1" fill="hold">
+                                        <p:cTn id="46" dur="1" fill="hold">
                                           <p:stCondLst>
                                             <p:cond delay="0"/>
                                           </p:stCondLst>
@@ -12837,44 +12872,9 @@
                                     </p:set>
                                     <p:animEffect transition="in" filter="fade">
                                       <p:cBhvr>
-                                        <p:cTn id="44" dur="500"/>
+                                        <p:cTn id="47" dur="500"/>
                                         <p:tgtEl>
                                           <p:spTgt spid="35"/>
-                                        </p:tgtEl>
-                                      </p:cBhvr>
-                                    </p:animEffect>
-                                  </p:childTnLst>
-                                </p:cTn>
-                              </p:par>
-                              <p:par>
-                                <p:cTn id="45" presetID="10" presetClass="entr" presetSubtype="0" fill="hold" nodeType="withEffect">
-                                  <p:stCondLst>
-                                    <p:cond delay="0"/>
-                                  </p:stCondLst>
-                                  <p:childTnLst>
-                                    <p:set>
-                                      <p:cBhvr>
-                                        <p:cTn id="46" dur="1" fill="hold">
-                                          <p:stCondLst>
-                                            <p:cond delay="0"/>
-                                          </p:stCondLst>
-                                        </p:cTn>
-                                        <p:tgtEl>
-                                          <p:spTgt spid="34"/>
-                                        </p:tgtEl>
-                                        <p:attrNameLst>
-                                          <p:attrName>style.visibility</p:attrName>
-                                        </p:attrNameLst>
-                                      </p:cBhvr>
-                                      <p:to>
-                                        <p:strVal val="visible"/>
-                                      </p:to>
-                                    </p:set>
-                                    <p:animEffect transition="in" filter="fade">
-                                      <p:cBhvr>
-                                        <p:cTn id="47" dur="500"/>
-                                        <p:tgtEl>
-                                          <p:spTgt spid="34"/>
                                         </p:tgtEl>
                                       </p:cBhvr>
                                     </p:animEffect>
@@ -12895,7 +12895,7 @@
                                           </p:stCondLst>
                                         </p:cTn>
                                         <p:tgtEl>
-                                          <p:spTgt spid="30"/>
+                                          <p:spTgt spid="34"/>
                                         </p:tgtEl>
                                         <p:attrNameLst>
                                           <p:attrName>style.visibility</p:attrName>
@@ -12908,6 +12908,41 @@
                                     <p:animEffect transition="in" filter="fade">
                                       <p:cBhvr>
                                         <p:cTn id="50" dur="500"/>
+                                        <p:tgtEl>
+                                          <p:spTgt spid="34"/>
+                                        </p:tgtEl>
+                                      </p:cBhvr>
+                                    </p:animEffect>
+                                  </p:childTnLst>
+                                </p:cTn>
+                              </p:par>
+                              <p:par>
+                                <p:cTn id="51" presetID="10" presetClass="entr" presetSubtype="0" fill="hold" nodeType="withEffect">
+                                  <p:stCondLst>
+                                    <p:cond delay="0"/>
+                                  </p:stCondLst>
+                                  <p:childTnLst>
+                                    <p:set>
+                                      <p:cBhvr>
+                                        <p:cTn id="52" dur="1" fill="hold">
+                                          <p:stCondLst>
+                                            <p:cond delay="0"/>
+                                          </p:stCondLst>
+                                        </p:cTn>
+                                        <p:tgtEl>
+                                          <p:spTgt spid="30"/>
+                                        </p:tgtEl>
+                                        <p:attrNameLst>
+                                          <p:attrName>style.visibility</p:attrName>
+                                        </p:attrNameLst>
+                                      </p:cBhvr>
+                                      <p:to>
+                                        <p:strVal val="visible"/>
+                                      </p:to>
+                                    </p:set>
+                                    <p:animEffect transition="in" filter="fade">
+                                      <p:cBhvr>
+                                        <p:cTn id="53" dur="500"/>
                                         <p:tgtEl>
                                           <p:spTgt spid="30"/>
                                         </p:tgtEl>
@@ -13834,6 +13869,341 @@
   <p:clrMapOvr>
     <a:masterClrMapping/>
   </p:clrMapOvr>
+  <p:timing>
+    <p:tnLst>
+      <p:par>
+        <p:cTn id="1" dur="indefinite" restart="never" nodeType="tmRoot">
+          <p:childTnLst>
+            <p:seq concurrent="1" nextAc="seek">
+              <p:cTn id="2" dur="indefinite" nodeType="mainSeq">
+                <p:childTnLst>
+                  <p:par>
+                    <p:cTn id="3" fill="hold">
+                      <p:stCondLst>
+                        <p:cond delay="indefinite"/>
+                      </p:stCondLst>
+                      <p:childTnLst>
+                        <p:par>
+                          <p:cTn id="4" fill="hold">
+                            <p:stCondLst>
+                              <p:cond delay="0"/>
+                            </p:stCondLst>
+                            <p:childTnLst>
+                              <p:par>
+                                <p:cTn id="5" presetID="10" presetClass="entr" presetSubtype="0" fill="hold" nodeType="clickEffect">
+                                  <p:stCondLst>
+                                    <p:cond delay="0"/>
+                                  </p:stCondLst>
+                                  <p:childTnLst>
+                                    <p:set>
+                                      <p:cBhvr>
+                                        <p:cTn id="6" dur="1" fill="hold">
+                                          <p:stCondLst>
+                                            <p:cond delay="0"/>
+                                          </p:stCondLst>
+                                        </p:cTn>
+                                        <p:tgtEl>
+                                          <p:spTgt spid="3">
+                                            <p:txEl>
+                                              <p:pRg st="0" end="0"/>
+                                            </p:txEl>
+                                          </p:spTgt>
+                                        </p:tgtEl>
+                                        <p:attrNameLst>
+                                          <p:attrName>style.visibility</p:attrName>
+                                        </p:attrNameLst>
+                                      </p:cBhvr>
+                                      <p:to>
+                                        <p:strVal val="visible"/>
+                                      </p:to>
+                                    </p:set>
+                                    <p:animEffect transition="in" filter="fade">
+                                      <p:cBhvr>
+                                        <p:cTn id="7" dur="500"/>
+                                        <p:tgtEl>
+                                          <p:spTgt spid="3">
+                                            <p:txEl>
+                                              <p:pRg st="0" end="0"/>
+                                            </p:txEl>
+                                          </p:spTgt>
+                                        </p:tgtEl>
+                                      </p:cBhvr>
+                                    </p:animEffect>
+                                  </p:childTnLst>
+                                </p:cTn>
+                              </p:par>
+                            </p:childTnLst>
+                          </p:cTn>
+                        </p:par>
+                      </p:childTnLst>
+                    </p:cTn>
+                  </p:par>
+                  <p:par>
+                    <p:cTn id="8" fill="hold">
+                      <p:stCondLst>
+                        <p:cond delay="indefinite"/>
+                      </p:stCondLst>
+                      <p:childTnLst>
+                        <p:par>
+                          <p:cTn id="9" fill="hold">
+                            <p:stCondLst>
+                              <p:cond delay="0"/>
+                            </p:stCondLst>
+                            <p:childTnLst>
+                              <p:par>
+                                <p:cTn id="10" presetID="10" presetClass="entr" presetSubtype="0" fill="hold" nodeType="clickEffect">
+                                  <p:stCondLst>
+                                    <p:cond delay="0"/>
+                                  </p:stCondLst>
+                                  <p:childTnLst>
+                                    <p:set>
+                                      <p:cBhvr>
+                                        <p:cTn id="11" dur="1" fill="hold">
+                                          <p:stCondLst>
+                                            <p:cond delay="0"/>
+                                          </p:stCondLst>
+                                        </p:cTn>
+                                        <p:tgtEl>
+                                          <p:spTgt spid="3">
+                                            <p:txEl>
+                                              <p:pRg st="1" end="1"/>
+                                            </p:txEl>
+                                          </p:spTgt>
+                                        </p:tgtEl>
+                                        <p:attrNameLst>
+                                          <p:attrName>style.visibility</p:attrName>
+                                        </p:attrNameLst>
+                                      </p:cBhvr>
+                                      <p:to>
+                                        <p:strVal val="visible"/>
+                                      </p:to>
+                                    </p:set>
+                                    <p:animEffect transition="in" filter="fade">
+                                      <p:cBhvr>
+                                        <p:cTn id="12" dur="500"/>
+                                        <p:tgtEl>
+                                          <p:spTgt spid="3">
+                                            <p:txEl>
+                                              <p:pRg st="1" end="1"/>
+                                            </p:txEl>
+                                          </p:spTgt>
+                                        </p:tgtEl>
+                                      </p:cBhvr>
+                                    </p:animEffect>
+                                  </p:childTnLst>
+                                </p:cTn>
+                              </p:par>
+                            </p:childTnLst>
+                          </p:cTn>
+                        </p:par>
+                      </p:childTnLst>
+                    </p:cTn>
+                  </p:par>
+                  <p:par>
+                    <p:cTn id="13" fill="hold">
+                      <p:stCondLst>
+                        <p:cond delay="indefinite"/>
+                      </p:stCondLst>
+                      <p:childTnLst>
+                        <p:par>
+                          <p:cTn id="14" fill="hold">
+                            <p:stCondLst>
+                              <p:cond delay="0"/>
+                            </p:stCondLst>
+                            <p:childTnLst>
+                              <p:par>
+                                <p:cTn id="15" presetID="10" presetClass="entr" presetSubtype="0" fill="hold" nodeType="clickEffect">
+                                  <p:stCondLst>
+                                    <p:cond delay="0"/>
+                                  </p:stCondLst>
+                                  <p:childTnLst>
+                                    <p:set>
+                                      <p:cBhvr>
+                                        <p:cTn id="16" dur="1" fill="hold">
+                                          <p:stCondLst>
+                                            <p:cond delay="0"/>
+                                          </p:stCondLst>
+                                        </p:cTn>
+                                        <p:tgtEl>
+                                          <p:spTgt spid="3">
+                                            <p:txEl>
+                                              <p:pRg st="2" end="2"/>
+                                            </p:txEl>
+                                          </p:spTgt>
+                                        </p:tgtEl>
+                                        <p:attrNameLst>
+                                          <p:attrName>style.visibility</p:attrName>
+                                        </p:attrNameLst>
+                                      </p:cBhvr>
+                                      <p:to>
+                                        <p:strVal val="visible"/>
+                                      </p:to>
+                                    </p:set>
+                                    <p:animEffect transition="in" filter="fade">
+                                      <p:cBhvr>
+                                        <p:cTn id="17" dur="500"/>
+                                        <p:tgtEl>
+                                          <p:spTgt spid="3">
+                                            <p:txEl>
+                                              <p:pRg st="2" end="2"/>
+                                            </p:txEl>
+                                          </p:spTgt>
+                                        </p:tgtEl>
+                                      </p:cBhvr>
+                                    </p:animEffect>
+                                  </p:childTnLst>
+                                </p:cTn>
+                              </p:par>
+                            </p:childTnLst>
+                          </p:cTn>
+                        </p:par>
+                      </p:childTnLst>
+                    </p:cTn>
+                  </p:par>
+                  <p:par>
+                    <p:cTn id="18" fill="hold">
+                      <p:stCondLst>
+                        <p:cond delay="indefinite"/>
+                      </p:stCondLst>
+                      <p:childTnLst>
+                        <p:par>
+                          <p:cTn id="19" fill="hold">
+                            <p:stCondLst>
+                              <p:cond delay="0"/>
+                            </p:stCondLst>
+                            <p:childTnLst>
+                              <p:par>
+                                <p:cTn id="20" presetID="10" presetClass="entr" presetSubtype="0" fill="hold" nodeType="clickEffect">
+                                  <p:stCondLst>
+                                    <p:cond delay="0"/>
+                                  </p:stCondLst>
+                                  <p:childTnLst>
+                                    <p:set>
+                                      <p:cBhvr>
+                                        <p:cTn id="21" dur="1" fill="hold">
+                                          <p:stCondLst>
+                                            <p:cond delay="0"/>
+                                          </p:stCondLst>
+                                        </p:cTn>
+                                        <p:tgtEl>
+                                          <p:spTgt spid="3">
+                                            <p:txEl>
+                                              <p:pRg st="3" end="3"/>
+                                            </p:txEl>
+                                          </p:spTgt>
+                                        </p:tgtEl>
+                                        <p:attrNameLst>
+                                          <p:attrName>style.visibility</p:attrName>
+                                        </p:attrNameLst>
+                                      </p:cBhvr>
+                                      <p:to>
+                                        <p:strVal val="visible"/>
+                                      </p:to>
+                                    </p:set>
+                                    <p:animEffect transition="in" filter="fade">
+                                      <p:cBhvr>
+                                        <p:cTn id="22" dur="500"/>
+                                        <p:tgtEl>
+                                          <p:spTgt spid="3">
+                                            <p:txEl>
+                                              <p:pRg st="3" end="3"/>
+                                            </p:txEl>
+                                          </p:spTgt>
+                                        </p:tgtEl>
+                                      </p:cBhvr>
+                                    </p:animEffect>
+                                  </p:childTnLst>
+                                </p:cTn>
+                              </p:par>
+                            </p:childTnLst>
+                          </p:cTn>
+                        </p:par>
+                      </p:childTnLst>
+                    </p:cTn>
+                  </p:par>
+                  <p:par>
+                    <p:cTn id="23" fill="hold">
+                      <p:stCondLst>
+                        <p:cond delay="indefinite"/>
+                      </p:stCondLst>
+                      <p:childTnLst>
+                        <p:par>
+                          <p:cTn id="24" fill="hold">
+                            <p:stCondLst>
+                              <p:cond delay="0"/>
+                            </p:stCondLst>
+                            <p:childTnLst>
+                              <p:par>
+                                <p:cTn id="25" presetID="10" presetClass="entr" presetSubtype="0" fill="hold" nodeType="clickEffect">
+                                  <p:stCondLst>
+                                    <p:cond delay="0"/>
+                                  </p:stCondLst>
+                                  <p:childTnLst>
+                                    <p:set>
+                                      <p:cBhvr>
+                                        <p:cTn id="26" dur="1" fill="hold">
+                                          <p:stCondLst>
+                                            <p:cond delay="0"/>
+                                          </p:stCondLst>
+                                        </p:cTn>
+                                        <p:tgtEl>
+                                          <p:spTgt spid="3">
+                                            <p:txEl>
+                                              <p:pRg st="4" end="4"/>
+                                            </p:txEl>
+                                          </p:spTgt>
+                                        </p:tgtEl>
+                                        <p:attrNameLst>
+                                          <p:attrName>style.visibility</p:attrName>
+                                        </p:attrNameLst>
+                                      </p:cBhvr>
+                                      <p:to>
+                                        <p:strVal val="visible"/>
+                                      </p:to>
+                                    </p:set>
+                                    <p:animEffect transition="in" filter="fade">
+                                      <p:cBhvr>
+                                        <p:cTn id="27" dur="500"/>
+                                        <p:tgtEl>
+                                          <p:spTgt spid="3">
+                                            <p:txEl>
+                                              <p:pRg st="4" end="4"/>
+                                            </p:txEl>
+                                          </p:spTgt>
+                                        </p:tgtEl>
+                                      </p:cBhvr>
+                                    </p:animEffect>
+                                  </p:childTnLst>
+                                </p:cTn>
+                              </p:par>
+                            </p:childTnLst>
+                          </p:cTn>
+                        </p:par>
+                      </p:childTnLst>
+                    </p:cTn>
+                  </p:par>
+                </p:childTnLst>
+              </p:cTn>
+              <p:prevCondLst>
+                <p:cond evt="onPrev" delay="0">
+                  <p:tgtEl>
+                    <p:sldTgt/>
+                  </p:tgtEl>
+                </p:cond>
+              </p:prevCondLst>
+              <p:nextCondLst>
+                <p:cond evt="onNext" delay="0">
+                  <p:tgtEl>
+                    <p:sldTgt/>
+                  </p:tgtEl>
+                </p:cond>
+              </p:nextCondLst>
+            </p:seq>
+          </p:childTnLst>
+        </p:cTn>
+      </p:par>
+    </p:tnLst>
+  </p:timing>
 </p:sld>
 </file>
 

--- a/2022-10-15 Authorization-In-Distributed-Systems/Authorization-In-Distributed-Systems-DotnetConf2022.pptx
+++ b/2022-10-15 Authorization-In-Distributed-Systems/Authorization-In-Distributed-Systems-DotnetConf2022.pptx
@@ -283,7 +283,7 @@
           <a:p>
             <a:fld id="{2A14C9FE-EBC3-45D3-899C-58AAF4F8AF71}" type="datetimeFigureOut">
               <a:rPr lang="en-US" smtClean="0"/>
-              <a:t>07-Nov-22</a:t>
+              <a:t>09-Nov-22</a:t>
             </a:fld>
             <a:endParaRPr lang="en-US"/>
           </a:p>
@@ -481,7 +481,7 @@
           <a:p>
             <a:fld id="{2A14C9FE-EBC3-45D3-899C-58AAF4F8AF71}" type="datetimeFigureOut">
               <a:rPr lang="en-US" smtClean="0"/>
-              <a:t>07-Nov-22</a:t>
+              <a:t>09-Nov-22</a:t>
             </a:fld>
             <a:endParaRPr lang="en-US"/>
           </a:p>
@@ -689,7 +689,7 @@
           <a:p>
             <a:fld id="{2A14C9FE-EBC3-45D3-899C-58AAF4F8AF71}" type="datetimeFigureOut">
               <a:rPr lang="en-US" smtClean="0"/>
-              <a:t>07-Nov-22</a:t>
+              <a:t>09-Nov-22</a:t>
             </a:fld>
             <a:endParaRPr lang="en-US"/>
           </a:p>
@@ -887,7 +887,7 @@
           <a:p>
             <a:fld id="{2A14C9FE-EBC3-45D3-899C-58AAF4F8AF71}" type="datetimeFigureOut">
               <a:rPr lang="en-US" smtClean="0"/>
-              <a:t>07-Nov-22</a:t>
+              <a:t>09-Nov-22</a:t>
             </a:fld>
             <a:endParaRPr lang="en-US"/>
           </a:p>
@@ -1162,7 +1162,7 @@
           <a:p>
             <a:fld id="{2A14C9FE-EBC3-45D3-899C-58AAF4F8AF71}" type="datetimeFigureOut">
               <a:rPr lang="en-US" smtClean="0"/>
-              <a:t>07-Nov-22</a:t>
+              <a:t>09-Nov-22</a:t>
             </a:fld>
             <a:endParaRPr lang="en-US"/>
           </a:p>
@@ -1427,7 +1427,7 @@
           <a:p>
             <a:fld id="{2A14C9FE-EBC3-45D3-899C-58AAF4F8AF71}" type="datetimeFigureOut">
               <a:rPr lang="en-US" smtClean="0"/>
-              <a:t>07-Nov-22</a:t>
+              <a:t>09-Nov-22</a:t>
             </a:fld>
             <a:endParaRPr lang="en-US"/>
           </a:p>
@@ -1839,7 +1839,7 @@
           <a:p>
             <a:fld id="{2A14C9FE-EBC3-45D3-899C-58AAF4F8AF71}" type="datetimeFigureOut">
               <a:rPr lang="en-US" smtClean="0"/>
-              <a:t>07-Nov-22</a:t>
+              <a:t>09-Nov-22</a:t>
             </a:fld>
             <a:endParaRPr lang="en-US"/>
           </a:p>
@@ -1980,7 +1980,7 @@
           <a:p>
             <a:fld id="{2A14C9FE-EBC3-45D3-899C-58AAF4F8AF71}" type="datetimeFigureOut">
               <a:rPr lang="en-US" smtClean="0"/>
-              <a:t>07-Nov-22</a:t>
+              <a:t>09-Nov-22</a:t>
             </a:fld>
             <a:endParaRPr lang="en-US"/>
           </a:p>
@@ -2093,7 +2093,7 @@
           <a:p>
             <a:fld id="{2A14C9FE-EBC3-45D3-899C-58AAF4F8AF71}" type="datetimeFigureOut">
               <a:rPr lang="en-US" smtClean="0"/>
-              <a:t>07-Nov-22</a:t>
+              <a:t>09-Nov-22</a:t>
             </a:fld>
             <a:endParaRPr lang="en-US"/>
           </a:p>
@@ -2404,7 +2404,7 @@
           <a:p>
             <a:fld id="{2A14C9FE-EBC3-45D3-899C-58AAF4F8AF71}" type="datetimeFigureOut">
               <a:rPr lang="en-US" smtClean="0"/>
-              <a:t>07-Nov-22</a:t>
+              <a:t>09-Nov-22</a:t>
             </a:fld>
             <a:endParaRPr lang="en-US"/>
           </a:p>
@@ -2692,7 +2692,7 @@
           <a:p>
             <a:fld id="{2A14C9FE-EBC3-45D3-899C-58AAF4F8AF71}" type="datetimeFigureOut">
               <a:rPr lang="en-US" smtClean="0"/>
-              <a:t>07-Nov-22</a:t>
+              <a:t>09-Nov-22</a:t>
             </a:fld>
             <a:endParaRPr lang="en-US"/>
           </a:p>
@@ -2933,7 +2933,7 @@
           <a:p>
             <a:fld id="{2A14C9FE-EBC3-45D3-899C-58AAF4F8AF71}" type="datetimeFigureOut">
               <a:rPr lang="en-US" smtClean="0"/>
-              <a:t>07-Nov-22</a:t>
+              <a:t>09-Nov-22</a:t>
             </a:fld>
             <a:endParaRPr lang="en-US"/>
           </a:p>
@@ -3395,8 +3395,45 @@
                 <a:latin typeface="Euclid Circular B" panose="020B0504000000000000" pitchFamily="34" charset="0"/>
                 <a:ea typeface="Euclid Circular B" panose="020B0504000000000000" pitchFamily="34" charset="0"/>
               </a:rPr>
-              <a:t>Authorization in Microservice / Distributed Systems</a:t>
-            </a:r>
+              <a:t>Authorization </a:t>
+            </a:r>
+            <a:r>
+              <a:rPr lang="en-US" sz="4000" b="1">
+                <a:solidFill>
+                  <a:srgbClr val="292D33"/>
+                </a:solidFill>
+                <a:latin typeface="Euclid Circular B" panose="020B0504000000000000" pitchFamily="34" charset="0"/>
+                <a:ea typeface="Euclid Circular B" panose="020B0504000000000000" pitchFamily="34" charset="0"/>
+              </a:rPr>
+              <a:t>in a Microservice </a:t>
+            </a:r>
+            <a:r>
+              <a:rPr lang="en-US" sz="4000" b="1" dirty="0">
+                <a:solidFill>
+                  <a:srgbClr val="292D33"/>
+                </a:solidFill>
+                <a:latin typeface="Euclid Circular B" panose="020B0504000000000000" pitchFamily="34" charset="0"/>
+                <a:ea typeface="Euclid Circular B" panose="020B0504000000000000" pitchFamily="34" charset="0"/>
+              </a:rPr>
+              <a:t>/ </a:t>
+            </a:r>
+            <a:r>
+              <a:rPr lang="en-US" sz="4000" b="1">
+                <a:solidFill>
+                  <a:srgbClr val="292D33"/>
+                </a:solidFill>
+                <a:latin typeface="Euclid Circular B" panose="020B0504000000000000" pitchFamily="34" charset="0"/>
+                <a:ea typeface="Euclid Circular B" panose="020B0504000000000000" pitchFamily="34" charset="0"/>
+              </a:rPr>
+              <a:t>Distributed System</a:t>
+            </a:r>
+            <a:endParaRPr lang="en-US" sz="4000" b="1" dirty="0">
+              <a:solidFill>
+                <a:srgbClr val="292D33"/>
+              </a:solidFill>
+              <a:latin typeface="Euclid Circular B" panose="020B0504000000000000" pitchFamily="34" charset="0"/>
+              <a:ea typeface="Euclid Circular B" panose="020B0504000000000000" pitchFamily="34" charset="0"/>
+            </a:endParaRPr>
           </a:p>
         </p:txBody>
       </p:sp>
